--- a/Semester 4/Dasar Kewirausahaan/Pertemuan 3 (21-03-2024)/night market - milestone 1.pptx
+++ b/Semester 4/Dasar Kewirausahaan/Pertemuan 3 (21-03-2024)/night market - milestone 1.pptx
@@ -3289,7 +3289,7 @@
           <a:p>
             <a:fld id="{E2FBF9E8-1F40-410A-A1CC-60BC60DB98B3}" type="datetimeFigureOut">
               <a:rPr lang="en-IN" smtClean="0"/>
-              <a:t>21-03-2024</a:t>
+              <a:t>22-03-2024</a:t>
             </a:fld>
             <a:endParaRPr lang="en-IN"/>
           </a:p>
@@ -4183,7 +4183,7 @@
             <a:fld id="{1D8BD707-D9CF-40AE-B4C6-C98DA3205C09}" type="datetimeFigureOut">
               <a:rPr lang="en-US" smtClean="0"/>
               <a:pPr/>
-              <a:t>3/21/2024</a:t>
+              <a:t>3/22/2024</a:t>
             </a:fld>
             <a:endParaRPr lang="en-US"/>
           </a:p>
@@ -4348,7 +4348,7 @@
             <a:fld id="{1D8BD707-D9CF-40AE-B4C6-C98DA3205C09}" type="datetimeFigureOut">
               <a:rPr lang="en-US" smtClean="0"/>
               <a:pPr/>
-              <a:t>3/21/2024</a:t>
+              <a:t>3/22/2024</a:t>
             </a:fld>
             <a:endParaRPr lang="en-US"/>
           </a:p>
@@ -4523,7 +4523,7 @@
             <a:fld id="{1D8BD707-D9CF-40AE-B4C6-C98DA3205C09}" type="datetimeFigureOut">
               <a:rPr lang="en-US" smtClean="0"/>
               <a:pPr/>
-              <a:t>3/21/2024</a:t>
+              <a:t>3/22/2024</a:t>
             </a:fld>
             <a:endParaRPr lang="en-US"/>
           </a:p>
@@ -5130,7 +5130,7 @@
                 </a:solidFill>
               </a:rPr>
               <a:pPr defTabSz="1371579"/>
-              <a:t>3/21/2024</a:t>
+              <a:t>3/22/2024</a:t>
             </a:fld>
             <a:endParaRPr lang="id-ID">
               <a:solidFill>
@@ -5547,7 +5547,7 @@
             <a:fld id="{1D8BD707-D9CF-40AE-B4C6-C98DA3205C09}" type="datetimeFigureOut">
               <a:rPr lang="en-US" smtClean="0"/>
               <a:pPr/>
-              <a:t>3/21/2024</a:t>
+              <a:t>3/22/2024</a:t>
             </a:fld>
             <a:endParaRPr lang="en-US"/>
           </a:p>
@@ -5789,7 +5789,7 @@
             <a:fld id="{1D8BD707-D9CF-40AE-B4C6-C98DA3205C09}" type="datetimeFigureOut">
               <a:rPr lang="en-US" smtClean="0"/>
               <a:pPr/>
-              <a:t>3/21/2024</a:t>
+              <a:t>3/22/2024</a:t>
             </a:fld>
             <a:endParaRPr lang="en-US"/>
           </a:p>
@@ -6071,7 +6071,7 @@
             <a:fld id="{1D8BD707-D9CF-40AE-B4C6-C98DA3205C09}" type="datetimeFigureOut">
               <a:rPr lang="en-US" smtClean="0"/>
               <a:pPr/>
-              <a:t>3/21/2024</a:t>
+              <a:t>3/22/2024</a:t>
             </a:fld>
             <a:endParaRPr lang="en-US"/>
           </a:p>
@@ -6487,7 +6487,7 @@
             <a:fld id="{1D8BD707-D9CF-40AE-B4C6-C98DA3205C09}" type="datetimeFigureOut">
               <a:rPr lang="en-US" smtClean="0"/>
               <a:pPr/>
-              <a:t>3/21/2024</a:t>
+              <a:t>3/22/2024</a:t>
             </a:fld>
             <a:endParaRPr lang="en-US"/>
           </a:p>
@@ -6601,7 +6601,7 @@
             <a:fld id="{1D8BD707-D9CF-40AE-B4C6-C98DA3205C09}" type="datetimeFigureOut">
               <a:rPr lang="en-US" smtClean="0"/>
               <a:pPr/>
-              <a:t>3/21/2024</a:t>
+              <a:t>3/22/2024</a:t>
             </a:fld>
             <a:endParaRPr lang="en-US"/>
           </a:p>
@@ -6693,7 +6693,7 @@
             <a:fld id="{1D8BD707-D9CF-40AE-B4C6-C98DA3205C09}" type="datetimeFigureOut">
               <a:rPr lang="en-US" smtClean="0"/>
               <a:pPr/>
-              <a:t>3/21/2024</a:t>
+              <a:t>3/22/2024</a:t>
             </a:fld>
             <a:endParaRPr lang="en-US"/>
           </a:p>
@@ -6965,7 +6965,7 @@
             <a:fld id="{1D8BD707-D9CF-40AE-B4C6-C98DA3205C09}" type="datetimeFigureOut">
               <a:rPr lang="en-US" smtClean="0"/>
               <a:pPr/>
-              <a:t>3/21/2024</a:t>
+              <a:t>3/22/2024</a:t>
             </a:fld>
             <a:endParaRPr lang="en-US"/>
           </a:p>
@@ -7214,7 +7214,7 @@
             <a:fld id="{1D8BD707-D9CF-40AE-B4C6-C98DA3205C09}" type="datetimeFigureOut">
               <a:rPr lang="en-US" smtClean="0"/>
               <a:pPr/>
-              <a:t>3/21/2024</a:t>
+              <a:t>3/22/2024</a:t>
             </a:fld>
             <a:endParaRPr lang="en-US"/>
           </a:p>
@@ -7427,7 +7427,7 @@
             <a:fld id="{1D8BD707-D9CF-40AE-B4C6-C98DA3205C09}" type="datetimeFigureOut">
               <a:rPr lang="en-US" smtClean="0"/>
               <a:pPr/>
-              <a:t>3/21/2024</a:t>
+              <a:t>3/22/2024</a:t>
             </a:fld>
             <a:endParaRPr lang="en-US"/>
           </a:p>
@@ -8889,25 +8889,154 @@
             <a:endParaRPr lang="en-US" dirty="0"/>
           </a:p>
           <a:p>
-            <a:endParaRPr lang="en-US" dirty="0"/>
-          </a:p>
-          <a:p>
-            <a:endParaRPr lang="en-US" dirty="0"/>
-          </a:p>
-          <a:p>
-            <a:endParaRPr lang="en-US" dirty="0"/>
-          </a:p>
-          <a:p>
-            <a:endParaRPr lang="en-US" dirty="0"/>
-          </a:p>
-          <a:p>
-            <a:endParaRPr lang="en-US" dirty="0"/>
-          </a:p>
-          <a:p>
-            <a:endParaRPr lang="en-US" dirty="0"/>
-          </a:p>
-          <a:p>
-            <a:endParaRPr lang="en-US" dirty="0"/>
+            <a:r>
+              <a:rPr lang="en-US" dirty="0"/>
+              <a:t> </a:t>
+            </a:r>
+            <a:r>
+              <a:rPr lang="en-US" dirty="0" err="1"/>
+              <a:t>saya</a:t>
+            </a:r>
+            <a:r>
+              <a:rPr lang="en-US" dirty="0"/>
+              <a:t> </a:t>
+            </a:r>
+            <a:r>
+              <a:rPr lang="en-US" dirty="0" err="1"/>
+              <a:t>memiliki</a:t>
+            </a:r>
+            <a:r>
+              <a:rPr lang="en-US" dirty="0"/>
+              <a:t> </a:t>
+            </a:r>
+            <a:r>
+              <a:rPr lang="en-US" dirty="0" err="1"/>
+              <a:t>visi</a:t>
+            </a:r>
+            <a:r>
+              <a:rPr lang="en-US" dirty="0"/>
+              <a:t> yang </a:t>
+            </a:r>
+            <a:r>
+              <a:rPr lang="en-US" dirty="0" err="1"/>
+              <a:t>jelas</a:t>
+            </a:r>
+            <a:r>
+              <a:rPr lang="en-US" dirty="0"/>
+              <a:t> </a:t>
+            </a:r>
+            <a:r>
+              <a:rPr lang="en-US" dirty="0" err="1"/>
+              <a:t>untuk</a:t>
+            </a:r>
+            <a:r>
+              <a:rPr lang="en-US" dirty="0"/>
+              <a:t> masa </a:t>
+            </a:r>
+            <a:r>
+              <a:rPr lang="en-US" dirty="0" err="1"/>
+              <a:t>depan</a:t>
+            </a:r>
+            <a:r>
+              <a:rPr lang="en-US" dirty="0"/>
+              <a:t> </a:t>
+            </a:r>
+            <a:r>
+              <a:rPr lang="en-US" dirty="0" err="1"/>
+              <a:t>perusahaan</a:t>
+            </a:r>
+            <a:r>
+              <a:rPr lang="en-US" dirty="0"/>
+              <a:t>, </a:t>
+            </a:r>
+            <a:r>
+              <a:rPr lang="en-US" dirty="0" err="1"/>
+              <a:t>memahami</a:t>
+            </a:r>
+            <a:r>
+              <a:rPr lang="en-US" dirty="0"/>
+              <a:t> </a:t>
+            </a:r>
+            <a:r>
+              <a:rPr lang="en-US" dirty="0" err="1"/>
+              <a:t>industri</a:t>
+            </a:r>
+            <a:r>
+              <a:rPr lang="en-US" dirty="0"/>
+              <a:t> game dan </a:t>
+            </a:r>
+            <a:r>
+              <a:rPr lang="en-US" dirty="0" err="1"/>
+              <a:t>layanan</a:t>
+            </a:r>
+            <a:r>
+              <a:rPr lang="en-US" dirty="0"/>
+              <a:t> </a:t>
+            </a:r>
+            <a:r>
+              <a:rPr lang="en-US" dirty="0" err="1"/>
+              <a:t>jasa</a:t>
+            </a:r>
+            <a:r>
+              <a:rPr lang="en-US" dirty="0"/>
+              <a:t> top up, </a:t>
+            </a:r>
+            <a:r>
+              <a:rPr lang="en-US" dirty="0" err="1"/>
+              <a:t>serta</a:t>
+            </a:r>
+            <a:r>
+              <a:rPr lang="en-US" dirty="0"/>
+              <a:t> </a:t>
+            </a:r>
+            <a:r>
+              <a:rPr lang="en-US" dirty="0" err="1"/>
+              <a:t>fokus</a:t>
+            </a:r>
+            <a:r>
+              <a:rPr lang="en-US" dirty="0"/>
+              <a:t> pada </a:t>
+            </a:r>
+            <a:r>
+              <a:rPr lang="en-US" dirty="0" err="1"/>
+              <a:t>memberikan</a:t>
+            </a:r>
+            <a:r>
+              <a:rPr lang="en-US" dirty="0"/>
+              <a:t> </a:t>
+            </a:r>
+            <a:r>
+              <a:rPr lang="en-US" dirty="0" err="1"/>
+              <a:t>layanan</a:t>
+            </a:r>
+            <a:r>
+              <a:rPr lang="en-US" dirty="0"/>
+              <a:t> </a:t>
+            </a:r>
+            <a:r>
+              <a:rPr lang="en-US" dirty="0" err="1"/>
+              <a:t>terbaik</a:t>
+            </a:r>
+            <a:r>
+              <a:rPr lang="en-US" dirty="0"/>
+              <a:t> </a:t>
+            </a:r>
+            <a:r>
+              <a:rPr lang="en-US" dirty="0" err="1"/>
+              <a:t>bagi</a:t>
+            </a:r>
+            <a:r>
+              <a:rPr lang="en-US" dirty="0"/>
+              <a:t> para </a:t>
+            </a:r>
+            <a:r>
+              <a:rPr lang="en-US" dirty="0" err="1"/>
+              <a:t>pelanggan</a:t>
+            </a:r>
+            <a:r>
+              <a:rPr lang="en-US" dirty="0"/>
+              <a:t>. </a:t>
+            </a:r>
           </a:p>
           <a:p>
             <a:endParaRPr lang="en-US" dirty="0"/>
@@ -8949,25 +9078,126 @@
             <a:endParaRPr lang="en-US" dirty="0"/>
           </a:p>
           <a:p>
-            <a:endParaRPr lang="en-US" dirty="0"/>
-          </a:p>
-          <a:p>
-            <a:endParaRPr lang="en-US" dirty="0"/>
-          </a:p>
-          <a:p>
-            <a:endParaRPr lang="en-US" dirty="0"/>
-          </a:p>
-          <a:p>
-            <a:endParaRPr lang="en-US" dirty="0"/>
-          </a:p>
-          <a:p>
-            <a:endParaRPr lang="en-US" dirty="0"/>
-          </a:p>
-          <a:p>
-            <a:endParaRPr lang="en-US" dirty="0"/>
-          </a:p>
-          <a:p>
-            <a:endParaRPr lang="en-US" dirty="0"/>
+            <a:r>
+              <a:rPr lang="en-US" dirty="0" err="1"/>
+              <a:t>saya</a:t>
+            </a:r>
+            <a:r>
+              <a:rPr lang="en-US" dirty="0"/>
+              <a:t> </a:t>
+            </a:r>
+            <a:r>
+              <a:rPr lang="en-US" dirty="0" err="1"/>
+              <a:t>memiliki</a:t>
+            </a:r>
+            <a:r>
+              <a:rPr lang="en-US" dirty="0"/>
+              <a:t> </a:t>
+            </a:r>
+            <a:r>
+              <a:rPr lang="en-US" dirty="0" err="1"/>
+              <a:t>keahlian</a:t>
+            </a:r>
+            <a:r>
+              <a:rPr lang="en-US" dirty="0"/>
+              <a:t> </a:t>
+            </a:r>
+            <a:r>
+              <a:rPr lang="en-US" dirty="0" err="1"/>
+              <a:t>teknis</a:t>
+            </a:r>
+            <a:r>
+              <a:rPr lang="en-US" dirty="0"/>
+              <a:t> yang </a:t>
+            </a:r>
+            <a:r>
+              <a:rPr lang="en-US" dirty="0" err="1"/>
+              <a:t>kuat</a:t>
+            </a:r>
+            <a:r>
+              <a:rPr lang="en-US" dirty="0"/>
+              <a:t>, </a:t>
+            </a:r>
+            <a:r>
+              <a:rPr lang="en-US" dirty="0" err="1"/>
+              <a:t>kemampuan</a:t>
+            </a:r>
+            <a:r>
+              <a:rPr lang="en-US" dirty="0"/>
+              <a:t> </a:t>
+            </a:r>
+            <a:r>
+              <a:rPr lang="en-US" dirty="0" err="1"/>
+              <a:t>berinovasi</a:t>
+            </a:r>
+            <a:r>
+              <a:rPr lang="en-US" dirty="0"/>
+              <a:t>, dan </a:t>
+            </a:r>
+            <a:r>
+              <a:rPr lang="en-US" dirty="0" err="1"/>
+              <a:t>kepemimpinan</a:t>
+            </a:r>
+            <a:r>
+              <a:rPr lang="en-US" dirty="0"/>
+              <a:t> yang </a:t>
+            </a:r>
+            <a:r>
+              <a:rPr lang="en-US" dirty="0" err="1"/>
+              <a:t>efektif</a:t>
+            </a:r>
+            <a:r>
+              <a:rPr lang="en-US" dirty="0"/>
+              <a:t>. Saya </a:t>
+            </a:r>
+            <a:r>
+              <a:rPr lang="en-US" dirty="0" err="1"/>
+              <a:t>mampu</a:t>
+            </a:r>
+            <a:r>
+              <a:rPr lang="en-US" dirty="0"/>
+              <a:t> </a:t>
+            </a:r>
+            <a:r>
+              <a:rPr lang="en-US" dirty="0" err="1"/>
+              <a:t>berkomunikasi</a:t>
+            </a:r>
+            <a:r>
+              <a:rPr lang="en-US" dirty="0"/>
+              <a:t> </a:t>
+            </a:r>
+            <a:r>
+              <a:rPr lang="en-US" dirty="0" err="1"/>
+              <a:t>secara</a:t>
+            </a:r>
+            <a:r>
+              <a:rPr lang="en-US" dirty="0"/>
+              <a:t> </a:t>
+            </a:r>
+            <a:r>
+              <a:rPr lang="en-US" dirty="0" err="1"/>
+              <a:t>efektif</a:t>
+            </a:r>
+            <a:r>
+              <a:rPr lang="en-US" dirty="0"/>
+              <a:t> dan </a:t>
+            </a:r>
+            <a:r>
+              <a:rPr lang="en-US" dirty="0" err="1"/>
+              <a:t>fokus</a:t>
+            </a:r>
+            <a:r>
+              <a:rPr lang="en-US" dirty="0"/>
+              <a:t> pada </a:t>
+            </a:r>
+            <a:r>
+              <a:rPr lang="en-US" dirty="0" err="1"/>
+              <a:t>hasil</a:t>
+            </a:r>
+            <a:r>
+              <a:rPr lang="en-US" dirty="0"/>
+              <a:t>.</a:t>
+            </a:r>
           </a:p>
           <a:p>
             <a:endParaRPr lang="en-US" dirty="0"/>
@@ -8982,8 +9212,8 @@
         </p:nvSpPr>
         <p:spPr>
           <a:xfrm>
-            <a:off x="7286865" y="6535299"/>
-            <a:ext cx="2628546" cy="2862322"/>
+            <a:off x="7286865" y="6210300"/>
+            <a:ext cx="2628546" cy="3693319"/>
           </a:xfrm>
           <a:prstGeom prst="rect">
             <a:avLst/>
@@ -9002,32 +9232,149 @@
           <a:p>
             <a:r>
               <a:rPr lang="en-US" dirty="0"/>
-              <a:t>Key Strengths and abilities :</a:t>
+              <a:t>Key Strengths and abilities </a:t>
             </a:r>
           </a:p>
           <a:p>
             <a:endParaRPr lang="en-US" dirty="0"/>
           </a:p>
           <a:p>
-            <a:endParaRPr lang="en-US" dirty="0"/>
-          </a:p>
-          <a:p>
-            <a:endParaRPr lang="en-US" dirty="0"/>
-          </a:p>
-          <a:p>
-            <a:endParaRPr lang="en-US" dirty="0"/>
-          </a:p>
-          <a:p>
-            <a:endParaRPr lang="en-US" dirty="0"/>
-          </a:p>
-          <a:p>
-            <a:endParaRPr lang="en-US" dirty="0"/>
-          </a:p>
-          <a:p>
-            <a:endParaRPr lang="en-US" dirty="0"/>
-          </a:p>
-          <a:p>
-            <a:endParaRPr lang="en-US" dirty="0"/>
+            <a:r>
+              <a:rPr lang="en-US" dirty="0" err="1"/>
+              <a:t>saya</a:t>
+            </a:r>
+            <a:r>
+              <a:rPr lang="en-US" dirty="0"/>
+              <a:t> </a:t>
+            </a:r>
+            <a:r>
+              <a:rPr lang="en-US" dirty="0" err="1"/>
+              <a:t>memiliki</a:t>
+            </a:r>
+            <a:r>
+              <a:rPr lang="en-US" dirty="0"/>
+              <a:t> </a:t>
+            </a:r>
+            <a:r>
+              <a:rPr lang="en-US" dirty="0" err="1"/>
+              <a:t>pemahaman</a:t>
+            </a:r>
+            <a:r>
+              <a:rPr lang="en-US" dirty="0"/>
+              <a:t> </a:t>
+            </a:r>
+            <a:r>
+              <a:rPr lang="en-US" dirty="0" err="1"/>
+              <a:t>mendalam</a:t>
+            </a:r>
+            <a:r>
+              <a:rPr lang="en-US" dirty="0"/>
+              <a:t> </a:t>
+            </a:r>
+            <a:r>
+              <a:rPr lang="en-US" dirty="0" err="1"/>
+              <a:t>tentang</a:t>
+            </a:r>
+            <a:r>
+              <a:rPr lang="en-US" dirty="0"/>
+              <a:t> </a:t>
+            </a:r>
+            <a:r>
+              <a:rPr lang="en-US" dirty="0" err="1"/>
+              <a:t>industri</a:t>
+            </a:r>
+            <a:r>
+              <a:rPr lang="en-US" dirty="0"/>
+              <a:t> game dan </a:t>
+            </a:r>
+            <a:r>
+              <a:rPr lang="en-US" dirty="0" err="1"/>
+              <a:t>perilaku</a:t>
+            </a:r>
+            <a:r>
+              <a:rPr lang="en-US" dirty="0"/>
+              <a:t> </a:t>
+            </a:r>
+            <a:r>
+              <a:rPr lang="en-US" dirty="0" err="1"/>
+              <a:t>konsumen</a:t>
+            </a:r>
+            <a:r>
+              <a:rPr lang="en-US" dirty="0"/>
+              <a:t>, </a:t>
+            </a:r>
+            <a:r>
+              <a:rPr lang="en-US" dirty="0" err="1"/>
+              <a:t>mampu</a:t>
+            </a:r>
+            <a:r>
+              <a:rPr lang="en-US" dirty="0"/>
+              <a:t> </a:t>
+            </a:r>
+            <a:r>
+              <a:rPr lang="en-US" dirty="0" err="1"/>
+              <a:t>mengembangkan</a:t>
+            </a:r>
+            <a:r>
+              <a:rPr lang="en-US" dirty="0"/>
+              <a:t> strategi marketing yang </a:t>
+            </a:r>
+            <a:r>
+              <a:rPr lang="en-US" dirty="0" err="1"/>
+              <a:t>efektif</a:t>
+            </a:r>
+            <a:r>
+              <a:rPr lang="en-US" dirty="0"/>
+              <a:t>, </a:t>
+            </a:r>
+            <a:r>
+              <a:rPr lang="en-US" dirty="0" err="1"/>
+              <a:t>membangun</a:t>
+            </a:r>
+            <a:r>
+              <a:rPr lang="en-US" dirty="0"/>
+              <a:t> brand awareness yang </a:t>
+            </a:r>
+            <a:r>
+              <a:rPr lang="en-US" dirty="0" err="1"/>
+              <a:t>kuat</a:t>
+            </a:r>
+            <a:r>
+              <a:rPr lang="en-US" dirty="0"/>
+              <a:t>, dan </a:t>
+            </a:r>
+            <a:r>
+              <a:rPr lang="en-US" dirty="0" err="1"/>
+              <a:t>memimpin</a:t>
+            </a:r>
+            <a:r>
+              <a:rPr lang="en-US" dirty="0"/>
+              <a:t> </a:t>
+            </a:r>
+            <a:r>
+              <a:rPr lang="en-US" dirty="0" err="1"/>
+              <a:t>tim</a:t>
+            </a:r>
+            <a:r>
+              <a:rPr lang="en-US" dirty="0"/>
+              <a:t> marketing yang </a:t>
+            </a:r>
+            <a:r>
+              <a:rPr lang="en-US" dirty="0" err="1"/>
+              <a:t>kreatif</a:t>
+            </a:r>
+            <a:r>
+              <a:rPr lang="en-US" dirty="0"/>
+              <a:t> dan </a:t>
+            </a:r>
+            <a:r>
+              <a:rPr lang="en-US" dirty="0" err="1"/>
+              <a:t>inovatif</a:t>
+            </a:r>
+            <a:r>
+              <a:rPr lang="en-US" dirty="0"/>
+              <a:t>. </a:t>
+            </a:r>
           </a:p>
         </p:txBody>
       </p:sp>
@@ -9040,7 +9387,7 @@
         <p:spPr>
           <a:xfrm>
             <a:off x="10696364" y="3592685"/>
-            <a:ext cx="6853158" cy="2804870"/>
+            <a:ext cx="7439236" cy="2599686"/>
           </a:xfrm>
           <a:prstGeom prst="rect">
             <a:avLst/>
@@ -9052,7 +9399,7 @@
           </a:ln>
         </p:spPr>
         <p:txBody>
-          <a:bodyPr wrap="none">
+          <a:bodyPr wrap="square">
             <a:spAutoFit/>
           </a:bodyPr>
           <a:lstStyle/>
@@ -9121,6 +9468,309 @@
               <a:buFont typeface="Arial"/>
               <a:buNone/>
             </a:pPr>
+            <a:r>
+              <a:rPr lang="en-GB" b="1" kern="0" dirty="0">
+                <a:solidFill>
+                  <a:srgbClr val="000000"/>
+                </a:solidFill>
+                <a:latin typeface="Arial"/>
+                <a:ea typeface="+mn-lt"/>
+                <a:cs typeface="Arial"/>
+                <a:sym typeface="Arial"/>
+              </a:rPr>
+              <a:t>Tim kami </a:t>
+            </a:r>
+            <a:r>
+              <a:rPr lang="en-GB" b="1" kern="0" dirty="0" err="1">
+                <a:solidFill>
+                  <a:srgbClr val="000000"/>
+                </a:solidFill>
+                <a:latin typeface="Arial"/>
+                <a:ea typeface="+mn-lt"/>
+                <a:cs typeface="Arial"/>
+                <a:sym typeface="Arial"/>
+              </a:rPr>
+              <a:t>unggul</a:t>
+            </a:r>
+            <a:r>
+              <a:rPr lang="en-GB" b="1" kern="0" dirty="0">
+                <a:solidFill>
+                  <a:srgbClr val="000000"/>
+                </a:solidFill>
+                <a:latin typeface="Arial"/>
+                <a:ea typeface="+mn-lt"/>
+                <a:cs typeface="Arial"/>
+                <a:sym typeface="Arial"/>
+              </a:rPr>
+              <a:t> </a:t>
+            </a:r>
+            <a:r>
+              <a:rPr lang="en-GB" b="1" kern="0" dirty="0" err="1">
+                <a:solidFill>
+                  <a:srgbClr val="000000"/>
+                </a:solidFill>
+                <a:latin typeface="Arial"/>
+                <a:ea typeface="+mn-lt"/>
+                <a:cs typeface="Arial"/>
+                <a:sym typeface="Arial"/>
+              </a:rPr>
+              <a:t>dalam</a:t>
+            </a:r>
+            <a:r>
+              <a:rPr lang="en-GB" b="1" kern="0" dirty="0">
+                <a:solidFill>
+                  <a:srgbClr val="000000"/>
+                </a:solidFill>
+                <a:latin typeface="Arial"/>
+                <a:ea typeface="+mn-lt"/>
+                <a:cs typeface="Arial"/>
+                <a:sym typeface="Arial"/>
+              </a:rPr>
+              <a:t> </a:t>
+            </a:r>
+            <a:r>
+              <a:rPr lang="en-GB" b="1" kern="0" dirty="0" err="1">
+                <a:solidFill>
+                  <a:srgbClr val="000000"/>
+                </a:solidFill>
+                <a:latin typeface="Arial"/>
+                <a:ea typeface="+mn-lt"/>
+                <a:cs typeface="Arial"/>
+                <a:sym typeface="Arial"/>
+              </a:rPr>
+              <a:t>menyelesaikan</a:t>
+            </a:r>
+            <a:r>
+              <a:rPr lang="en-GB" b="1" kern="0" dirty="0">
+                <a:solidFill>
+                  <a:srgbClr val="000000"/>
+                </a:solidFill>
+                <a:latin typeface="Arial"/>
+                <a:ea typeface="+mn-lt"/>
+                <a:cs typeface="Arial"/>
+                <a:sym typeface="Arial"/>
+              </a:rPr>
+              <a:t> </a:t>
+            </a:r>
+            <a:r>
+              <a:rPr lang="en-GB" b="1" kern="0" dirty="0" err="1">
+                <a:solidFill>
+                  <a:srgbClr val="000000"/>
+                </a:solidFill>
+                <a:latin typeface="Arial"/>
+                <a:ea typeface="+mn-lt"/>
+                <a:cs typeface="Arial"/>
+                <a:sym typeface="Arial"/>
+              </a:rPr>
+              <a:t>masalah</a:t>
+            </a:r>
+            <a:r>
+              <a:rPr lang="en-GB" b="1" kern="0" dirty="0">
+                <a:solidFill>
+                  <a:srgbClr val="000000"/>
+                </a:solidFill>
+                <a:latin typeface="Arial"/>
+                <a:ea typeface="+mn-lt"/>
+                <a:cs typeface="Arial"/>
+                <a:sym typeface="Arial"/>
+              </a:rPr>
+              <a:t> top-up game </a:t>
+            </a:r>
+            <a:r>
+              <a:rPr lang="en-GB" b="1" kern="0" dirty="0" err="1">
+                <a:solidFill>
+                  <a:srgbClr val="000000"/>
+                </a:solidFill>
+                <a:latin typeface="Arial"/>
+                <a:ea typeface="+mn-lt"/>
+                <a:cs typeface="Arial"/>
+                <a:sym typeface="Arial"/>
+              </a:rPr>
+              <a:t>karena</a:t>
+            </a:r>
+            <a:r>
+              <a:rPr lang="en-GB" b="1" kern="0" dirty="0">
+                <a:solidFill>
+                  <a:srgbClr val="000000"/>
+                </a:solidFill>
+                <a:latin typeface="Arial"/>
+                <a:ea typeface="+mn-lt"/>
+                <a:cs typeface="Arial"/>
+                <a:sym typeface="Arial"/>
+              </a:rPr>
+              <a:t> </a:t>
+            </a:r>
+            <a:r>
+              <a:rPr lang="en-GB" b="1" kern="0" dirty="0" err="1">
+                <a:solidFill>
+                  <a:srgbClr val="000000"/>
+                </a:solidFill>
+                <a:latin typeface="Arial"/>
+                <a:ea typeface="+mn-lt"/>
+                <a:cs typeface="Arial"/>
+                <a:sym typeface="Arial"/>
+              </a:rPr>
+              <a:t>memiliki</a:t>
+            </a:r>
+            <a:r>
+              <a:rPr lang="en-GB" b="1" kern="0" dirty="0">
+                <a:solidFill>
+                  <a:srgbClr val="000000"/>
+                </a:solidFill>
+                <a:latin typeface="Arial"/>
+                <a:ea typeface="+mn-lt"/>
+                <a:cs typeface="Arial"/>
+                <a:sym typeface="Arial"/>
+              </a:rPr>
+              <a:t> </a:t>
+            </a:r>
+            <a:r>
+              <a:rPr lang="en-GB" b="1" kern="0" dirty="0" err="1">
+                <a:solidFill>
+                  <a:srgbClr val="000000"/>
+                </a:solidFill>
+                <a:latin typeface="Arial"/>
+                <a:ea typeface="+mn-lt"/>
+                <a:cs typeface="Arial"/>
+                <a:sym typeface="Arial"/>
+              </a:rPr>
+              <a:t>kombinasi</a:t>
+            </a:r>
+            <a:r>
+              <a:rPr lang="en-GB" b="1" kern="0" dirty="0">
+                <a:solidFill>
+                  <a:srgbClr val="000000"/>
+                </a:solidFill>
+                <a:latin typeface="Arial"/>
+                <a:ea typeface="+mn-lt"/>
+                <a:cs typeface="Arial"/>
+                <a:sym typeface="Arial"/>
+              </a:rPr>
+              <a:t> </a:t>
+            </a:r>
+            <a:r>
+              <a:rPr lang="en-GB" b="1" kern="0" dirty="0" err="1">
+                <a:solidFill>
+                  <a:srgbClr val="000000"/>
+                </a:solidFill>
+                <a:latin typeface="Arial"/>
+                <a:ea typeface="+mn-lt"/>
+                <a:cs typeface="Arial"/>
+                <a:sym typeface="Arial"/>
+              </a:rPr>
+              <a:t>kekuatan</a:t>
+            </a:r>
+            <a:r>
+              <a:rPr lang="en-GB" b="1" kern="0" dirty="0">
+                <a:solidFill>
+                  <a:srgbClr val="000000"/>
+                </a:solidFill>
+                <a:latin typeface="Arial"/>
+                <a:ea typeface="+mn-lt"/>
+                <a:cs typeface="Arial"/>
+                <a:sym typeface="Arial"/>
+              </a:rPr>
+              <a:t>:</a:t>
+            </a:r>
+          </a:p>
+          <a:p>
+            <a:pPr marL="285750" indent="-285750">
+              <a:lnSpc>
+                <a:spcPct val="90000"/>
+              </a:lnSpc>
+              <a:spcBef>
+                <a:spcPts val="750"/>
+              </a:spcBef>
+              <a:buClr>
+                <a:srgbClr val="000000"/>
+              </a:buClr>
+              <a:buFont typeface="Arial" panose="020B0604020202020204" pitchFamily="34" charset="0"/>
+              <a:buChar char="•"/>
+            </a:pPr>
+            <a:r>
+              <a:rPr lang="en-GB" b="1" kern="0" dirty="0" err="1">
+                <a:solidFill>
+                  <a:srgbClr val="000000"/>
+                </a:solidFill>
+                <a:latin typeface="Arial"/>
+                <a:ea typeface="+mn-lt"/>
+                <a:cs typeface="Arial"/>
+                <a:sym typeface="Arial"/>
+              </a:rPr>
+              <a:t>Pemahaman</a:t>
+            </a:r>
+            <a:r>
+              <a:rPr lang="en-GB" b="1" kern="0" dirty="0">
+                <a:solidFill>
+                  <a:srgbClr val="000000"/>
+                </a:solidFill>
+                <a:latin typeface="Arial"/>
+                <a:ea typeface="+mn-lt"/>
+                <a:cs typeface="Arial"/>
+                <a:sym typeface="Arial"/>
+              </a:rPr>
+              <a:t> </a:t>
+            </a:r>
+            <a:r>
+              <a:rPr lang="en-GB" b="1" kern="0" dirty="0" err="1">
+                <a:solidFill>
+                  <a:srgbClr val="000000"/>
+                </a:solidFill>
+                <a:latin typeface="Arial"/>
+                <a:ea typeface="+mn-lt"/>
+                <a:cs typeface="Arial"/>
+                <a:sym typeface="Arial"/>
+              </a:rPr>
+              <a:t>industri</a:t>
+            </a:r>
+            <a:r>
+              <a:rPr lang="en-GB" b="1" kern="0" dirty="0">
+                <a:solidFill>
+                  <a:srgbClr val="000000"/>
+                </a:solidFill>
+                <a:latin typeface="Arial"/>
+                <a:ea typeface="+mn-lt"/>
+                <a:cs typeface="Arial"/>
+                <a:sym typeface="Arial"/>
+              </a:rPr>
+              <a:t> game &amp; </a:t>
+            </a:r>
+            <a:r>
+              <a:rPr lang="en-GB" b="1" kern="0" dirty="0" err="1">
+                <a:solidFill>
+                  <a:srgbClr val="000000"/>
+                </a:solidFill>
+                <a:latin typeface="Arial"/>
+                <a:ea typeface="+mn-lt"/>
+                <a:cs typeface="Arial"/>
+                <a:sym typeface="Arial"/>
+              </a:rPr>
+              <a:t>keahlian</a:t>
+            </a:r>
+            <a:r>
+              <a:rPr lang="en-GB" b="1" kern="0" dirty="0">
+                <a:solidFill>
+                  <a:srgbClr val="000000"/>
+                </a:solidFill>
+                <a:latin typeface="Arial"/>
+                <a:ea typeface="+mn-lt"/>
+                <a:cs typeface="Arial"/>
+                <a:sym typeface="Arial"/>
+              </a:rPr>
+              <a:t> </a:t>
+            </a:r>
+            <a:r>
+              <a:rPr lang="en-GB" b="1" kern="0" dirty="0" err="1">
+                <a:solidFill>
+                  <a:srgbClr val="000000"/>
+                </a:solidFill>
+                <a:latin typeface="Arial"/>
+                <a:ea typeface="+mn-lt"/>
+                <a:cs typeface="Arial"/>
+                <a:sym typeface="Arial"/>
+              </a:rPr>
+              <a:t>teknis</a:t>
+            </a:r>
             <a:endParaRPr lang="en-GB" b="1" kern="0" dirty="0">
               <a:solidFill>
                 <a:srgbClr val="000000"/>
@@ -9130,6 +9780,141 @@
               <a:cs typeface="Arial"/>
               <a:sym typeface="Arial"/>
             </a:endParaRPr>
+          </a:p>
+          <a:p>
+            <a:pPr marL="285750" indent="-285750">
+              <a:lnSpc>
+                <a:spcPct val="90000"/>
+              </a:lnSpc>
+              <a:spcBef>
+                <a:spcPts val="750"/>
+              </a:spcBef>
+              <a:buClr>
+                <a:srgbClr val="000000"/>
+              </a:buClr>
+              <a:buFont typeface="Arial" panose="020B0604020202020204" pitchFamily="34" charset="0"/>
+              <a:buChar char="•"/>
+            </a:pPr>
+            <a:r>
+              <a:rPr lang="en-GB" b="1" kern="0" dirty="0" err="1">
+                <a:solidFill>
+                  <a:srgbClr val="000000"/>
+                </a:solidFill>
+                <a:latin typeface="Arial"/>
+                <a:ea typeface="+mn-lt"/>
+                <a:cs typeface="Arial"/>
+                <a:sym typeface="Arial"/>
+              </a:rPr>
+              <a:t>Fokus</a:t>
+            </a:r>
+            <a:r>
+              <a:rPr lang="en-GB" b="1" kern="0" dirty="0">
+                <a:solidFill>
+                  <a:srgbClr val="000000"/>
+                </a:solidFill>
+                <a:latin typeface="Arial"/>
+                <a:ea typeface="+mn-lt"/>
+                <a:cs typeface="Arial"/>
+                <a:sym typeface="Arial"/>
+              </a:rPr>
+              <a:t> pada </a:t>
+            </a:r>
+            <a:r>
+              <a:rPr lang="en-GB" b="1" kern="0" dirty="0" err="1">
+                <a:solidFill>
+                  <a:srgbClr val="000000"/>
+                </a:solidFill>
+                <a:latin typeface="Arial"/>
+                <a:ea typeface="+mn-lt"/>
+                <a:cs typeface="Arial"/>
+                <a:sym typeface="Arial"/>
+              </a:rPr>
+              <a:t>kepuasan</a:t>
+            </a:r>
+            <a:r>
+              <a:rPr lang="en-GB" b="1" kern="0" dirty="0">
+                <a:solidFill>
+                  <a:srgbClr val="000000"/>
+                </a:solidFill>
+                <a:latin typeface="Arial"/>
+                <a:ea typeface="+mn-lt"/>
+                <a:cs typeface="Arial"/>
+                <a:sym typeface="Arial"/>
+              </a:rPr>
+              <a:t> </a:t>
+            </a:r>
+            <a:r>
+              <a:rPr lang="en-GB" b="1" kern="0" dirty="0" err="1">
+                <a:solidFill>
+                  <a:srgbClr val="000000"/>
+                </a:solidFill>
+                <a:latin typeface="Arial"/>
+                <a:ea typeface="+mn-lt"/>
+                <a:cs typeface="Arial"/>
+                <a:sym typeface="Arial"/>
+              </a:rPr>
+              <a:t>pelanggan</a:t>
+            </a:r>
+            <a:r>
+              <a:rPr lang="en-GB" b="1" kern="0" dirty="0">
+                <a:solidFill>
+                  <a:srgbClr val="000000"/>
+                </a:solidFill>
+                <a:latin typeface="Arial"/>
+                <a:ea typeface="+mn-lt"/>
+                <a:cs typeface="Arial"/>
+                <a:sym typeface="Arial"/>
+              </a:rPr>
+              <a:t> &amp; </a:t>
+            </a:r>
+            <a:r>
+              <a:rPr lang="en-GB" b="1" kern="0" dirty="0" err="1">
+                <a:solidFill>
+                  <a:srgbClr val="000000"/>
+                </a:solidFill>
+                <a:latin typeface="Arial"/>
+                <a:ea typeface="+mn-lt"/>
+                <a:cs typeface="Arial"/>
+                <a:sym typeface="Arial"/>
+              </a:rPr>
+              <a:t>semangat</a:t>
+            </a:r>
+            <a:r>
+              <a:rPr lang="en-GB" b="1" kern="0" dirty="0">
+                <a:solidFill>
+                  <a:srgbClr val="000000"/>
+                </a:solidFill>
+                <a:latin typeface="Arial"/>
+                <a:ea typeface="+mn-lt"/>
+                <a:cs typeface="Arial"/>
+                <a:sym typeface="Arial"/>
+              </a:rPr>
+              <a:t> </a:t>
+            </a:r>
+            <a:r>
+              <a:rPr lang="en-GB" b="1" kern="0" dirty="0" err="1">
+                <a:solidFill>
+                  <a:srgbClr val="000000"/>
+                </a:solidFill>
+                <a:latin typeface="Arial"/>
+                <a:ea typeface="+mn-lt"/>
+                <a:cs typeface="Arial"/>
+                <a:sym typeface="Arial"/>
+              </a:rPr>
+              <a:t>untuk</a:t>
+            </a:r>
+            <a:r>
+              <a:rPr lang="en-GB" b="1" kern="0" dirty="0">
+                <a:solidFill>
+                  <a:srgbClr val="000000"/>
+                </a:solidFill>
+                <a:latin typeface="Arial"/>
+                <a:ea typeface="+mn-lt"/>
+                <a:cs typeface="Arial"/>
+                <a:sym typeface="Arial"/>
+              </a:rPr>
+              <a:t> game</a:t>
+            </a:r>
           </a:p>
           <a:p>
             <a:pPr>
@@ -9145,111 +9930,222 @@
               <a:buFont typeface="Arial"/>
               <a:buNone/>
             </a:pPr>
-            <a:endParaRPr lang="en-GB" b="1" kern="0" dirty="0">
-              <a:solidFill>
-                <a:srgbClr val="000000"/>
-              </a:solidFill>
-              <a:latin typeface="Arial"/>
-              <a:ea typeface="+mn-lt"/>
-              <a:cs typeface="Arial"/>
-              <a:sym typeface="Arial"/>
-            </a:endParaRPr>
-          </a:p>
-          <a:p>
-            <a:pPr>
-              <a:lnSpc>
-                <a:spcPct val="90000"/>
-              </a:lnSpc>
-              <a:spcBef>
-                <a:spcPts val="750"/>
-              </a:spcBef>
-              <a:buClr>
-                <a:srgbClr val="000000"/>
-              </a:buClr>
-              <a:buFont typeface="Arial"/>
-              <a:buNone/>
-            </a:pPr>
-            <a:endParaRPr lang="en-GB" b="1" kern="0" dirty="0">
-              <a:solidFill>
-                <a:srgbClr val="000000"/>
-              </a:solidFill>
-              <a:latin typeface="Arial"/>
-              <a:ea typeface="+mn-lt"/>
-              <a:cs typeface="Arial"/>
-              <a:sym typeface="Arial"/>
-            </a:endParaRPr>
-          </a:p>
-          <a:p>
-            <a:pPr>
-              <a:lnSpc>
-                <a:spcPct val="90000"/>
-              </a:lnSpc>
-              <a:spcBef>
-                <a:spcPts val="750"/>
-              </a:spcBef>
-              <a:buClr>
-                <a:srgbClr val="000000"/>
-              </a:buClr>
-              <a:buFont typeface="Arial"/>
-              <a:buNone/>
-            </a:pPr>
-            <a:endParaRPr lang="en-GB" b="1" kern="0" dirty="0">
-              <a:solidFill>
-                <a:srgbClr val="000000"/>
-              </a:solidFill>
-              <a:latin typeface="Arial"/>
-              <a:ea typeface="+mn-lt"/>
-              <a:cs typeface="Arial"/>
-              <a:sym typeface="Arial"/>
-            </a:endParaRPr>
-          </a:p>
-          <a:p>
-            <a:pPr>
-              <a:lnSpc>
-                <a:spcPct val="90000"/>
-              </a:lnSpc>
-              <a:spcBef>
-                <a:spcPts val="750"/>
-              </a:spcBef>
-              <a:buClr>
-                <a:srgbClr val="000000"/>
-              </a:buClr>
-              <a:buFont typeface="Arial"/>
-              <a:buNone/>
-            </a:pPr>
-            <a:endParaRPr lang="en-GB" b="1" kern="0" dirty="0">
-              <a:solidFill>
-                <a:srgbClr val="000000"/>
-              </a:solidFill>
-              <a:latin typeface="Arial"/>
-              <a:ea typeface="+mn-lt"/>
-              <a:cs typeface="Arial"/>
-              <a:sym typeface="Arial"/>
-            </a:endParaRPr>
-          </a:p>
-          <a:p>
-            <a:pPr>
-              <a:lnSpc>
-                <a:spcPct val="90000"/>
-              </a:lnSpc>
-              <a:spcBef>
-                <a:spcPts val="750"/>
-              </a:spcBef>
-              <a:buClr>
-                <a:srgbClr val="000000"/>
-              </a:buClr>
-              <a:buFont typeface="Arial"/>
-              <a:buNone/>
-            </a:pPr>
-            <a:endParaRPr lang="en-GB" kern="0" dirty="0">
-              <a:solidFill>
-                <a:srgbClr val="000000"/>
-              </a:solidFill>
-              <a:latin typeface="Arial"/>
-              <a:ea typeface="+mn-lt"/>
-              <a:cs typeface="Arial"/>
-              <a:sym typeface="Arial"/>
-            </a:endParaRPr>
+            <a:r>
+              <a:rPr lang="en-GB" b="1" kern="0" dirty="0" err="1">
+                <a:solidFill>
+                  <a:srgbClr val="000000"/>
+                </a:solidFill>
+                <a:latin typeface="Arial"/>
+                <a:ea typeface="+mn-lt"/>
+                <a:cs typeface="Arial"/>
+                <a:sym typeface="Arial"/>
+              </a:rPr>
+              <a:t>Kekuatan</a:t>
+            </a:r>
+            <a:r>
+              <a:rPr lang="en-GB" b="1" kern="0" dirty="0">
+                <a:solidFill>
+                  <a:srgbClr val="000000"/>
+                </a:solidFill>
+                <a:latin typeface="Arial"/>
+                <a:ea typeface="+mn-lt"/>
+                <a:cs typeface="Arial"/>
+                <a:sym typeface="Arial"/>
+              </a:rPr>
+              <a:t> </a:t>
+            </a:r>
+            <a:r>
+              <a:rPr lang="en-GB" b="1" kern="0" dirty="0" err="1">
+                <a:solidFill>
+                  <a:srgbClr val="000000"/>
+                </a:solidFill>
+                <a:latin typeface="Arial"/>
+                <a:ea typeface="+mn-lt"/>
+                <a:cs typeface="Arial"/>
+                <a:sym typeface="Arial"/>
+              </a:rPr>
+              <a:t>ini</a:t>
+            </a:r>
+            <a:r>
+              <a:rPr lang="en-GB" b="1" kern="0" dirty="0">
+                <a:solidFill>
+                  <a:srgbClr val="000000"/>
+                </a:solidFill>
+                <a:latin typeface="Arial"/>
+                <a:ea typeface="+mn-lt"/>
+                <a:cs typeface="Arial"/>
+                <a:sym typeface="Arial"/>
+              </a:rPr>
+              <a:t> </a:t>
+            </a:r>
+            <a:r>
+              <a:rPr lang="en-GB" b="1" kern="0" dirty="0" err="1">
+                <a:solidFill>
+                  <a:srgbClr val="000000"/>
+                </a:solidFill>
+                <a:latin typeface="Arial"/>
+                <a:ea typeface="+mn-lt"/>
+                <a:cs typeface="Arial"/>
+                <a:sym typeface="Arial"/>
+              </a:rPr>
+              <a:t>menjadikan</a:t>
+            </a:r>
+            <a:r>
+              <a:rPr lang="en-GB" b="1" kern="0" dirty="0">
+                <a:solidFill>
+                  <a:srgbClr val="000000"/>
+                </a:solidFill>
+                <a:latin typeface="Arial"/>
+                <a:ea typeface="+mn-lt"/>
+                <a:cs typeface="Arial"/>
+                <a:sym typeface="Arial"/>
+              </a:rPr>
+              <a:t> </a:t>
+            </a:r>
+            <a:r>
+              <a:rPr lang="en-GB" b="1" kern="0" dirty="0" err="1">
+                <a:solidFill>
+                  <a:srgbClr val="000000"/>
+                </a:solidFill>
+                <a:latin typeface="Arial"/>
+                <a:ea typeface="+mn-lt"/>
+                <a:cs typeface="Arial"/>
+                <a:sym typeface="Arial"/>
+              </a:rPr>
+              <a:t>tim</a:t>
+            </a:r>
+            <a:r>
+              <a:rPr lang="en-GB" b="1" kern="0" dirty="0">
+                <a:solidFill>
+                  <a:srgbClr val="000000"/>
+                </a:solidFill>
+                <a:latin typeface="Arial"/>
+                <a:ea typeface="+mn-lt"/>
+                <a:cs typeface="Arial"/>
+                <a:sym typeface="Arial"/>
+              </a:rPr>
+              <a:t> kami </a:t>
+            </a:r>
+            <a:r>
+              <a:rPr lang="en-GB" b="1" kern="0" dirty="0" err="1">
+                <a:solidFill>
+                  <a:srgbClr val="000000"/>
+                </a:solidFill>
+                <a:latin typeface="Arial"/>
+                <a:ea typeface="+mn-lt"/>
+                <a:cs typeface="Arial"/>
+                <a:sym typeface="Arial"/>
+              </a:rPr>
+              <a:t>kuat</a:t>
+            </a:r>
+            <a:r>
+              <a:rPr lang="en-GB" b="1" kern="0" dirty="0">
+                <a:solidFill>
+                  <a:srgbClr val="000000"/>
+                </a:solidFill>
+                <a:latin typeface="Arial"/>
+                <a:ea typeface="+mn-lt"/>
+                <a:cs typeface="Arial"/>
+                <a:sym typeface="Arial"/>
+              </a:rPr>
+              <a:t> </a:t>
+            </a:r>
+            <a:r>
+              <a:rPr lang="en-GB" b="1" kern="0" dirty="0" err="1">
+                <a:solidFill>
+                  <a:srgbClr val="000000"/>
+                </a:solidFill>
+                <a:latin typeface="Arial"/>
+                <a:ea typeface="+mn-lt"/>
+                <a:cs typeface="Arial"/>
+                <a:sym typeface="Arial"/>
+              </a:rPr>
+              <a:t>dalam</a:t>
+            </a:r>
+            <a:r>
+              <a:rPr lang="en-GB" b="1" kern="0" dirty="0">
+                <a:solidFill>
+                  <a:srgbClr val="000000"/>
+                </a:solidFill>
+                <a:latin typeface="Arial"/>
+                <a:ea typeface="+mn-lt"/>
+                <a:cs typeface="Arial"/>
+                <a:sym typeface="Arial"/>
+              </a:rPr>
+              <a:t> </a:t>
+            </a:r>
+            <a:r>
+              <a:rPr lang="en-GB" b="1" kern="0" dirty="0" err="1">
+                <a:solidFill>
+                  <a:srgbClr val="000000"/>
+                </a:solidFill>
+                <a:latin typeface="Arial"/>
+                <a:ea typeface="+mn-lt"/>
+                <a:cs typeface="Arial"/>
+                <a:sym typeface="Arial"/>
+              </a:rPr>
+              <a:t>mengatasi</a:t>
+            </a:r>
+            <a:r>
+              <a:rPr lang="en-GB" b="1" kern="0" dirty="0">
+                <a:solidFill>
+                  <a:srgbClr val="000000"/>
+                </a:solidFill>
+                <a:latin typeface="Arial"/>
+                <a:ea typeface="+mn-lt"/>
+                <a:cs typeface="Arial"/>
+                <a:sym typeface="Arial"/>
+              </a:rPr>
+              <a:t> </a:t>
+            </a:r>
+            <a:r>
+              <a:rPr lang="en-GB" b="1" kern="0" dirty="0" err="1">
+                <a:solidFill>
+                  <a:srgbClr val="000000"/>
+                </a:solidFill>
+                <a:latin typeface="Arial"/>
+                <a:ea typeface="+mn-lt"/>
+                <a:cs typeface="Arial"/>
+                <a:sym typeface="Arial"/>
+              </a:rPr>
+              <a:t>tantangan</a:t>
+            </a:r>
+            <a:r>
+              <a:rPr lang="en-GB" b="1" kern="0" dirty="0">
+                <a:solidFill>
+                  <a:srgbClr val="000000"/>
+                </a:solidFill>
+                <a:latin typeface="Arial"/>
+                <a:ea typeface="+mn-lt"/>
+                <a:cs typeface="Arial"/>
+                <a:sym typeface="Arial"/>
+              </a:rPr>
+              <a:t> top-up game yang </a:t>
+            </a:r>
+            <a:r>
+              <a:rPr lang="en-GB" b="1" kern="0" dirty="0" err="1">
+                <a:solidFill>
+                  <a:srgbClr val="000000"/>
+                </a:solidFill>
+                <a:latin typeface="Arial"/>
+                <a:ea typeface="+mn-lt"/>
+                <a:cs typeface="Arial"/>
+                <a:sym typeface="Arial"/>
+              </a:rPr>
+              <a:t>lancar</a:t>
+            </a:r>
+            <a:r>
+              <a:rPr lang="en-GB" b="1" kern="0" dirty="0">
+                <a:solidFill>
+                  <a:srgbClr val="000000"/>
+                </a:solidFill>
+                <a:latin typeface="Arial"/>
+                <a:ea typeface="+mn-lt"/>
+                <a:cs typeface="Arial"/>
+                <a:sym typeface="Arial"/>
+              </a:rPr>
+              <a:t>.</a:t>
+            </a:r>
           </a:p>
         </p:txBody>
       </p:sp>
@@ -10234,7 +11130,7 @@
         </p:nvSpPr>
         <p:spPr>
           <a:xfrm>
-            <a:off x="2792811" y="2196108"/>
+            <a:off x="2744713" y="2247692"/>
             <a:ext cx="5840060" cy="369332"/>
           </a:xfrm>
           <a:prstGeom prst="rect">
@@ -12170,6 +13066,101 @@
           </a:p>
         </p:txBody>
       </p:sp>
+      <p:sp>
+        <p:nvSpPr>
+          <p:cNvPr id="4" name="Rectangle 3">
+            <a:extLst>
+              <a:ext uri="{FF2B5EF4-FFF2-40B4-BE49-F238E27FC236}">
+                <a16:creationId xmlns:a16="http://schemas.microsoft.com/office/drawing/2014/main" id="{3B4B5E9F-B8BD-C712-0CF9-40075AACEA26}"/>
+              </a:ext>
+            </a:extLst>
+          </p:cNvPr>
+          <p:cNvSpPr/>
+          <p:nvPr/>
+        </p:nvSpPr>
+        <p:spPr>
+          <a:xfrm>
+            <a:off x="13944600" y="4267518"/>
+            <a:ext cx="4064163" cy="1938992"/>
+          </a:xfrm>
+          <a:prstGeom prst="rect">
+            <a:avLst/>
+          </a:prstGeom>
+          <a:solidFill>
+            <a:srgbClr val="FFC000"/>
+          </a:solidFill>
+        </p:spPr>
+        <p:txBody>
+          <a:bodyPr wrap="square">
+            <a:spAutoFit/>
+          </a:bodyPr>
+          <a:lstStyle/>
+          <a:p>
+            <a:pPr algn="just"/>
+            <a:r>
+              <a:rPr lang="en-US" sz="2400" dirty="0">
+                <a:solidFill>
+                  <a:srgbClr val="000000"/>
+                </a:solidFill>
+                <a:latin typeface="Avenir"/>
+              </a:rPr>
+              <a:t>	</a:t>
+            </a:r>
+          </a:p>
+          <a:p>
+            <a:pPr algn="just"/>
+            <a:r>
+              <a:rPr lang="en-US" sz="2400" dirty="0">
+                <a:solidFill>
+                  <a:srgbClr val="000000"/>
+                </a:solidFill>
+                <a:latin typeface="Avenir"/>
+              </a:rPr>
+              <a:t>	Your goal when answering this slide should be to create enough interest about your venture.</a:t>
+            </a:r>
+            <a:endParaRPr lang="en-US" sz="2400" dirty="0"/>
+          </a:p>
+        </p:txBody>
+      </p:sp>
+      <p:pic>
+        <p:nvPicPr>
+          <p:cNvPr id="9" name="Graphic 27" descr="Target with solid fill">
+            <a:extLst>
+              <a:ext uri="{FF2B5EF4-FFF2-40B4-BE49-F238E27FC236}">
+                <a16:creationId xmlns:a16="http://schemas.microsoft.com/office/drawing/2014/main" id="{50A93727-CA8A-EDB9-221F-C5EE7E9264FE}"/>
+              </a:ext>
+            </a:extLst>
+          </p:cNvPr>
+          <p:cNvPicPr>
+            <a:picLocks noChangeAspect="1"/>
+          </p:cNvPicPr>
+          <p:nvPr/>
+        </p:nvPicPr>
+        <p:blipFill>
+          <a:blip r:embed="rId7" cstate="print">
+            <a:extLst>
+              <a:ext uri="{28A0092B-C50C-407E-A947-70E740481C1C}">
+                <a14:useLocalDpi xmlns:a14="http://schemas.microsoft.com/office/drawing/2010/main" val="0"/>
+              </a:ext>
+              <a:ext uri="{96DAC541-7B7A-43D3-8B79-37D633B846F1}">
+                <asvg:svgBlip xmlns:asvg="http://schemas.microsoft.com/office/drawing/2016/SVG/main" r:embed="rId8"/>
+              </a:ext>
+            </a:extLst>
+          </a:blip>
+          <a:stretch>
+            <a:fillRect/>
+          </a:stretch>
+        </p:blipFill>
+        <p:spPr>
+          <a:xfrm>
+            <a:off x="14097000" y="4399002"/>
+            <a:ext cx="655576" cy="637001"/>
+          </a:xfrm>
+          <a:prstGeom prst="rect">
+            <a:avLst/>
+          </a:prstGeom>
+        </p:spPr>
+      </p:pic>
     </p:spTree>
     <p:extLst>
       <p:ext uri="{BB962C8B-B14F-4D97-AF65-F5344CB8AC3E}">
@@ -17416,7 +18407,31 @@
                 <a:uFillTx/>
                 <a:latin typeface="+mj-lt"/>
               </a:rPr>
-              <a:t> Addressable market- ………………………</a:t>
+              <a:t> Addressable market 170 Juta Orang Gamers pada </a:t>
+            </a:r>
+            <a:r>
+              <a:rPr kumimoji="0" lang="en-IN" b="0" i="0" u="none" strike="noStrike" kern="0" cap="none" spc="0" normalizeH="0" noProof="0" dirty="0" err="1">
+                <a:ln>
+                  <a:noFill/>
+                </a:ln>
+                <a:effectLst/>
+                <a:uLnTx/>
+                <a:uFillTx/>
+                <a:latin typeface="+mj-lt"/>
+              </a:rPr>
+              <a:t>Tahun</a:t>
+            </a:r>
+            <a:r>
+              <a:rPr kumimoji="0" lang="en-IN" b="0" i="0" u="none" strike="noStrike" kern="0" cap="none" spc="0" normalizeH="0" noProof="0" dirty="0">
+                <a:ln>
+                  <a:noFill/>
+                </a:ln>
+                <a:effectLst/>
+                <a:uLnTx/>
+                <a:uFillTx/>
+                <a:latin typeface="+mj-lt"/>
+              </a:rPr>
+              <a:t> 2023</a:t>
             </a:r>
           </a:p>
           <a:p>
@@ -17467,7 +18482,31 @@
             </a:pPr>
             <a:r>
               <a:rPr lang="en-US" dirty="0"/>
-              <a:t>2. Take your target market (SAM), within that TAM, which varies depending on geography and other logistical factors. Determine the penetration potential of your target market. This is the portion of the market you can reasonably compete with……………………………..</a:t>
+              <a:t>2. Take your target market (SAM), within that TAM, which varies depending on geography and other logistical factors. Determine the penetration potential of your target market. This is the portion of the market you can reasonably compete with </a:t>
+            </a:r>
+            <a:r>
+              <a:rPr lang="en-US" dirty="0" err="1"/>
+              <a:t>persentase</a:t>
+            </a:r>
+            <a:r>
+              <a:rPr lang="en-US" dirty="0"/>
+              <a:t> gamer yang </a:t>
+            </a:r>
+            <a:r>
+              <a:rPr lang="en-US" dirty="0" err="1"/>
+              <a:t>Menggunakan</a:t>
+            </a:r>
+            <a:r>
+              <a:rPr lang="en-US" dirty="0"/>
+              <a:t> </a:t>
+            </a:r>
+            <a:r>
+              <a:rPr lang="en-US" dirty="0" err="1"/>
+              <a:t>Layanan</a:t>
+            </a:r>
+            <a:r>
+              <a:rPr lang="en-US" dirty="0"/>
+              <a:t> Top Up</a:t>
             </a:r>
           </a:p>
           <a:p>
@@ -17484,14 +18523,121 @@
             </a:pPr>
             <a:r>
               <a:rPr lang="en-US" dirty="0"/>
-              <a:t>3.By conducting research with existing competitors, distributors etc., understand the likely penetration rate………………….</a:t>
+              <a:t>3.By conducting research with existing competitors, distributors etc., understand the likely penetration rate </a:t>
+            </a:r>
+            <a:r>
+              <a:rPr lang="en-US" dirty="0" err="1"/>
+              <a:t>banyak</a:t>
+            </a:r>
+            <a:r>
+              <a:rPr lang="en-US" dirty="0"/>
+              <a:t> gamer yang </a:t>
+            </a:r>
+            <a:r>
+              <a:rPr lang="en-US" dirty="0" err="1"/>
+              <a:t>menggunakan</a:t>
+            </a:r>
+            <a:r>
+              <a:rPr lang="en-US" dirty="0"/>
+              <a:t> </a:t>
+            </a:r>
+            <a:r>
+              <a:rPr lang="en-US" dirty="0" err="1"/>
+              <a:t>layanan</a:t>
+            </a:r>
+            <a:r>
+              <a:rPr lang="en-US" dirty="0"/>
+              <a:t> top up dan </a:t>
+            </a:r>
+            <a:r>
+              <a:rPr lang="en-US" dirty="0" err="1"/>
+              <a:t>faktor</a:t>
+            </a:r>
+            <a:r>
+              <a:rPr lang="en-US" dirty="0"/>
+              <a:t> yang </a:t>
+            </a:r>
+            <a:r>
+              <a:rPr lang="en-US" dirty="0" err="1"/>
+              <a:t>mereka</a:t>
+            </a:r>
+            <a:r>
+              <a:rPr lang="en-US" dirty="0"/>
+              <a:t> </a:t>
+            </a:r>
+            <a:r>
+              <a:rPr lang="en-US" dirty="0" err="1"/>
+              <a:t>pertimbangkan</a:t>
+            </a:r>
+            <a:r>
+              <a:rPr lang="en-US" dirty="0"/>
+              <a:t> </a:t>
+            </a:r>
+            <a:r>
+              <a:rPr lang="en-US" dirty="0" err="1"/>
+              <a:t>saat</a:t>
+            </a:r>
+            <a:r>
+              <a:rPr lang="en-US" dirty="0"/>
+              <a:t> </a:t>
+            </a:r>
+            <a:r>
+              <a:rPr lang="en-US" dirty="0" err="1"/>
+              <a:t>memilih</a:t>
+            </a:r>
+            <a:r>
+              <a:rPr lang="en-US" dirty="0"/>
+              <a:t> </a:t>
+            </a:r>
+            <a:r>
+              <a:rPr lang="en-US" dirty="0" err="1"/>
+              <a:t>layanan</a:t>
+            </a:r>
+            <a:r>
+              <a:rPr lang="en-US" dirty="0"/>
+              <a:t>.</a:t>
             </a:r>
           </a:p>
           <a:p>
             <a:pPr algn="just">
               <a:defRPr/>
             </a:pPr>
-            <a:endParaRPr lang="en-US" dirty="0"/>
+            <a:r>
+              <a:rPr lang="en-US" dirty="0"/>
+              <a:t>4. Multiply target market by penetration rate to find your market size, </a:t>
+            </a:r>
+            <a:r>
+              <a:rPr lang="en-US" dirty="0" err="1"/>
+              <a:t>kita</a:t>
+            </a:r>
+            <a:r>
+              <a:rPr lang="en-US" dirty="0"/>
+              <a:t> </a:t>
+            </a:r>
+            <a:r>
+              <a:rPr lang="en-US" dirty="0" err="1"/>
+              <a:t>asumsikan</a:t>
+            </a:r>
+            <a:r>
+              <a:rPr lang="en-US" dirty="0"/>
+              <a:t> 60% gamer di Indonesia (TAM: 170 Juta) </a:t>
+            </a:r>
+            <a:r>
+              <a:rPr lang="en-US" dirty="0" err="1"/>
+              <a:t>menggunakan</a:t>
+            </a:r>
+            <a:r>
+              <a:rPr lang="en-US" dirty="0"/>
+              <a:t> </a:t>
+            </a:r>
+            <a:r>
+              <a:rPr lang="en-US" dirty="0" err="1"/>
+              <a:t>layanan</a:t>
+            </a:r>
+            <a:r>
+              <a:rPr lang="en-US" dirty="0"/>
+              <a:t> top up (SAM).</a:t>
+            </a:r>
           </a:p>
           <a:p>
             <a:pPr algn="just">
@@ -17499,7 +18645,84 @@
             </a:pPr>
             <a:r>
               <a:rPr lang="en-US" dirty="0"/>
-              <a:t>4. Multiply target market by penetration rate to find your market size…………………….</a:t>
+              <a:t>Dari 60% </a:t>
+            </a:r>
+            <a:r>
+              <a:rPr lang="en-US" dirty="0" err="1"/>
+              <a:t>tersebut</a:t>
+            </a:r>
+            <a:r>
+              <a:rPr lang="en-US" dirty="0"/>
+              <a:t>, </a:t>
+            </a:r>
+            <a:r>
+              <a:rPr lang="en-US" dirty="0" err="1"/>
+              <a:t>misalkan</a:t>
+            </a:r>
+            <a:r>
+              <a:rPr lang="en-US" dirty="0"/>
+              <a:t> </a:t>
+            </a:r>
+            <a:r>
+              <a:rPr lang="en-US" dirty="0" err="1"/>
+              <a:t>kita</a:t>
+            </a:r>
+            <a:r>
+              <a:rPr lang="en-US" dirty="0"/>
+              <a:t> </a:t>
+            </a:r>
+            <a:r>
+              <a:rPr lang="en-US" dirty="0" err="1"/>
+              <a:t>bisa</a:t>
+            </a:r>
+            <a:r>
+              <a:rPr lang="en-US" dirty="0"/>
+              <a:t> </a:t>
+            </a:r>
+            <a:r>
+              <a:rPr lang="en-US" dirty="0" err="1"/>
+              <a:t>menjaring</a:t>
+            </a:r>
+            <a:r>
+              <a:rPr lang="en-US" dirty="0"/>
+              <a:t> 20% </a:t>
+            </a:r>
+            <a:r>
+              <a:rPr lang="en-US" dirty="0" err="1"/>
+              <a:t>pengguna</a:t>
+            </a:r>
+            <a:r>
+              <a:rPr lang="en-US" dirty="0"/>
+              <a:t> (</a:t>
+            </a:r>
+            <a:r>
+              <a:rPr lang="en-US" dirty="0" err="1"/>
+              <a:t>Penetrasi</a:t>
+            </a:r>
+            <a:r>
+              <a:rPr lang="en-US" dirty="0"/>
+              <a:t> Rate).</a:t>
+            </a:r>
+          </a:p>
+          <a:p>
+            <a:pPr algn="just">
+              <a:defRPr/>
+            </a:pPr>
+            <a:r>
+              <a:rPr lang="en-US" dirty="0" err="1"/>
+              <a:t>Maka</a:t>
+            </a:r>
+            <a:r>
+              <a:rPr lang="en-US" dirty="0"/>
+              <a:t>, </a:t>
+            </a:r>
+            <a:r>
+              <a:rPr lang="en-US" dirty="0" err="1"/>
+              <a:t>estimasi</a:t>
+            </a:r>
+            <a:r>
+              <a:rPr lang="en-US" dirty="0"/>
+              <a:t> Market Size = 170 Juta Orang x 60% x 20% = 20,4 Juta Orang</a:t>
             </a:r>
           </a:p>
           <a:p>
@@ -17558,65 +18781,6 @@
               <a:latin typeface="Calibri" panose="020F0502020204030204"/>
               <a:ea typeface="+mn-ea"/>
               <a:cs typeface="+mn-cs"/>
-            </a:endParaRPr>
-          </a:p>
-        </p:txBody>
-      </p:sp>
-      <p:sp>
-        <p:nvSpPr>
-          <p:cNvPr id="2" name="Rectangle 1"/>
-          <p:cNvSpPr/>
-          <p:nvPr/>
-        </p:nvSpPr>
-        <p:spPr>
-          <a:xfrm>
-            <a:off x="12285573" y="8416937"/>
-            <a:ext cx="5334000" cy="1846659"/>
-          </a:xfrm>
-          <a:prstGeom prst="rect">
-            <a:avLst/>
-          </a:prstGeom>
-          <a:solidFill>
-            <a:srgbClr val="FFC000"/>
-          </a:solidFill>
-        </p:spPr>
-        <p:txBody>
-          <a:bodyPr wrap="square">
-            <a:spAutoFit/>
-          </a:bodyPr>
-          <a:lstStyle/>
-          <a:p>
-            <a:r>
-              <a:rPr lang="en-US" dirty="0">
-                <a:solidFill>
-                  <a:srgbClr val="000000"/>
-                </a:solidFill>
-                <a:latin typeface="+mj-lt"/>
-              </a:rPr>
-              <a:t>	</a:t>
-            </a:r>
-          </a:p>
-          <a:p>
-            <a:r>
-              <a:rPr lang="en-US" dirty="0">
-                <a:solidFill>
-                  <a:srgbClr val="000000"/>
-                </a:solidFill>
-                <a:latin typeface="+mj-lt"/>
-              </a:rPr>
-              <a:t>	</a:t>
-            </a:r>
-            <a:r>
-              <a:rPr lang="en-US" sz="2400" dirty="0">
-                <a:solidFill>
-                  <a:srgbClr val="000000"/>
-                </a:solidFill>
-                <a:latin typeface="+mj-lt"/>
-              </a:rPr>
-              <a:t>This slide is to provide details on Market Size and demonstrate How big is the market opportunity your venture is pursuing. </a:t>
-            </a:r>
-            <a:endParaRPr lang="en-US" sz="2400" dirty="0">
-              <a:latin typeface="+mj-lt"/>
             </a:endParaRPr>
           </a:p>
         </p:txBody>
@@ -17695,45 +18859,6 @@
       </p:sp>
       <p:pic>
         <p:nvPicPr>
-          <p:cNvPr id="24" name="Graphic 27" descr="Target with solid fill">
-            <a:extLst>
-              <a:ext uri="{FF2B5EF4-FFF2-40B4-BE49-F238E27FC236}">
-                <a16:creationId xmlns:a16="http://schemas.microsoft.com/office/drawing/2014/main" id="{0A6ECB55-4CA0-4244-AFAF-47071920EBDB}"/>
-              </a:ext>
-            </a:extLst>
-          </p:cNvPr>
-          <p:cNvPicPr>
-            <a:picLocks noChangeAspect="1"/>
-          </p:cNvPicPr>
-          <p:nvPr/>
-        </p:nvPicPr>
-        <p:blipFill>
-          <a:blip r:embed="rId7" cstate="print">
-            <a:extLst>
-              <a:ext uri="{28A0092B-C50C-407E-A947-70E740481C1C}">
-                <a14:useLocalDpi xmlns:a14="http://schemas.microsoft.com/office/drawing/2010/main" val="0"/>
-              </a:ext>
-              <a:ext uri="{96DAC541-7B7A-43D3-8B79-37D633B846F1}">
-                <asvg:svgBlip xmlns:asvg="http://schemas.microsoft.com/office/drawing/2016/SVG/main" r:embed="rId8"/>
-              </a:ext>
-            </a:extLst>
-          </a:blip>
-          <a:stretch>
-            <a:fillRect/>
-          </a:stretch>
-        </p:blipFill>
-        <p:spPr>
-          <a:xfrm>
-            <a:off x="12536001" y="8430890"/>
-            <a:ext cx="655576" cy="637001"/>
-          </a:xfrm>
-          <a:prstGeom prst="rect">
-            <a:avLst/>
-          </a:prstGeom>
-        </p:spPr>
-      </p:pic>
-      <p:pic>
-        <p:nvPicPr>
           <p:cNvPr id="3" name="Picture 2">
             <a:extLst>
               <a:ext uri="{FF2B5EF4-FFF2-40B4-BE49-F238E27FC236}">
@@ -17747,7 +18872,7 @@
           <p:nvPr/>
         </p:nvPicPr>
         <p:blipFill>
-          <a:blip r:embed="rId9"/>
+          <a:blip r:embed="rId7"/>
           <a:stretch>
             <a:fillRect/>
           </a:stretch>
@@ -18247,7 +19372,7 @@
                 </a:solidFill>
                 <a:latin typeface="Calibri" panose="020F0502020204030204"/>
               </a:rPr>
-              <a:t>Personality trait</a:t>
+              <a:t>Self-Motivated</a:t>
             </a:r>
           </a:p>
         </p:txBody>
@@ -18359,13 +19484,274 @@
           <a:p>
             <a:pPr defTabSz="1371579"/>
             <a:r>
-              <a:rPr lang="en-US" sz="2100" b="1" dirty="0">
+              <a:rPr lang="en-US" sz="1600" b="1" dirty="0" err="1">
                 <a:solidFill>
                   <a:prstClr val="white"/>
                 </a:solidFill>
                 <a:latin typeface="Calibri" panose="020F0502020204030204"/>
               </a:rPr>
-              <a:t>Ethos </a:t>
+              <a:t>saya</a:t>
+            </a:r>
+            <a:r>
+              <a:rPr lang="en-US" sz="1600" b="1" dirty="0">
+                <a:solidFill>
+                  <a:prstClr val="white"/>
+                </a:solidFill>
+                <a:latin typeface="Calibri" panose="020F0502020204030204"/>
+              </a:rPr>
+              <a:t> </a:t>
+            </a:r>
+            <a:r>
+              <a:rPr lang="en-US" sz="1600" b="1" dirty="0" err="1">
+                <a:solidFill>
+                  <a:prstClr val="white"/>
+                </a:solidFill>
+                <a:latin typeface="Calibri" panose="020F0502020204030204"/>
+              </a:rPr>
+              <a:t>berharap</a:t>
+            </a:r>
+            <a:r>
+              <a:rPr lang="en-US" sz="1600" b="1" dirty="0">
+                <a:solidFill>
+                  <a:prstClr val="white"/>
+                </a:solidFill>
+                <a:latin typeface="Calibri" panose="020F0502020204030204"/>
+              </a:rPr>
+              <a:t> </a:t>
+            </a:r>
+            <a:r>
+              <a:rPr lang="en-US" sz="1600" b="1" dirty="0" err="1">
+                <a:solidFill>
+                  <a:prstClr val="white"/>
+                </a:solidFill>
+                <a:latin typeface="Calibri" panose="020F0502020204030204"/>
+              </a:rPr>
+              <a:t>dapat</a:t>
+            </a:r>
+            <a:r>
+              <a:rPr lang="en-US" sz="1600" b="1" dirty="0">
+                <a:solidFill>
+                  <a:prstClr val="white"/>
+                </a:solidFill>
+                <a:latin typeface="Calibri" panose="020F0502020204030204"/>
+              </a:rPr>
+              <a:t> </a:t>
+            </a:r>
+            <a:r>
+              <a:rPr lang="en-US" sz="1600" b="1" dirty="0" err="1">
+                <a:solidFill>
+                  <a:prstClr val="white"/>
+                </a:solidFill>
+                <a:latin typeface="Calibri" panose="020F0502020204030204"/>
+              </a:rPr>
+              <a:t>menjadi</a:t>
+            </a:r>
+            <a:r>
+              <a:rPr lang="en-US" sz="1600" b="1" dirty="0">
+                <a:solidFill>
+                  <a:prstClr val="white"/>
+                </a:solidFill>
+                <a:latin typeface="Calibri" panose="020F0502020204030204"/>
+              </a:rPr>
+              <a:t> </a:t>
+            </a:r>
+            <a:r>
+              <a:rPr lang="en-US" sz="1600" b="1" dirty="0" err="1">
+                <a:solidFill>
+                  <a:prstClr val="white"/>
+                </a:solidFill>
+                <a:latin typeface="Calibri" panose="020F0502020204030204"/>
+              </a:rPr>
+              <a:t>sumber</a:t>
+            </a:r>
+            <a:r>
+              <a:rPr lang="en-US" sz="1600" b="1" dirty="0">
+                <a:solidFill>
+                  <a:prstClr val="white"/>
+                </a:solidFill>
+                <a:latin typeface="Calibri" panose="020F0502020204030204"/>
+              </a:rPr>
+              <a:t> yang </a:t>
+            </a:r>
+            <a:r>
+              <a:rPr lang="en-US" sz="1600" b="1" dirty="0" err="1">
+                <a:solidFill>
+                  <a:prstClr val="white"/>
+                </a:solidFill>
+                <a:latin typeface="Calibri" panose="020F0502020204030204"/>
+              </a:rPr>
+              <a:t>dapat</a:t>
+            </a:r>
+            <a:r>
+              <a:rPr lang="en-US" sz="1600" b="1" dirty="0">
+                <a:solidFill>
+                  <a:prstClr val="white"/>
+                </a:solidFill>
+                <a:latin typeface="Calibri" panose="020F0502020204030204"/>
+              </a:rPr>
+              <a:t> </a:t>
+            </a:r>
+            <a:r>
+              <a:rPr lang="en-US" sz="1600" b="1" dirty="0" err="1">
+                <a:solidFill>
+                  <a:prstClr val="white"/>
+                </a:solidFill>
+                <a:latin typeface="Calibri" panose="020F0502020204030204"/>
+              </a:rPr>
+              <a:t>diandalkan</a:t>
+            </a:r>
+            <a:r>
+              <a:rPr lang="en-US" sz="1600" b="1" dirty="0">
+                <a:solidFill>
+                  <a:prstClr val="white"/>
+                </a:solidFill>
+                <a:latin typeface="Calibri" panose="020F0502020204030204"/>
+              </a:rPr>
+              <a:t> </a:t>
+            </a:r>
+            <a:r>
+              <a:rPr lang="en-US" sz="1600" b="1" dirty="0" err="1">
+                <a:solidFill>
+                  <a:prstClr val="white"/>
+                </a:solidFill>
+                <a:latin typeface="Calibri" panose="020F0502020204030204"/>
+              </a:rPr>
+              <a:t>bagi</a:t>
+            </a:r>
+            <a:r>
+              <a:rPr lang="en-US" sz="1600" b="1" dirty="0">
+                <a:solidFill>
+                  <a:prstClr val="white"/>
+                </a:solidFill>
+                <a:latin typeface="Calibri" panose="020F0502020204030204"/>
+              </a:rPr>
+              <a:t> para gamer </a:t>
+            </a:r>
+            <a:r>
+              <a:rPr lang="en-US" sz="1600" b="1" dirty="0" err="1">
+                <a:solidFill>
+                  <a:prstClr val="white"/>
+                </a:solidFill>
+                <a:latin typeface="Calibri" panose="020F0502020204030204"/>
+              </a:rPr>
+              <a:t>untuk</a:t>
+            </a:r>
+            <a:r>
+              <a:rPr lang="en-US" sz="1600" b="1" dirty="0">
+                <a:solidFill>
+                  <a:prstClr val="white"/>
+                </a:solidFill>
+                <a:latin typeface="Calibri" panose="020F0502020204030204"/>
+              </a:rPr>
+              <a:t> </a:t>
+            </a:r>
+            <a:r>
+              <a:rPr lang="en-US" sz="1600" b="1" dirty="0" err="1">
+                <a:solidFill>
+                  <a:prstClr val="white"/>
+                </a:solidFill>
+                <a:latin typeface="Calibri" panose="020F0502020204030204"/>
+              </a:rPr>
+              <a:t>menemukan</a:t>
+            </a:r>
+            <a:r>
+              <a:rPr lang="en-US" sz="1600" b="1" dirty="0">
+                <a:solidFill>
+                  <a:prstClr val="white"/>
+                </a:solidFill>
+                <a:latin typeface="Calibri" panose="020F0502020204030204"/>
+              </a:rPr>
+              <a:t> </a:t>
+            </a:r>
+            <a:r>
+              <a:rPr lang="en-US" sz="1600" b="1" dirty="0" err="1">
+                <a:solidFill>
+                  <a:prstClr val="white"/>
+                </a:solidFill>
+                <a:latin typeface="Calibri" panose="020F0502020204030204"/>
+              </a:rPr>
+              <a:t>layanan</a:t>
+            </a:r>
+            <a:r>
+              <a:rPr lang="en-US" sz="1600" b="1" dirty="0">
+                <a:solidFill>
+                  <a:prstClr val="white"/>
+                </a:solidFill>
+                <a:latin typeface="Calibri" panose="020F0502020204030204"/>
+              </a:rPr>
+              <a:t> top up games yang </a:t>
+            </a:r>
+            <a:r>
+              <a:rPr lang="en-US" sz="1600" b="1" dirty="0" err="1">
+                <a:solidFill>
+                  <a:prstClr val="white"/>
+                </a:solidFill>
+                <a:latin typeface="Calibri" panose="020F0502020204030204"/>
+              </a:rPr>
+              <a:t>aman</a:t>
+            </a:r>
+            <a:r>
+              <a:rPr lang="en-US" sz="1600" b="1" dirty="0">
+                <a:solidFill>
+                  <a:prstClr val="white"/>
+                </a:solidFill>
+                <a:latin typeface="Calibri" panose="020F0502020204030204"/>
+              </a:rPr>
+              <a:t>, </a:t>
+            </a:r>
+            <a:r>
+              <a:rPr lang="en-US" sz="1600" b="1" dirty="0" err="1">
+                <a:solidFill>
+                  <a:prstClr val="white"/>
+                </a:solidFill>
+                <a:latin typeface="Calibri" panose="020F0502020204030204"/>
+              </a:rPr>
+              <a:t>terpercaya</a:t>
+            </a:r>
+            <a:r>
+              <a:rPr lang="en-US" sz="1600" b="1" dirty="0">
+                <a:solidFill>
+                  <a:prstClr val="white"/>
+                </a:solidFill>
+                <a:latin typeface="Calibri" panose="020F0502020204030204"/>
+              </a:rPr>
+              <a:t>, dan </a:t>
+            </a:r>
+            <a:r>
+              <a:rPr lang="en-US" sz="1600" b="1" dirty="0" err="1">
+                <a:solidFill>
+                  <a:prstClr val="white"/>
+                </a:solidFill>
+                <a:latin typeface="Calibri" panose="020F0502020204030204"/>
+              </a:rPr>
+              <a:t>mudah</a:t>
+            </a:r>
+            <a:r>
+              <a:rPr lang="en-US" sz="1600" b="1" dirty="0">
+                <a:solidFill>
+                  <a:prstClr val="white"/>
+                </a:solidFill>
+                <a:latin typeface="Calibri" panose="020F0502020204030204"/>
+              </a:rPr>
+              <a:t> </a:t>
+            </a:r>
+            <a:r>
+              <a:rPr lang="en-US" sz="1600" b="1" dirty="0" err="1">
+                <a:solidFill>
+                  <a:prstClr val="white"/>
+                </a:solidFill>
+                <a:latin typeface="Calibri" panose="020F0502020204030204"/>
+              </a:rPr>
+              <a:t>digunakan</a:t>
+            </a:r>
+            <a:r>
+              <a:rPr lang="en-US" sz="1600" b="1" dirty="0">
+                <a:solidFill>
+                  <a:prstClr val="white"/>
+                </a:solidFill>
+                <a:latin typeface="Calibri" panose="020F0502020204030204"/>
+              </a:rPr>
+              <a:t>. </a:t>
             </a:r>
           </a:p>
         </p:txBody>
@@ -18489,14 +19875,20 @@
           <a:p>
             <a:pPr algn="ctr" defTabSz="1371579"/>
             <a:r>
-              <a:rPr lang="en-US" sz="1650" dirty="0">
+              <a:rPr lang="en-US" sz="1650" dirty="0" err="1">
                 <a:solidFill>
                   <a:schemeClr val="tx1"/>
                 </a:solidFill>
                 <a:latin typeface="Calibri" panose="020F0502020204030204"/>
               </a:rPr>
-              <a:t>Personality trait</a:t>
-            </a:r>
+              <a:t>Passionete</a:t>
+            </a:r>
+            <a:endParaRPr lang="en-US" sz="1650" dirty="0">
+              <a:solidFill>
+                <a:schemeClr val="tx1"/>
+              </a:solidFill>
+              <a:latin typeface="Calibri" panose="020F0502020204030204"/>
+            </a:endParaRPr>
           </a:p>
         </p:txBody>
       </p:sp>
@@ -18541,7 +19933,7 @@
                 </a:solidFill>
                 <a:latin typeface="Calibri" panose="020F0502020204030204"/>
               </a:rPr>
-              <a:t>Personality trait</a:t>
+              <a:t>Risk Takers</a:t>
             </a:r>
           </a:p>
         </p:txBody>
@@ -18622,6 +20014,41 @@
           <a:xfrm>
             <a:off x="14355672" y="6995589"/>
             <a:ext cx="655576" cy="637001"/>
+          </a:xfrm>
+          <a:prstGeom prst="rect">
+            <a:avLst/>
+          </a:prstGeom>
+        </p:spPr>
+      </p:pic>
+      <p:pic>
+        <p:nvPicPr>
+          <p:cNvPr id="6" name="Picture 5">
+            <a:extLst>
+              <a:ext uri="{FF2B5EF4-FFF2-40B4-BE49-F238E27FC236}">
+                <a16:creationId xmlns:a16="http://schemas.microsoft.com/office/drawing/2014/main" id="{F5689EFD-E0A2-54A4-A09C-527943843E35}"/>
+              </a:ext>
+            </a:extLst>
+          </p:cNvPr>
+          <p:cNvPicPr>
+            <a:picLocks noChangeAspect="1"/>
+          </p:cNvPicPr>
+          <p:nvPr/>
+        </p:nvPicPr>
+        <p:blipFill rotWithShape="1">
+          <a:blip r:embed="rId7" cstate="print">
+            <a:extLst>
+              <a:ext uri="{28A0092B-C50C-407E-A947-70E740481C1C}">
+                <a14:useLocalDpi xmlns:a14="http://schemas.microsoft.com/office/drawing/2010/main" val="0"/>
+              </a:ext>
+            </a:extLst>
+          </a:blip>
+          <a:srcRect l="3453" t="21715" r="-3453" b="48656"/>
+          <a:stretch/>
+        </p:blipFill>
+        <p:spPr>
+          <a:xfrm>
+            <a:off x="523327" y="1866900"/>
+            <a:ext cx="4201073" cy="2455541"/>
           </a:xfrm>
           <a:prstGeom prst="rect">
             <a:avLst/>

--- a/Semester 4/Dasar Kewirausahaan/Pertemuan 3 (21-03-2024)/night market - milestone 1.pptx
+++ b/Semester 4/Dasar Kewirausahaan/Pertemuan 3 (21-03-2024)/night market - milestone 1.pptx
@@ -3289,7 +3289,7 @@
           <a:p>
             <a:fld id="{E2FBF9E8-1F40-410A-A1CC-60BC60DB98B3}" type="datetimeFigureOut">
               <a:rPr lang="en-IN" smtClean="0"/>
-              <a:t>22-03-2024</a:t>
+              <a:t>25-03-2024</a:t>
             </a:fld>
             <a:endParaRPr lang="en-IN"/>
           </a:p>
@@ -4183,7 +4183,7 @@
             <a:fld id="{1D8BD707-D9CF-40AE-B4C6-C98DA3205C09}" type="datetimeFigureOut">
               <a:rPr lang="en-US" smtClean="0"/>
               <a:pPr/>
-              <a:t>3/22/2024</a:t>
+              <a:t>3/25/2024</a:t>
             </a:fld>
             <a:endParaRPr lang="en-US"/>
           </a:p>
@@ -4348,7 +4348,7 @@
             <a:fld id="{1D8BD707-D9CF-40AE-B4C6-C98DA3205C09}" type="datetimeFigureOut">
               <a:rPr lang="en-US" smtClean="0"/>
               <a:pPr/>
-              <a:t>3/22/2024</a:t>
+              <a:t>3/25/2024</a:t>
             </a:fld>
             <a:endParaRPr lang="en-US"/>
           </a:p>
@@ -4523,7 +4523,7 @@
             <a:fld id="{1D8BD707-D9CF-40AE-B4C6-C98DA3205C09}" type="datetimeFigureOut">
               <a:rPr lang="en-US" smtClean="0"/>
               <a:pPr/>
-              <a:t>3/22/2024</a:t>
+              <a:t>3/25/2024</a:t>
             </a:fld>
             <a:endParaRPr lang="en-US"/>
           </a:p>
@@ -5130,7 +5130,7 @@
                 </a:solidFill>
               </a:rPr>
               <a:pPr defTabSz="1371579"/>
-              <a:t>3/22/2024</a:t>
+              <a:t>3/25/2024</a:t>
             </a:fld>
             <a:endParaRPr lang="id-ID">
               <a:solidFill>
@@ -5547,7 +5547,7 @@
             <a:fld id="{1D8BD707-D9CF-40AE-B4C6-C98DA3205C09}" type="datetimeFigureOut">
               <a:rPr lang="en-US" smtClean="0"/>
               <a:pPr/>
-              <a:t>3/22/2024</a:t>
+              <a:t>3/25/2024</a:t>
             </a:fld>
             <a:endParaRPr lang="en-US"/>
           </a:p>
@@ -5789,7 +5789,7 @@
             <a:fld id="{1D8BD707-D9CF-40AE-B4C6-C98DA3205C09}" type="datetimeFigureOut">
               <a:rPr lang="en-US" smtClean="0"/>
               <a:pPr/>
-              <a:t>3/22/2024</a:t>
+              <a:t>3/25/2024</a:t>
             </a:fld>
             <a:endParaRPr lang="en-US"/>
           </a:p>
@@ -6071,7 +6071,7 @@
             <a:fld id="{1D8BD707-D9CF-40AE-B4C6-C98DA3205C09}" type="datetimeFigureOut">
               <a:rPr lang="en-US" smtClean="0"/>
               <a:pPr/>
-              <a:t>3/22/2024</a:t>
+              <a:t>3/25/2024</a:t>
             </a:fld>
             <a:endParaRPr lang="en-US"/>
           </a:p>
@@ -6487,7 +6487,7 @@
             <a:fld id="{1D8BD707-D9CF-40AE-B4C6-C98DA3205C09}" type="datetimeFigureOut">
               <a:rPr lang="en-US" smtClean="0"/>
               <a:pPr/>
-              <a:t>3/22/2024</a:t>
+              <a:t>3/25/2024</a:t>
             </a:fld>
             <a:endParaRPr lang="en-US"/>
           </a:p>
@@ -6601,7 +6601,7 @@
             <a:fld id="{1D8BD707-D9CF-40AE-B4C6-C98DA3205C09}" type="datetimeFigureOut">
               <a:rPr lang="en-US" smtClean="0"/>
               <a:pPr/>
-              <a:t>3/22/2024</a:t>
+              <a:t>3/25/2024</a:t>
             </a:fld>
             <a:endParaRPr lang="en-US"/>
           </a:p>
@@ -6693,7 +6693,7 @@
             <a:fld id="{1D8BD707-D9CF-40AE-B4C6-C98DA3205C09}" type="datetimeFigureOut">
               <a:rPr lang="en-US" smtClean="0"/>
               <a:pPr/>
-              <a:t>3/22/2024</a:t>
+              <a:t>3/25/2024</a:t>
             </a:fld>
             <a:endParaRPr lang="en-US"/>
           </a:p>
@@ -6965,7 +6965,7 @@
             <a:fld id="{1D8BD707-D9CF-40AE-B4C6-C98DA3205C09}" type="datetimeFigureOut">
               <a:rPr lang="en-US" smtClean="0"/>
               <a:pPr/>
-              <a:t>3/22/2024</a:t>
+              <a:t>3/25/2024</a:t>
             </a:fld>
             <a:endParaRPr lang="en-US"/>
           </a:p>
@@ -7214,7 +7214,7 @@
             <a:fld id="{1D8BD707-D9CF-40AE-B4C6-C98DA3205C09}" type="datetimeFigureOut">
               <a:rPr lang="en-US" smtClean="0"/>
               <a:pPr/>
-              <a:t>3/22/2024</a:t>
+              <a:t>3/25/2024</a:t>
             </a:fld>
             <a:endParaRPr lang="en-US"/>
           </a:p>
@@ -7427,7 +7427,7 @@
             <a:fld id="{1D8BD707-D9CF-40AE-B4C6-C98DA3205C09}" type="datetimeFigureOut">
               <a:rPr lang="en-US" smtClean="0"/>
               <a:pPr/>
-              <a:t>3/22/2024</a:t>
+              <a:t>3/25/2024</a:t>
             </a:fld>
             <a:endParaRPr lang="en-US"/>
           </a:p>
@@ -7966,6 +7966,13 @@
               <a:srgbClr val="FFFFFF"/>
             </a:solidFill>
           </p:spPr>
+          <p:txBody>
+            <a:bodyPr/>
+            <a:lstStyle/>
+            <a:p>
+              <a:endParaRPr lang="en-ID"/>
+            </a:p>
+          </p:txBody>
         </p:sp>
       </p:grpSp>
       <p:pic>
@@ -8167,102 +8174,6 @@
               </a:rPr>
               <a:t>Team Composition</a:t>
             </a:r>
-          </a:p>
-        </p:txBody>
-      </p:sp>
-      <p:sp>
-        <p:nvSpPr>
-          <p:cNvPr id="36" name="TextBox 35">
-            <a:extLst>
-              <a:ext uri="{FF2B5EF4-FFF2-40B4-BE49-F238E27FC236}">
-                <a16:creationId xmlns:a16="http://schemas.microsoft.com/office/drawing/2014/main" id="{437D10F2-D825-4F14-8721-CF5105D60893}"/>
-              </a:ext>
-            </a:extLst>
-          </p:cNvPr>
-          <p:cNvSpPr txBox="1"/>
-          <p:nvPr/>
-        </p:nvSpPr>
-        <p:spPr>
-          <a:xfrm>
-            <a:off x="16315796" y="1216402"/>
-            <a:ext cx="1422954" cy="623248"/>
-          </a:xfrm>
-          <a:prstGeom prst="rect">
-            <a:avLst/>
-          </a:prstGeom>
-          <a:noFill/>
-        </p:spPr>
-        <p:txBody>
-          <a:bodyPr wrap="square" lIns="68580" tIns="34290" rIns="68580" bIns="34290" rtlCol="0" anchor="t">
-            <a:spAutoFit/>
-          </a:bodyPr>
-          <a:lstStyle/>
-          <a:p>
-            <a:pPr algn="ctr"/>
-            <a:r>
-              <a:rPr lang="en-US" b="1" dirty="0"/>
-              <a:t>Place your logo here</a:t>
-            </a:r>
-            <a:endParaRPr lang="en-ZA" b="1" dirty="0"/>
-          </a:p>
-        </p:txBody>
-      </p:sp>
-      <p:sp>
-        <p:nvSpPr>
-          <p:cNvPr id="37" name="Rectangle 36">
-            <a:extLst>
-              <a:ext uri="{FF2B5EF4-FFF2-40B4-BE49-F238E27FC236}">
-                <a16:creationId xmlns:a16="http://schemas.microsoft.com/office/drawing/2014/main" id="{5DE34494-019C-4AF1-907B-33245967C575}"/>
-              </a:ext>
-            </a:extLst>
-          </p:cNvPr>
-          <p:cNvSpPr/>
-          <p:nvPr/>
-        </p:nvSpPr>
-        <p:spPr>
-          <a:xfrm>
-            <a:off x="16120030" y="815582"/>
-            <a:ext cx="1695221" cy="1288685"/>
-          </a:xfrm>
-          <a:prstGeom prst="rect">
-            <a:avLst/>
-          </a:prstGeom>
-          <a:noFill/>
-          <a:ln>
-            <a:solidFill>
-              <a:schemeClr val="accent6"/>
-            </a:solidFill>
-          </a:ln>
-          <a:effectLst>
-            <a:outerShdw blurRad="50800" dist="38100" algn="l" rotWithShape="0">
-              <a:prstClr val="black">
-                <a:alpha val="40000"/>
-              </a:prstClr>
-            </a:outerShdw>
-          </a:effectLst>
-        </p:spPr>
-        <p:style>
-          <a:lnRef idx="2">
-            <a:schemeClr val="accent1">
-              <a:shade val="50000"/>
-            </a:schemeClr>
-          </a:lnRef>
-          <a:fillRef idx="1">
-            <a:schemeClr val="accent1"/>
-          </a:fillRef>
-          <a:effectRef idx="0">
-            <a:schemeClr val="accent1"/>
-          </a:effectRef>
-          <a:fontRef idx="minor">
-            <a:schemeClr val="lt1"/>
-          </a:fontRef>
-        </p:style>
-        <p:txBody>
-          <a:bodyPr rtlCol="0" anchor="ctr"/>
-          <a:lstStyle/>
-          <a:p>
-            <a:pPr algn="ctr"/>
-            <a:endParaRPr lang="en-ZA" sz="1100"/>
           </a:p>
         </p:txBody>
       </p:sp>
@@ -10346,10 +10257,10 @@
       </p:pic>
       <p:pic>
         <p:nvPicPr>
-          <p:cNvPr id="2" name="Picture 1">
+          <p:cNvPr id="4" name="Picture 3">
             <a:extLst>
               <a:ext uri="{FF2B5EF4-FFF2-40B4-BE49-F238E27FC236}">
-                <a16:creationId xmlns:a16="http://schemas.microsoft.com/office/drawing/2014/main" id="{E6FA911A-381F-06EA-B875-C81BED3BB65E}"/>
+                <a16:creationId xmlns:a16="http://schemas.microsoft.com/office/drawing/2014/main" id="{AD4DC485-804E-272F-9B78-B04914C88208}"/>
               </a:ext>
             </a:extLst>
           </p:cNvPr>
@@ -10359,15 +10270,21 @@
           <p:nvPr/>
         </p:nvPicPr>
         <p:blipFill>
-          <a:blip r:embed="rId7"/>
+          <a:blip r:embed="rId7" cstate="print">
+            <a:extLst>
+              <a:ext uri="{28A0092B-C50C-407E-A947-70E740481C1C}">
+                <a14:useLocalDpi xmlns:a14="http://schemas.microsoft.com/office/drawing/2010/main" val="0"/>
+              </a:ext>
+            </a:extLst>
+          </a:blip>
           <a:stretch>
             <a:fillRect/>
           </a:stretch>
         </p:blipFill>
         <p:spPr>
           <a:xfrm>
-            <a:off x="16399420" y="842510"/>
-            <a:ext cx="1255705" cy="1255705"/>
+            <a:off x="16154400" y="496140"/>
+            <a:ext cx="1656227" cy="1656227"/>
           </a:xfrm>
           <a:prstGeom prst="rect">
             <a:avLst/>
@@ -10430,7 +10347,7 @@
         </p:blipFill>
         <p:spPr>
           <a:xfrm>
-            <a:off x="0" y="19380"/>
+            <a:off x="-11097" y="0"/>
             <a:ext cx="18310194" cy="10287000"/>
           </a:xfrm>
           <a:prstGeom prst="rect">
@@ -10960,102 +10877,6 @@
       </p:sp>
       <p:sp>
         <p:nvSpPr>
-          <p:cNvPr id="44" name="Rectangle 43">
-            <a:extLst>
-              <a:ext uri="{FF2B5EF4-FFF2-40B4-BE49-F238E27FC236}">
-                <a16:creationId xmlns:a16="http://schemas.microsoft.com/office/drawing/2014/main" id="{5DE34494-019C-4AF1-907B-33245967C575}"/>
-              </a:ext>
-            </a:extLst>
-          </p:cNvPr>
-          <p:cNvSpPr/>
-          <p:nvPr/>
-        </p:nvSpPr>
-        <p:spPr>
-          <a:xfrm>
-            <a:off x="16120030" y="815582"/>
-            <a:ext cx="1695221" cy="1288685"/>
-          </a:xfrm>
-          <a:prstGeom prst="rect">
-            <a:avLst/>
-          </a:prstGeom>
-          <a:noFill/>
-          <a:ln>
-            <a:solidFill>
-              <a:schemeClr val="accent6"/>
-            </a:solidFill>
-          </a:ln>
-          <a:effectLst>
-            <a:outerShdw blurRad="50800" dist="38100" algn="l" rotWithShape="0">
-              <a:prstClr val="black">
-                <a:alpha val="40000"/>
-              </a:prstClr>
-            </a:outerShdw>
-          </a:effectLst>
-        </p:spPr>
-        <p:style>
-          <a:lnRef idx="2">
-            <a:schemeClr val="accent1">
-              <a:shade val="50000"/>
-            </a:schemeClr>
-          </a:lnRef>
-          <a:fillRef idx="1">
-            <a:schemeClr val="accent1"/>
-          </a:fillRef>
-          <a:effectRef idx="0">
-            <a:schemeClr val="accent1"/>
-          </a:effectRef>
-          <a:fontRef idx="minor">
-            <a:schemeClr val="lt1"/>
-          </a:fontRef>
-        </p:style>
-        <p:txBody>
-          <a:bodyPr rtlCol="0" anchor="ctr"/>
-          <a:lstStyle/>
-          <a:p>
-            <a:pPr algn="ctr"/>
-            <a:endParaRPr lang="en-ZA" sz="1100"/>
-          </a:p>
-        </p:txBody>
-      </p:sp>
-      <p:sp>
-        <p:nvSpPr>
-          <p:cNvPr id="45" name="TextBox 44">
-            <a:extLst>
-              <a:ext uri="{FF2B5EF4-FFF2-40B4-BE49-F238E27FC236}">
-                <a16:creationId xmlns:a16="http://schemas.microsoft.com/office/drawing/2014/main" id="{437D10F2-D825-4F14-8721-CF5105D60893}"/>
-              </a:ext>
-            </a:extLst>
-          </p:cNvPr>
-          <p:cNvSpPr txBox="1"/>
-          <p:nvPr/>
-        </p:nvSpPr>
-        <p:spPr>
-          <a:xfrm>
-            <a:off x="16256163" y="1009801"/>
-            <a:ext cx="1422954" cy="900246"/>
-          </a:xfrm>
-          <a:prstGeom prst="rect">
-            <a:avLst/>
-          </a:prstGeom>
-          <a:noFill/>
-        </p:spPr>
-        <p:txBody>
-          <a:bodyPr wrap="square" lIns="68580" tIns="34290" rIns="68580" bIns="34290" rtlCol="0" anchor="t">
-            <a:spAutoFit/>
-          </a:bodyPr>
-          <a:lstStyle/>
-          <a:p>
-            <a:pPr algn="ctr"/>
-            <a:r>
-              <a:rPr lang="en-US" b="1" dirty="0"/>
-              <a:t>Place your venture logo here</a:t>
-            </a:r>
-            <a:endParaRPr lang="en-ZA" b="1" dirty="0"/>
-          </a:p>
-        </p:txBody>
-      </p:sp>
-      <p:sp>
-        <p:nvSpPr>
           <p:cNvPr id="5" name="Rectangle 4"/>
           <p:cNvSpPr/>
           <p:nvPr/>
@@ -11453,36 +11274,6 @@
           </a:solidFill>
         </p:spPr>
       </p:pic>
-      <p:pic>
-        <p:nvPicPr>
-          <p:cNvPr id="2" name="Picture 1">
-            <a:extLst>
-              <a:ext uri="{FF2B5EF4-FFF2-40B4-BE49-F238E27FC236}">
-                <a16:creationId xmlns:a16="http://schemas.microsoft.com/office/drawing/2014/main" id="{6BA0D1F4-279A-1614-5B83-21C457CB72DF}"/>
-              </a:ext>
-            </a:extLst>
-          </p:cNvPr>
-          <p:cNvPicPr>
-            <a:picLocks noChangeAspect="1"/>
-          </p:cNvPicPr>
-          <p:nvPr/>
-        </p:nvPicPr>
-        <p:blipFill>
-          <a:blip r:embed="rId6"/>
-          <a:stretch>
-            <a:fillRect/>
-          </a:stretch>
-        </p:blipFill>
-        <p:spPr>
-          <a:xfrm>
-            <a:off x="16339787" y="832071"/>
-            <a:ext cx="1255705" cy="1255705"/>
-          </a:xfrm>
-          <a:prstGeom prst="rect">
-            <a:avLst/>
-          </a:prstGeom>
-        </p:spPr>
-      </p:pic>
       <p:sp>
         <p:nvSpPr>
           <p:cNvPr id="6" name="Rectangle 5">
@@ -13137,13 +12928,13 @@
           <p:nvPr/>
         </p:nvPicPr>
         <p:blipFill>
-          <a:blip r:embed="rId7" cstate="print">
+          <a:blip r:embed="rId6" cstate="print">
             <a:extLst>
               <a:ext uri="{28A0092B-C50C-407E-A947-70E740481C1C}">
                 <a14:useLocalDpi xmlns:a14="http://schemas.microsoft.com/office/drawing/2010/main" val="0"/>
               </a:ext>
               <a:ext uri="{96DAC541-7B7A-43D3-8B79-37D633B846F1}">
-                <asvg:svgBlip xmlns:asvg="http://schemas.microsoft.com/office/drawing/2016/SVG/main" r:embed="rId8"/>
+                <asvg:svgBlip xmlns:asvg="http://schemas.microsoft.com/office/drawing/2016/SVG/main" r:embed="rId7"/>
               </a:ext>
             </a:extLst>
           </a:blip>
@@ -13155,6 +12946,42 @@
           <a:xfrm>
             <a:off x="14097000" y="4399002"/>
             <a:ext cx="655576" cy="637001"/>
+          </a:xfrm>
+          <a:prstGeom prst="rect">
+            <a:avLst/>
+          </a:prstGeom>
+        </p:spPr>
+      </p:pic>
+      <p:pic>
+        <p:nvPicPr>
+          <p:cNvPr id="11" name="Picture 10">
+            <a:extLst>
+              <a:ext uri="{FF2B5EF4-FFF2-40B4-BE49-F238E27FC236}">
+                <a16:creationId xmlns:a16="http://schemas.microsoft.com/office/drawing/2014/main" id="{93564DFA-AC88-C6BC-DDEE-549AA3D90F94}"/>
+              </a:ext>
+            </a:extLst>
+          </p:cNvPr>
+          <p:cNvPicPr>
+            <a:picLocks noChangeAspect="1"/>
+          </p:cNvPicPr>
+          <p:nvPr/>
+        </p:nvPicPr>
+        <p:blipFill>
+          <a:blip r:embed="rId8" cstate="print">
+            <a:extLst>
+              <a:ext uri="{28A0092B-C50C-407E-A947-70E740481C1C}">
+                <a14:useLocalDpi xmlns:a14="http://schemas.microsoft.com/office/drawing/2010/main" val="0"/>
+              </a:ext>
+            </a:extLst>
+          </a:blip>
+          <a:stretch>
+            <a:fillRect/>
+          </a:stretch>
+        </p:blipFill>
+        <p:spPr>
+          <a:xfrm>
+            <a:off x="16160097" y="652376"/>
+            <a:ext cx="1656227" cy="1656227"/>
           </a:xfrm>
           <a:prstGeom prst="rect">
             <a:avLst/>
@@ -17708,65 +17535,6 @@
       </p:sp>
       <p:sp>
         <p:nvSpPr>
-          <p:cNvPr id="15" name="Rectangle 14">
-            <a:extLst>
-              <a:ext uri="{FF2B5EF4-FFF2-40B4-BE49-F238E27FC236}">
-                <a16:creationId xmlns:a16="http://schemas.microsoft.com/office/drawing/2014/main" id="{5DE34494-019C-4AF1-907B-33245967C575}"/>
-              </a:ext>
-            </a:extLst>
-          </p:cNvPr>
-          <p:cNvSpPr/>
-          <p:nvPr/>
-        </p:nvSpPr>
-        <p:spPr>
-          <a:xfrm>
-            <a:off x="15945620" y="192626"/>
-            <a:ext cx="1695221" cy="1288685"/>
-          </a:xfrm>
-          <a:prstGeom prst="rect">
-            <a:avLst/>
-          </a:prstGeom>
-          <a:noFill/>
-          <a:ln>
-            <a:solidFill>
-              <a:schemeClr val="accent6"/>
-            </a:solidFill>
-          </a:ln>
-          <a:effectLst>
-            <a:outerShdw blurRad="50800" dist="38100" algn="l" rotWithShape="0">
-              <a:prstClr val="black">
-                <a:alpha val="40000"/>
-              </a:prstClr>
-            </a:outerShdw>
-          </a:effectLst>
-        </p:spPr>
-        <p:style>
-          <a:lnRef idx="2">
-            <a:schemeClr val="accent1">
-              <a:shade val="50000"/>
-            </a:schemeClr>
-          </a:lnRef>
-          <a:fillRef idx="1">
-            <a:schemeClr val="accent1"/>
-          </a:fillRef>
-          <a:effectRef idx="0">
-            <a:schemeClr val="accent1"/>
-          </a:effectRef>
-          <a:fontRef idx="minor">
-            <a:schemeClr val="lt1"/>
-          </a:fontRef>
-        </p:style>
-        <p:txBody>
-          <a:bodyPr rtlCol="0" anchor="ctr"/>
-          <a:lstStyle/>
-          <a:p>
-            <a:pPr algn="ctr"/>
-            <a:endParaRPr lang="en-ZA" sz="1100"/>
-          </a:p>
-        </p:txBody>
-      </p:sp>
-      <p:sp>
-        <p:nvSpPr>
           <p:cNvPr id="5" name="Rectangle 4"/>
           <p:cNvSpPr/>
           <p:nvPr/>
@@ -17810,10 +17578,10 @@
       </p:sp>
       <p:pic>
         <p:nvPicPr>
-          <p:cNvPr id="6" name="Picture 5">
+          <p:cNvPr id="7" name="Picture 6">
             <a:extLst>
               <a:ext uri="{FF2B5EF4-FFF2-40B4-BE49-F238E27FC236}">
-                <a16:creationId xmlns:a16="http://schemas.microsoft.com/office/drawing/2014/main" id="{E1BD0C02-6EEE-8289-090C-079053F6100F}"/>
+                <a16:creationId xmlns:a16="http://schemas.microsoft.com/office/drawing/2014/main" id="{C5317547-2360-097A-5D93-E0D6021D740E}"/>
               </a:ext>
             </a:extLst>
           </p:cNvPr>
@@ -17823,15 +17591,21 @@
           <p:nvPr/>
         </p:nvPicPr>
         <p:blipFill>
-          <a:blip r:embed="rId2"/>
+          <a:blip r:embed="rId2" cstate="print">
+            <a:extLst>
+              <a:ext uri="{28A0092B-C50C-407E-A947-70E740481C1C}">
+                <a14:useLocalDpi xmlns:a14="http://schemas.microsoft.com/office/drawing/2010/main" val="0"/>
+              </a:ext>
+            </a:extLst>
+          </a:blip>
           <a:stretch>
             <a:fillRect/>
           </a:stretch>
         </p:blipFill>
         <p:spPr>
           <a:xfrm>
-            <a:off x="16225010" y="209115"/>
-            <a:ext cx="1255705" cy="1255705"/>
+            <a:off x="16269711" y="105933"/>
+            <a:ext cx="1656227" cy="1656227"/>
           </a:xfrm>
           <a:prstGeom prst="rect">
             <a:avLst/>
@@ -17943,65 +17717,6 @@
       </p:sp>
       <p:sp>
         <p:nvSpPr>
-          <p:cNvPr id="37" name="Rectangle 36">
-            <a:extLst>
-              <a:ext uri="{FF2B5EF4-FFF2-40B4-BE49-F238E27FC236}">
-                <a16:creationId xmlns:a16="http://schemas.microsoft.com/office/drawing/2014/main" id="{5DE34494-019C-4AF1-907B-33245967C575}"/>
-              </a:ext>
-            </a:extLst>
-          </p:cNvPr>
-          <p:cNvSpPr/>
-          <p:nvPr/>
-        </p:nvSpPr>
-        <p:spPr>
-          <a:xfrm>
-            <a:off x="15875012" y="678496"/>
-            <a:ext cx="1695221" cy="1288685"/>
-          </a:xfrm>
-          <a:prstGeom prst="rect">
-            <a:avLst/>
-          </a:prstGeom>
-          <a:noFill/>
-          <a:ln>
-            <a:solidFill>
-              <a:schemeClr val="accent6"/>
-            </a:solidFill>
-          </a:ln>
-          <a:effectLst>
-            <a:outerShdw blurRad="50800" dist="38100" algn="l" rotWithShape="0">
-              <a:prstClr val="black">
-                <a:alpha val="40000"/>
-              </a:prstClr>
-            </a:outerShdw>
-          </a:effectLst>
-        </p:spPr>
-        <p:style>
-          <a:lnRef idx="2">
-            <a:schemeClr val="accent1">
-              <a:shade val="50000"/>
-            </a:schemeClr>
-          </a:lnRef>
-          <a:fillRef idx="1">
-            <a:schemeClr val="accent1"/>
-          </a:fillRef>
-          <a:effectRef idx="0">
-            <a:schemeClr val="accent1"/>
-          </a:effectRef>
-          <a:fontRef idx="minor">
-            <a:schemeClr val="lt1"/>
-          </a:fontRef>
-        </p:style>
-        <p:txBody>
-          <a:bodyPr rtlCol="0" anchor="ctr"/>
-          <a:lstStyle/>
-          <a:p>
-            <a:pPr algn="ctr"/>
-            <a:endParaRPr lang="en-ZA" sz="1100"/>
-          </a:p>
-        </p:txBody>
-      </p:sp>
-      <p:sp>
-        <p:nvSpPr>
           <p:cNvPr id="17" name="Rectangle 16"/>
           <p:cNvSpPr/>
           <p:nvPr/>
@@ -18145,10 +17860,10 @@
       </p:sp>
       <p:pic>
         <p:nvPicPr>
-          <p:cNvPr id="2" name="Picture 1">
+          <p:cNvPr id="3" name="Picture 2">
             <a:extLst>
               <a:ext uri="{FF2B5EF4-FFF2-40B4-BE49-F238E27FC236}">
-                <a16:creationId xmlns:a16="http://schemas.microsoft.com/office/drawing/2014/main" id="{D374454B-E898-50B6-C8CD-DB498FF44786}"/>
+                <a16:creationId xmlns:a16="http://schemas.microsoft.com/office/drawing/2014/main" id="{F4794BDC-C5F4-87F9-F8D2-CF2C1F770D4E}"/>
               </a:ext>
             </a:extLst>
           </p:cNvPr>
@@ -18158,15 +17873,21 @@
           <p:nvPr/>
         </p:nvPicPr>
         <p:blipFill>
-          <a:blip r:embed="rId2"/>
+          <a:blip r:embed="rId2" cstate="print">
+            <a:extLst>
+              <a:ext uri="{28A0092B-C50C-407E-A947-70E740481C1C}">
+                <a14:useLocalDpi xmlns:a14="http://schemas.microsoft.com/office/drawing/2010/main" val="0"/>
+              </a:ext>
+            </a:extLst>
+          </a:blip>
           <a:stretch>
             <a:fillRect/>
           </a:stretch>
         </p:blipFill>
         <p:spPr>
           <a:xfrm>
-            <a:off x="16094769" y="704941"/>
-            <a:ext cx="1255705" cy="1255705"/>
+            <a:off x="16174573" y="562826"/>
+            <a:ext cx="1656227" cy="1656227"/>
           </a:xfrm>
           <a:prstGeom prst="rect">
             <a:avLst/>
@@ -18240,65 +17961,6 @@
           </a:p>
         </p:txBody>
       </p:sp>
-      <p:sp>
-        <p:nvSpPr>
-          <p:cNvPr id="15" name="Rectangle 14">
-            <a:extLst>
-              <a:ext uri="{FF2B5EF4-FFF2-40B4-BE49-F238E27FC236}">
-                <a16:creationId xmlns:a16="http://schemas.microsoft.com/office/drawing/2014/main" id="{5DE34494-019C-4AF1-907B-33245967C575}"/>
-              </a:ext>
-            </a:extLst>
-          </p:cNvPr>
-          <p:cNvSpPr/>
-          <p:nvPr/>
-        </p:nvSpPr>
-        <p:spPr>
-          <a:xfrm>
-            <a:off x="15922731" y="328065"/>
-            <a:ext cx="1695221" cy="1288685"/>
-          </a:xfrm>
-          <a:prstGeom prst="rect">
-            <a:avLst/>
-          </a:prstGeom>
-          <a:noFill/>
-          <a:ln>
-            <a:solidFill>
-              <a:schemeClr val="accent6"/>
-            </a:solidFill>
-          </a:ln>
-          <a:effectLst>
-            <a:outerShdw blurRad="50800" dist="38100" algn="l" rotWithShape="0">
-              <a:prstClr val="black">
-                <a:alpha val="40000"/>
-              </a:prstClr>
-            </a:outerShdw>
-          </a:effectLst>
-        </p:spPr>
-        <p:style>
-          <a:lnRef idx="2">
-            <a:schemeClr val="accent1">
-              <a:shade val="50000"/>
-            </a:schemeClr>
-          </a:lnRef>
-          <a:fillRef idx="1">
-            <a:schemeClr val="accent1"/>
-          </a:fillRef>
-          <a:effectRef idx="0">
-            <a:schemeClr val="accent1"/>
-          </a:effectRef>
-          <a:fontRef idx="minor">
-            <a:schemeClr val="lt1"/>
-          </a:fontRef>
-        </p:style>
-        <p:txBody>
-          <a:bodyPr rtlCol="0" anchor="ctr"/>
-          <a:lstStyle/>
-          <a:p>
-            <a:pPr algn="ctr"/>
-            <a:endParaRPr lang="en-ZA" sz="1100"/>
-          </a:p>
-        </p:txBody>
-      </p:sp>
       <p:graphicFrame>
         <p:nvGraphicFramePr>
           <p:cNvPr id="18" name="Diagram 17"/>
@@ -18329,11 +17991,13 @@
         </p:nvSpPr>
         <p:spPr>
           <a:xfrm>
-            <a:off x="7543800" y="1872448"/>
-            <a:ext cx="9448800" cy="6399784"/>
+            <a:off x="7096563" y="1782600"/>
+            <a:ext cx="9448800" cy="7091132"/>
           </a:xfrm>
           <a:prstGeom prst="roundRect">
-            <a:avLst/>
+            <a:avLst>
+              <a:gd name="adj" fmla="val 11218"/>
+            </a:avLst>
           </a:prstGeom>
           <a:noFill/>
           <a:ln w="12700" cap="flat" cmpd="sng" algn="ctr">
@@ -18859,10 +18523,10 @@
       </p:sp>
       <p:pic>
         <p:nvPicPr>
-          <p:cNvPr id="3" name="Picture 2">
+          <p:cNvPr id="2" name="Picture 1">
             <a:extLst>
               <a:ext uri="{FF2B5EF4-FFF2-40B4-BE49-F238E27FC236}">
-                <a16:creationId xmlns:a16="http://schemas.microsoft.com/office/drawing/2014/main" id="{68EFE0A7-781B-299F-C20A-B6CCD1973C36}"/>
+                <a16:creationId xmlns:a16="http://schemas.microsoft.com/office/drawing/2014/main" id="{947C59A2-ABEA-40F7-8A4D-09718941B7DA}"/>
               </a:ext>
             </a:extLst>
           </p:cNvPr>
@@ -18872,15 +18536,21 @@
           <p:nvPr/>
         </p:nvPicPr>
         <p:blipFill>
-          <a:blip r:embed="rId7"/>
+          <a:blip r:embed="rId7" cstate="print">
+            <a:extLst>
+              <a:ext uri="{28A0092B-C50C-407E-A947-70E740481C1C}">
+                <a14:useLocalDpi xmlns:a14="http://schemas.microsoft.com/office/drawing/2010/main" val="0"/>
+              </a:ext>
+            </a:extLst>
+          </a:blip>
           <a:stretch>
             <a:fillRect/>
           </a:stretch>
         </p:blipFill>
         <p:spPr>
           <a:xfrm>
-            <a:off x="16118497" y="344554"/>
-            <a:ext cx="1255705" cy="1255705"/>
+            <a:off x="16306800" y="146282"/>
+            <a:ext cx="1656227" cy="1656227"/>
           </a:xfrm>
           <a:prstGeom prst="rect">
             <a:avLst/>
@@ -18926,7 +18596,7 @@
         <p:spPr>
           <a:xfrm>
             <a:off x="4769111" y="1955330"/>
-            <a:ext cx="8991379" cy="1869669"/>
+            <a:ext cx="8991379" cy="1754326"/>
           </a:xfrm>
           <a:prstGeom prst="rect">
             <a:avLst/>
@@ -18954,6 +18624,78 @@
           </a:p>
           <a:p>
             <a:pPr defTabSz="1371579"/>
+            <a:r>
+              <a:rPr lang="en-US" sz="2700" b="1" dirty="0">
+                <a:solidFill>
+                  <a:schemeClr val="bg1"/>
+                </a:solidFill>
+                <a:latin typeface="Calibri" panose="020F0502020204030204"/>
+              </a:rPr>
+              <a:t>-  </a:t>
+            </a:r>
+            <a:r>
+              <a:rPr lang="en-US" sz="2700" b="1" dirty="0" err="1">
+                <a:solidFill>
+                  <a:schemeClr val="bg1"/>
+                </a:solidFill>
+                <a:latin typeface="Calibri" panose="020F0502020204030204"/>
+              </a:rPr>
+              <a:t>Melakukan</a:t>
+            </a:r>
+            <a:r>
+              <a:rPr lang="en-US" sz="2700" b="1" dirty="0">
+                <a:solidFill>
+                  <a:schemeClr val="bg1"/>
+                </a:solidFill>
+                <a:latin typeface="Calibri" panose="020F0502020204030204"/>
+              </a:rPr>
+              <a:t> Top up </a:t>
+            </a:r>
+            <a:r>
+              <a:rPr lang="en-US" sz="2700" b="1" dirty="0" err="1">
+                <a:solidFill>
+                  <a:schemeClr val="bg1"/>
+                </a:solidFill>
+                <a:latin typeface="Calibri" panose="020F0502020204030204"/>
+              </a:rPr>
+              <a:t>dengan</a:t>
+            </a:r>
+            <a:r>
+              <a:rPr lang="en-US" sz="2700" b="1" dirty="0">
+                <a:solidFill>
+                  <a:schemeClr val="bg1"/>
+                </a:solidFill>
+                <a:latin typeface="Calibri" panose="020F0502020204030204"/>
+              </a:rPr>
+              <a:t> </a:t>
+            </a:r>
+            <a:r>
+              <a:rPr lang="en-US" sz="2700" b="1" dirty="0" err="1">
+                <a:solidFill>
+                  <a:schemeClr val="bg1"/>
+                </a:solidFill>
+                <a:latin typeface="Calibri" panose="020F0502020204030204"/>
+              </a:rPr>
+              <a:t>cepat</a:t>
+            </a:r>
+            <a:r>
+              <a:rPr lang="en-US" sz="2700" b="1" dirty="0">
+                <a:solidFill>
+                  <a:schemeClr val="bg1"/>
+                </a:solidFill>
+                <a:latin typeface="Calibri" panose="020F0502020204030204"/>
+              </a:rPr>
+              <a:t> dan </a:t>
+            </a:r>
+            <a:r>
+              <a:rPr lang="en-US" sz="2700" b="1" dirty="0" err="1">
+                <a:solidFill>
+                  <a:schemeClr val="bg1"/>
+                </a:solidFill>
+                <a:latin typeface="Calibri" panose="020F0502020204030204"/>
+              </a:rPr>
+              <a:t>mudah</a:t>
+            </a:r>
             <a:endParaRPr lang="en-US" sz="2700" b="1" dirty="0">
               <a:solidFill>
                 <a:schemeClr val="bg1"/>
@@ -18963,6 +18705,60 @@
           </a:p>
           <a:p>
             <a:pPr defTabSz="1371579"/>
+            <a:r>
+              <a:rPr lang="en-US" sz="2700" b="1" dirty="0">
+                <a:solidFill>
+                  <a:schemeClr val="bg1"/>
+                </a:solidFill>
+                <a:latin typeface="Calibri" panose="020F0502020204030204"/>
+              </a:rPr>
+              <a:t>- </a:t>
+            </a:r>
+            <a:r>
+              <a:rPr lang="en-US" sz="2700" b="1" dirty="0" err="1">
+                <a:solidFill>
+                  <a:schemeClr val="bg1"/>
+                </a:solidFill>
+                <a:latin typeface="Calibri" panose="020F0502020204030204"/>
+              </a:rPr>
+              <a:t>Mendapatkan</a:t>
+            </a:r>
+            <a:r>
+              <a:rPr lang="en-US" sz="2700" b="1" dirty="0">
+                <a:solidFill>
+                  <a:schemeClr val="bg1"/>
+                </a:solidFill>
+                <a:latin typeface="Calibri" panose="020F0502020204030204"/>
+              </a:rPr>
+              <a:t> </a:t>
+            </a:r>
+            <a:r>
+              <a:rPr lang="en-US" sz="2700" b="1" dirty="0" err="1">
+                <a:solidFill>
+                  <a:schemeClr val="bg1"/>
+                </a:solidFill>
+                <a:latin typeface="Calibri" panose="020F0502020204030204"/>
+              </a:rPr>
+              <a:t>harga</a:t>
+            </a:r>
+            <a:r>
+              <a:rPr lang="en-US" sz="2700" b="1" dirty="0">
+                <a:solidFill>
+                  <a:schemeClr val="bg1"/>
+                </a:solidFill>
+                <a:latin typeface="Calibri" panose="020F0502020204030204"/>
+              </a:rPr>
+              <a:t> yang </a:t>
+            </a:r>
+            <a:r>
+              <a:rPr lang="en-US" sz="2700" b="1" dirty="0" err="1">
+                <a:solidFill>
+                  <a:schemeClr val="bg1"/>
+                </a:solidFill>
+                <a:latin typeface="Calibri" panose="020F0502020204030204"/>
+              </a:rPr>
+              <a:t>kompetitif</a:t>
+            </a:r>
             <a:endParaRPr lang="en-US" sz="2700" b="1" dirty="0">
               <a:solidFill>
                 <a:schemeClr val="bg1"/>
@@ -18972,25 +18768,61 @@
           </a:p>
           <a:p>
             <a:pPr defTabSz="1371579"/>
-            <a:endParaRPr lang="en-US" sz="1050" b="1" dirty="0">
-              <a:solidFill>
-                <a:schemeClr val="bg1"/>
-              </a:solidFill>
-              <a:latin typeface="Calibri" panose="020F0502020204030204"/>
-            </a:endParaRPr>
-          </a:p>
-          <a:p>
-            <a:pPr defTabSz="1371579"/>
-            <a:endParaRPr lang="en-US" sz="1050" b="1" dirty="0">
-              <a:solidFill>
-                <a:schemeClr val="bg1"/>
-              </a:solidFill>
-              <a:latin typeface="Calibri" panose="020F0502020204030204"/>
-            </a:endParaRPr>
-          </a:p>
-          <a:p>
-            <a:pPr defTabSz="1371579"/>
-            <a:endParaRPr lang="en-US" sz="1050" b="1" dirty="0">
+            <a:r>
+              <a:rPr lang="en-US" sz="2700" b="1" dirty="0">
+                <a:solidFill>
+                  <a:schemeClr val="bg1"/>
+                </a:solidFill>
+                <a:latin typeface="Calibri" panose="020F0502020204030204"/>
+              </a:rPr>
+              <a:t>- Customer </a:t>
+            </a:r>
+            <a:r>
+              <a:rPr lang="en-US" sz="2700" b="1" dirty="0" err="1">
+                <a:solidFill>
+                  <a:schemeClr val="bg1"/>
+                </a:solidFill>
+                <a:latin typeface="Calibri" panose="020F0502020204030204"/>
+              </a:rPr>
+              <a:t>mendapat</a:t>
+            </a:r>
+            <a:r>
+              <a:rPr lang="en-US" sz="2700" b="1" dirty="0">
+                <a:solidFill>
+                  <a:schemeClr val="bg1"/>
+                </a:solidFill>
+                <a:latin typeface="Calibri" panose="020F0502020204030204"/>
+              </a:rPr>
+              <a:t> rasa </a:t>
+            </a:r>
+            <a:r>
+              <a:rPr lang="en-US" sz="2700" b="1" dirty="0" err="1">
+                <a:solidFill>
+                  <a:schemeClr val="bg1"/>
+                </a:solidFill>
+                <a:latin typeface="Calibri" panose="020F0502020204030204"/>
+              </a:rPr>
+              <a:t>aman</a:t>
+            </a:r>
+            <a:r>
+              <a:rPr lang="en-US" sz="2700" b="1" dirty="0">
+                <a:solidFill>
+                  <a:schemeClr val="bg1"/>
+                </a:solidFill>
+                <a:latin typeface="Calibri" panose="020F0502020204030204"/>
+              </a:rPr>
+              <a:t> dan </a:t>
+            </a:r>
+            <a:r>
+              <a:rPr lang="en-US" sz="2700" b="1" dirty="0" err="1">
+                <a:solidFill>
+                  <a:schemeClr val="bg1"/>
+                </a:solidFill>
+                <a:latin typeface="Calibri" panose="020F0502020204030204"/>
+              </a:rPr>
+              <a:t>percaya</a:t>
+            </a:r>
+            <a:endParaRPr lang="en-US" sz="2700" b="1" dirty="0">
               <a:solidFill>
                 <a:schemeClr val="bg1"/>
               </a:solidFill>
@@ -19008,7 +18840,7 @@
         <p:spPr>
           <a:xfrm>
             <a:off x="4769110" y="4093457"/>
-            <a:ext cx="9144165" cy="1823576"/>
+            <a:ext cx="9144165" cy="2077492"/>
           </a:xfrm>
           <a:prstGeom prst="rect">
             <a:avLst/>
@@ -19036,6 +18868,24 @@
           </a:p>
           <a:p>
             <a:pPr defTabSz="1371579"/>
+            <a:r>
+              <a:rPr lang="en-US" sz="2700" b="1" dirty="0">
+                <a:solidFill>
+                  <a:schemeClr val="bg1"/>
+                </a:solidFill>
+                <a:latin typeface="Calibri" panose="020F0502020204030204"/>
+              </a:rPr>
+              <a:t>- Proses Top Up yang </a:t>
+            </a:r>
+            <a:r>
+              <a:rPr lang="en-US" sz="2700" b="1" dirty="0" err="1">
+                <a:solidFill>
+                  <a:schemeClr val="bg1"/>
+                </a:solidFill>
+                <a:latin typeface="Calibri" panose="020F0502020204030204"/>
+              </a:rPr>
+              <a:t>rumit</a:t>
+            </a:r>
             <a:endParaRPr lang="en-US" sz="2700" b="1" dirty="0">
               <a:solidFill>
                 <a:schemeClr val="bg1"/>
@@ -19052,12 +18902,138 @@
                 </a:solidFill>
                 <a:latin typeface="Calibri" panose="020F0502020204030204"/>
               </a:rPr>
+              <a:t> - Harga </a:t>
+            </a:r>
+            <a:r>
+              <a:rPr lang="en-US" sz="2700" b="1" dirty="0" err="1">
+                <a:solidFill>
+                  <a:schemeClr val="bg1"/>
+                </a:solidFill>
+                <a:latin typeface="Calibri" panose="020F0502020204030204"/>
+              </a:rPr>
+              <a:t>jasa</a:t>
+            </a:r>
+            <a:r>
+              <a:rPr lang="en-US" sz="2700" b="1" dirty="0">
+                <a:solidFill>
+                  <a:schemeClr val="bg1"/>
+                </a:solidFill>
+                <a:latin typeface="Calibri" panose="020F0502020204030204"/>
+              </a:rPr>
+              <a:t> Top up yang mahal</a:t>
+            </a:r>
+          </a:p>
+          <a:p>
+            <a:pPr defTabSz="1371579"/>
+            <a:r>
+              <a:rPr lang="en-US" sz="2700" b="1" dirty="0">
+                <a:solidFill>
+                  <a:schemeClr val="bg1"/>
+                </a:solidFill>
+                <a:latin typeface="Calibri" panose="020F0502020204030204"/>
+              </a:rPr>
+              <a:t>- Customer </a:t>
+            </a:r>
+            <a:r>
+              <a:rPr lang="en-US" sz="2700" b="1" dirty="0" err="1">
+                <a:solidFill>
+                  <a:schemeClr val="bg1"/>
+                </a:solidFill>
+                <a:latin typeface="Calibri" panose="020F0502020204030204"/>
+              </a:rPr>
+              <a:t>merasa</a:t>
+            </a:r>
+            <a:r>
+              <a:rPr lang="en-US" sz="2700" b="1" dirty="0">
+                <a:solidFill>
+                  <a:schemeClr val="bg1"/>
+                </a:solidFill>
+                <a:latin typeface="Calibri" panose="020F0502020204030204"/>
+              </a:rPr>
               <a:t> </a:t>
             </a:r>
-          </a:p>
-          <a:p>
-            <a:pPr defTabSz="1371579"/>
-            <a:endParaRPr lang="en-US" sz="1050" b="1" dirty="0">
+            <a:r>
+              <a:rPr lang="en-US" sz="2700" b="1" dirty="0" err="1">
+                <a:solidFill>
+                  <a:schemeClr val="bg1"/>
+                </a:solidFill>
+                <a:latin typeface="Calibri" panose="020F0502020204030204"/>
+              </a:rPr>
+              <a:t>tidak</a:t>
+            </a:r>
+            <a:r>
+              <a:rPr lang="en-US" sz="2700" b="1" dirty="0">
+                <a:solidFill>
+                  <a:schemeClr val="bg1"/>
+                </a:solidFill>
+                <a:latin typeface="Calibri" panose="020F0502020204030204"/>
+              </a:rPr>
+              <a:t> </a:t>
+            </a:r>
+            <a:r>
+              <a:rPr lang="en-US" sz="2700" b="1" dirty="0" err="1">
+                <a:solidFill>
+                  <a:schemeClr val="bg1"/>
+                </a:solidFill>
+                <a:latin typeface="Calibri" panose="020F0502020204030204"/>
+              </a:rPr>
+              <a:t>aman</a:t>
+            </a:r>
+            <a:r>
+              <a:rPr lang="en-US" sz="2700" b="1" dirty="0">
+                <a:solidFill>
+                  <a:schemeClr val="bg1"/>
+                </a:solidFill>
+                <a:latin typeface="Calibri" panose="020F0502020204030204"/>
+              </a:rPr>
+              <a:t> </a:t>
+            </a:r>
+            <a:r>
+              <a:rPr lang="en-US" sz="2700" b="1" dirty="0" err="1">
+                <a:solidFill>
+                  <a:schemeClr val="bg1"/>
+                </a:solidFill>
+                <a:latin typeface="Calibri" panose="020F0502020204030204"/>
+              </a:rPr>
+              <a:t>kepada</a:t>
+            </a:r>
+            <a:r>
+              <a:rPr lang="en-US" sz="2700" b="1" dirty="0">
+                <a:solidFill>
+                  <a:schemeClr val="bg1"/>
+                </a:solidFill>
+                <a:latin typeface="Calibri" panose="020F0502020204030204"/>
+              </a:rPr>
+              <a:t> </a:t>
+            </a:r>
+            <a:r>
+              <a:rPr lang="en-US" sz="2700" b="1" dirty="0" err="1">
+                <a:solidFill>
+                  <a:schemeClr val="bg1"/>
+                </a:solidFill>
+                <a:latin typeface="Calibri" panose="020F0502020204030204"/>
+              </a:rPr>
+              <a:t>jasa</a:t>
+            </a:r>
+            <a:r>
+              <a:rPr lang="en-US" sz="2700" b="1" dirty="0">
+                <a:solidFill>
+                  <a:schemeClr val="bg1"/>
+                </a:solidFill>
+                <a:latin typeface="Calibri" panose="020F0502020204030204"/>
+              </a:rPr>
+              <a:t> </a:t>
+            </a:r>
+            <a:r>
+              <a:rPr lang="en-US" sz="2700" b="1" dirty="0" err="1">
+                <a:solidFill>
+                  <a:schemeClr val="bg1"/>
+                </a:solidFill>
+                <a:latin typeface="Calibri" panose="020F0502020204030204"/>
+              </a:rPr>
+              <a:t>kita</a:t>
+            </a:r>
+            <a:endParaRPr lang="en-US" sz="2700" b="1" dirty="0">
               <a:solidFill>
                 <a:schemeClr val="bg1"/>
               </a:solidFill>
@@ -19084,7 +19060,7 @@
         <p:spPr>
           <a:xfrm>
             <a:off x="4724400" y="6155703"/>
-            <a:ext cx="9188875" cy="4082833"/>
+            <a:ext cx="9188875" cy="5228675"/>
           </a:xfrm>
           <a:prstGeom prst="rect">
             <a:avLst/>
@@ -19123,6 +19099,357 @@
           </a:p>
           <a:p>
             <a:pPr defTabSz="1371579"/>
+            <a:r>
+              <a:rPr lang="en-US" sz="2700" b="1" dirty="0">
+                <a:solidFill>
+                  <a:srgbClr val="FD9F4D"/>
+                </a:solidFill>
+                <a:latin typeface="Calibri" panose="020F0502020204030204"/>
+              </a:rPr>
+              <a:t>Budi Santoso </a:t>
+            </a:r>
+            <a:r>
+              <a:rPr lang="en-US" sz="2700" b="1" dirty="0" err="1">
+                <a:solidFill>
+                  <a:srgbClr val="FD9F4D"/>
+                </a:solidFill>
+                <a:latin typeface="Calibri" panose="020F0502020204030204"/>
+              </a:rPr>
+              <a:t>adalah</a:t>
+            </a:r>
+            <a:r>
+              <a:rPr lang="en-US" sz="2700" b="1" dirty="0">
+                <a:solidFill>
+                  <a:srgbClr val="FD9F4D"/>
+                </a:solidFill>
+                <a:latin typeface="Calibri" panose="020F0502020204030204"/>
+              </a:rPr>
+              <a:t> </a:t>
+            </a:r>
+            <a:r>
+              <a:rPr lang="en-US" sz="2700" b="1" dirty="0" err="1">
+                <a:solidFill>
+                  <a:srgbClr val="FD9F4D"/>
+                </a:solidFill>
+                <a:latin typeface="Calibri" panose="020F0502020204030204"/>
+              </a:rPr>
+              <a:t>seorang</a:t>
+            </a:r>
+            <a:r>
+              <a:rPr lang="en-US" sz="2700" b="1" dirty="0">
+                <a:solidFill>
+                  <a:srgbClr val="FD9F4D"/>
+                </a:solidFill>
+                <a:latin typeface="Calibri" panose="020F0502020204030204"/>
+              </a:rPr>
+              <a:t> </a:t>
+            </a:r>
+            <a:r>
+              <a:rPr lang="en-US" sz="2700" b="1" dirty="0" err="1">
+                <a:solidFill>
+                  <a:srgbClr val="FD9F4D"/>
+                </a:solidFill>
+                <a:latin typeface="Calibri" panose="020F0502020204030204"/>
+              </a:rPr>
+              <a:t>pelajar</a:t>
+            </a:r>
+            <a:r>
+              <a:rPr lang="en-US" sz="2700" b="1" dirty="0">
+                <a:solidFill>
+                  <a:srgbClr val="FD9F4D"/>
+                </a:solidFill>
+                <a:latin typeface="Calibri" panose="020F0502020204030204"/>
+              </a:rPr>
+              <a:t> yang </a:t>
+            </a:r>
+            <a:r>
+              <a:rPr lang="en-US" sz="2700" b="1" dirty="0" err="1">
+                <a:solidFill>
+                  <a:srgbClr val="FD9F4D"/>
+                </a:solidFill>
+                <a:latin typeface="Calibri" panose="020F0502020204030204"/>
+              </a:rPr>
+              <a:t>bertempat</a:t>
+            </a:r>
+            <a:r>
+              <a:rPr lang="en-US" sz="2700" b="1" dirty="0">
+                <a:solidFill>
+                  <a:srgbClr val="FD9F4D"/>
+                </a:solidFill>
+                <a:latin typeface="Calibri" panose="020F0502020204030204"/>
+              </a:rPr>
+              <a:t> di </a:t>
+            </a:r>
+            <a:r>
+              <a:rPr lang="en-US" sz="2700" b="1" dirty="0" err="1">
+                <a:solidFill>
+                  <a:srgbClr val="FD9F4D"/>
+                </a:solidFill>
+                <a:latin typeface="Calibri" panose="020F0502020204030204"/>
+              </a:rPr>
+              <a:t>daerah</a:t>
+            </a:r>
+            <a:r>
+              <a:rPr lang="en-US" sz="2700" b="1" dirty="0">
+                <a:solidFill>
+                  <a:srgbClr val="FD9F4D"/>
+                </a:solidFill>
+                <a:latin typeface="Calibri" panose="020F0502020204030204"/>
+              </a:rPr>
+              <a:t> </a:t>
+            </a:r>
+            <a:r>
+              <a:rPr lang="en-US" sz="2700" b="1" dirty="0" err="1">
+                <a:solidFill>
+                  <a:srgbClr val="FD9F4D"/>
+                </a:solidFill>
+                <a:latin typeface="Calibri" panose="020F0502020204030204"/>
+              </a:rPr>
+              <a:t>banten</a:t>
+            </a:r>
+            <a:r>
+              <a:rPr lang="en-US" sz="2700" b="1" dirty="0">
+                <a:solidFill>
+                  <a:srgbClr val="FD9F4D"/>
+                </a:solidFill>
+                <a:latin typeface="Calibri" panose="020F0502020204030204"/>
+              </a:rPr>
+              <a:t>. Budi </a:t>
+            </a:r>
+            <a:r>
+              <a:rPr lang="en-US" sz="2700" b="1" dirty="0" err="1">
+                <a:solidFill>
+                  <a:srgbClr val="FD9F4D"/>
+                </a:solidFill>
+                <a:latin typeface="Calibri" panose="020F0502020204030204"/>
+              </a:rPr>
+              <a:t>aktif</a:t>
+            </a:r>
+            <a:r>
+              <a:rPr lang="en-US" sz="2700" b="1" dirty="0">
+                <a:solidFill>
+                  <a:srgbClr val="FD9F4D"/>
+                </a:solidFill>
+                <a:latin typeface="Calibri" panose="020F0502020204030204"/>
+              </a:rPr>
+              <a:t> </a:t>
+            </a:r>
+            <a:r>
+              <a:rPr lang="en-US" sz="2700" b="1" dirty="0" err="1">
+                <a:solidFill>
+                  <a:srgbClr val="FD9F4D"/>
+                </a:solidFill>
+                <a:latin typeface="Calibri" panose="020F0502020204030204"/>
+              </a:rPr>
+              <a:t>bermain</a:t>
+            </a:r>
+            <a:r>
+              <a:rPr lang="en-US" sz="2700" b="1" dirty="0">
+                <a:solidFill>
+                  <a:srgbClr val="FD9F4D"/>
+                </a:solidFill>
+                <a:latin typeface="Calibri" panose="020F0502020204030204"/>
+              </a:rPr>
+              <a:t> games computer </a:t>
+            </a:r>
+            <a:r>
+              <a:rPr lang="en-US" sz="2700" b="1" dirty="0" err="1">
+                <a:solidFill>
+                  <a:srgbClr val="FD9F4D"/>
+                </a:solidFill>
+                <a:latin typeface="Calibri" panose="020F0502020204030204"/>
+              </a:rPr>
+              <a:t>seperti</a:t>
+            </a:r>
+            <a:r>
+              <a:rPr lang="en-US" sz="2700" b="1" dirty="0">
+                <a:solidFill>
+                  <a:srgbClr val="FD9F4D"/>
+                </a:solidFill>
+                <a:latin typeface="Calibri" panose="020F0502020204030204"/>
+              </a:rPr>
+              <a:t> </a:t>
+            </a:r>
+            <a:r>
+              <a:rPr lang="en-US" sz="2700" b="1" dirty="0" err="1">
+                <a:solidFill>
+                  <a:srgbClr val="FD9F4D"/>
+                </a:solidFill>
+                <a:latin typeface="Calibri" panose="020F0502020204030204"/>
+              </a:rPr>
+              <a:t>valorant</a:t>
+            </a:r>
+            <a:r>
+              <a:rPr lang="en-US" sz="2700" b="1" dirty="0">
+                <a:solidFill>
+                  <a:srgbClr val="FD9F4D"/>
+                </a:solidFill>
+                <a:latin typeface="Calibri" panose="020F0502020204030204"/>
+              </a:rPr>
+              <a:t> dan </a:t>
+            </a:r>
+            <a:r>
+              <a:rPr lang="en-US" sz="2700" b="1" dirty="0" err="1">
+                <a:solidFill>
+                  <a:srgbClr val="FD9F4D"/>
+                </a:solidFill>
+                <a:latin typeface="Calibri" panose="020F0502020204030204"/>
+              </a:rPr>
+              <a:t>elden</a:t>
+            </a:r>
+            <a:r>
+              <a:rPr lang="en-US" sz="2700" b="1" dirty="0">
+                <a:solidFill>
+                  <a:srgbClr val="FD9F4D"/>
+                </a:solidFill>
+                <a:latin typeface="Calibri" panose="020F0502020204030204"/>
+              </a:rPr>
+              <a:t> ring ,</a:t>
+            </a:r>
+            <a:r>
+              <a:rPr lang="en-US" sz="2700" b="1" dirty="0" err="1">
+                <a:solidFill>
+                  <a:srgbClr val="FD9F4D"/>
+                </a:solidFill>
+                <a:latin typeface="Calibri" panose="020F0502020204030204"/>
+              </a:rPr>
+              <a:t>ia</a:t>
+            </a:r>
+            <a:r>
+              <a:rPr lang="en-US" sz="2700" b="1" dirty="0">
+                <a:solidFill>
+                  <a:srgbClr val="FD9F4D"/>
+                </a:solidFill>
+                <a:latin typeface="Calibri" panose="020F0502020204030204"/>
+              </a:rPr>
+              <a:t> </a:t>
+            </a:r>
+            <a:r>
+              <a:rPr lang="en-US" sz="2700" b="1" dirty="0" err="1">
+                <a:solidFill>
+                  <a:srgbClr val="FD9F4D"/>
+                </a:solidFill>
+                <a:latin typeface="Calibri" panose="020F0502020204030204"/>
+              </a:rPr>
+              <a:t>cukup</a:t>
+            </a:r>
+            <a:r>
+              <a:rPr lang="en-US" sz="2700" b="1" dirty="0">
+                <a:solidFill>
+                  <a:srgbClr val="FD9F4D"/>
+                </a:solidFill>
+                <a:latin typeface="Calibri" panose="020F0502020204030204"/>
+              </a:rPr>
+              <a:t> </a:t>
+            </a:r>
+            <a:r>
+              <a:rPr lang="en-US" sz="2700" b="1" dirty="0" err="1">
+                <a:solidFill>
+                  <a:srgbClr val="FD9F4D"/>
+                </a:solidFill>
+                <a:latin typeface="Calibri" panose="020F0502020204030204"/>
+              </a:rPr>
+              <a:t>melek</a:t>
+            </a:r>
+            <a:r>
+              <a:rPr lang="en-US" sz="2700" b="1" dirty="0">
+                <a:solidFill>
+                  <a:srgbClr val="FD9F4D"/>
+                </a:solidFill>
+                <a:latin typeface="Calibri" panose="020F0502020204030204"/>
+              </a:rPr>
+              <a:t> </a:t>
+            </a:r>
+            <a:r>
+              <a:rPr lang="en-US" sz="2700" b="1" dirty="0" err="1">
+                <a:solidFill>
+                  <a:srgbClr val="FD9F4D"/>
+                </a:solidFill>
+                <a:latin typeface="Calibri" panose="020F0502020204030204"/>
+              </a:rPr>
+              <a:t>dengan</a:t>
+            </a:r>
+            <a:r>
+              <a:rPr lang="en-US" sz="2700" b="1" dirty="0">
+                <a:solidFill>
+                  <a:srgbClr val="FD9F4D"/>
+                </a:solidFill>
+                <a:latin typeface="Calibri" panose="020F0502020204030204"/>
+              </a:rPr>
+              <a:t> </a:t>
+            </a:r>
+            <a:r>
+              <a:rPr lang="en-US" sz="2700" b="1" dirty="0" err="1">
+                <a:solidFill>
+                  <a:srgbClr val="FD9F4D"/>
+                </a:solidFill>
+                <a:latin typeface="Calibri" panose="020F0502020204030204"/>
+              </a:rPr>
+              <a:t>teknologi</a:t>
+            </a:r>
+            <a:r>
+              <a:rPr lang="en-US" sz="2700" b="1" dirty="0">
+                <a:solidFill>
+                  <a:srgbClr val="FD9F4D"/>
+                </a:solidFill>
+                <a:latin typeface="Calibri" panose="020F0502020204030204"/>
+              </a:rPr>
+              <a:t> dan </a:t>
+            </a:r>
+            <a:r>
+              <a:rPr lang="en-US" sz="2700" b="1" dirty="0" err="1">
+                <a:solidFill>
+                  <a:srgbClr val="FD9F4D"/>
+                </a:solidFill>
+                <a:latin typeface="Calibri" panose="020F0502020204030204"/>
+              </a:rPr>
+              <a:t>terbiasa</a:t>
+            </a:r>
+            <a:r>
+              <a:rPr lang="en-US" sz="2700" b="1" dirty="0">
+                <a:solidFill>
+                  <a:srgbClr val="FD9F4D"/>
+                </a:solidFill>
+                <a:latin typeface="Calibri" panose="020F0502020204030204"/>
+              </a:rPr>
+              <a:t> </a:t>
+            </a:r>
+            <a:r>
+              <a:rPr lang="en-US" sz="2700" b="1" dirty="0" err="1">
+                <a:solidFill>
+                  <a:srgbClr val="FD9F4D"/>
+                </a:solidFill>
+                <a:latin typeface="Calibri" panose="020F0502020204030204"/>
+              </a:rPr>
+              <a:t>melakukan</a:t>
+            </a:r>
+            <a:r>
+              <a:rPr lang="en-US" sz="2700" b="1" dirty="0">
+                <a:solidFill>
+                  <a:srgbClr val="FD9F4D"/>
+                </a:solidFill>
+                <a:latin typeface="Calibri" panose="020F0502020204030204"/>
+              </a:rPr>
+              <a:t> </a:t>
+            </a:r>
+            <a:r>
+              <a:rPr lang="en-US" sz="2700" b="1" dirty="0" err="1">
+                <a:solidFill>
+                  <a:srgbClr val="FD9F4D"/>
+                </a:solidFill>
+                <a:latin typeface="Calibri" panose="020F0502020204030204"/>
+              </a:rPr>
+              <a:t>transaksi</a:t>
+            </a:r>
+            <a:r>
+              <a:rPr lang="en-US" sz="2700" b="1">
+                <a:solidFill>
+                  <a:srgbClr val="FD9F4D"/>
+                </a:solidFill>
+                <a:latin typeface="Calibri" panose="020F0502020204030204"/>
+              </a:rPr>
+              <a:t> online. </a:t>
+            </a:r>
             <a:endParaRPr lang="en-US" sz="2700" b="1" dirty="0">
               <a:solidFill>
                 <a:srgbClr val="FD9F4D"/>
@@ -19302,7 +19629,7 @@
                 </a:solidFill>
                 <a:latin typeface="Calibri" panose="020F0502020204030204"/>
               </a:rPr>
-              <a:t>Age: </a:t>
+              <a:t>Age: 23</a:t>
             </a:r>
           </a:p>
           <a:p>
@@ -19314,7 +19641,7 @@
                 </a:solidFill>
                 <a:latin typeface="Calibri" panose="020F0502020204030204"/>
               </a:rPr>
-              <a:t>Occupation: 	</a:t>
+              <a:t>Occupation: 	Student</a:t>
             </a:r>
           </a:p>
           <a:p>
@@ -19326,7 +19653,7 @@
                 </a:solidFill>
                 <a:latin typeface="Calibri" panose="020F0502020204030204"/>
               </a:rPr>
-              <a:t>Location:</a:t>
+              <a:t>Location: Banten</a:t>
             </a:r>
           </a:p>
         </p:txBody>
@@ -20118,102 +20445,6 @@
           </a:p>
         </p:txBody>
       </p:sp>
-      <p:sp>
-        <p:nvSpPr>
-          <p:cNvPr id="36" name="TextBox 35">
-            <a:extLst>
-              <a:ext uri="{FF2B5EF4-FFF2-40B4-BE49-F238E27FC236}">
-                <a16:creationId xmlns:a16="http://schemas.microsoft.com/office/drawing/2014/main" id="{437D10F2-D825-4F14-8721-CF5105D60893}"/>
-              </a:ext>
-            </a:extLst>
-          </p:cNvPr>
-          <p:cNvSpPr txBox="1"/>
-          <p:nvPr/>
-        </p:nvSpPr>
-        <p:spPr>
-          <a:xfrm>
-            <a:off x="16315796" y="685762"/>
-            <a:ext cx="1422954" cy="623248"/>
-          </a:xfrm>
-          <a:prstGeom prst="rect">
-            <a:avLst/>
-          </a:prstGeom>
-          <a:noFill/>
-        </p:spPr>
-        <p:txBody>
-          <a:bodyPr wrap="square" lIns="68580" tIns="34290" rIns="68580" bIns="34290" rtlCol="0" anchor="t">
-            <a:spAutoFit/>
-          </a:bodyPr>
-          <a:lstStyle/>
-          <a:p>
-            <a:pPr algn="ctr"/>
-            <a:r>
-              <a:rPr lang="en-US" b="1" dirty="0"/>
-              <a:t>Place your logo here</a:t>
-            </a:r>
-            <a:endParaRPr lang="en-ZA" b="1" dirty="0"/>
-          </a:p>
-        </p:txBody>
-      </p:sp>
-      <p:sp>
-        <p:nvSpPr>
-          <p:cNvPr id="37" name="Rectangle 36">
-            <a:extLst>
-              <a:ext uri="{FF2B5EF4-FFF2-40B4-BE49-F238E27FC236}">
-                <a16:creationId xmlns:a16="http://schemas.microsoft.com/office/drawing/2014/main" id="{5DE34494-019C-4AF1-907B-33245967C575}"/>
-              </a:ext>
-            </a:extLst>
-          </p:cNvPr>
-          <p:cNvSpPr/>
-          <p:nvPr/>
-        </p:nvSpPr>
-        <p:spPr>
-          <a:xfrm>
-            <a:off x="16120030" y="284942"/>
-            <a:ext cx="1695221" cy="1288685"/>
-          </a:xfrm>
-          <a:prstGeom prst="rect">
-            <a:avLst/>
-          </a:prstGeom>
-          <a:noFill/>
-          <a:ln>
-            <a:solidFill>
-              <a:schemeClr val="accent6"/>
-            </a:solidFill>
-          </a:ln>
-          <a:effectLst>
-            <a:outerShdw blurRad="50800" dist="38100" algn="l" rotWithShape="0">
-              <a:prstClr val="black">
-                <a:alpha val="40000"/>
-              </a:prstClr>
-            </a:outerShdw>
-          </a:effectLst>
-        </p:spPr>
-        <p:style>
-          <a:lnRef idx="2">
-            <a:schemeClr val="accent1">
-              <a:shade val="50000"/>
-            </a:schemeClr>
-          </a:lnRef>
-          <a:fillRef idx="1">
-            <a:schemeClr val="accent1"/>
-          </a:fillRef>
-          <a:effectRef idx="0">
-            <a:schemeClr val="accent1"/>
-          </a:effectRef>
-          <a:fontRef idx="minor">
-            <a:schemeClr val="lt1"/>
-          </a:fontRef>
-        </p:style>
-        <p:txBody>
-          <a:bodyPr rtlCol="0" anchor="ctr"/>
-          <a:lstStyle/>
-          <a:p>
-            <a:pPr algn="ctr"/>
-            <a:endParaRPr lang="en-ZA" sz="1100"/>
-          </a:p>
-        </p:txBody>
-      </p:sp>
       <p:grpSp>
         <p:nvGrpSpPr>
           <p:cNvPr id="7" name="Group 6"/>
@@ -20222,10 +20453,10 @@
         </p:nvGrpSpPr>
         <p:grpSpPr>
           <a:xfrm>
-            <a:off x="1257989" y="2168971"/>
-            <a:ext cx="14862812" cy="5653300"/>
-            <a:chOff x="993509" y="1275171"/>
-            <a:chExt cx="6765358" cy="3292455"/>
+            <a:off x="1257989" y="2174128"/>
+            <a:ext cx="15481578" cy="7384176"/>
+            <a:chOff x="993509" y="1277739"/>
+            <a:chExt cx="7047012" cy="3675983"/>
           </a:xfrm>
         </p:grpSpPr>
         <p:grpSp>
@@ -21153,7 +21384,7 @@
           <p:spPr>
             <a:xfrm>
               <a:off x="993509" y="1343410"/>
-              <a:ext cx="1949094" cy="806614"/>
+              <a:ext cx="1949094" cy="681141"/>
             </a:xfrm>
             <a:prstGeom prst="rect">
               <a:avLst/>
@@ -21262,24 +21493,16 @@
                 <a:tabLst/>
                 <a:defRPr/>
               </a:pPr>
-              <a:endParaRPr kumimoji="0" lang="en-US" sz="1400" b="0" i="0" u="none" strike="noStrike" kern="0" cap="none" spc="0" normalizeH="0" baseline="0" noProof="0" dirty="0">
-                <a:ln>
-                  <a:noFill/>
-                </a:ln>
-                <a:solidFill>
-                  <a:prstClr val="white">
-                    <a:lumMod val="50000"/>
-                  </a:prstClr>
-                </a:solidFill>
-                <a:effectLst/>
-                <a:uLnTx/>
-                <a:uFillTx/>
+              <a:endParaRPr lang="pt-BR" sz="1400" i="1" kern="0" dirty="0">
+                <a:solidFill>
+                  <a:prstClr val="black"/>
+                </a:solidFill>
                 <a:cs typeface="Arial"/>
-                <a:sym typeface="Wingdings" panose="05000000000000000000" pitchFamily="2" charset="2"/>
+                <a:sym typeface="Arial"/>
               </a:endParaRPr>
             </a:p>
             <a:p>
-              <a:pPr marL="0" marR="0" lvl="0" indent="0" defTabSz="685783" eaLnBrk="1" fontAlgn="auto" latinLnBrk="0" hangingPunct="1">
+              <a:pPr marR="0" lvl="0" defTabSz="685783" eaLnBrk="1" fontAlgn="auto" latinLnBrk="0" hangingPunct="1">
                 <a:lnSpc>
                   <a:spcPct val="100000"/>
                 </a:lnSpc>
@@ -21291,93 +21514,47 @@
                 </a:spcAft>
                 <a:buClrTx/>
                 <a:buSzTx/>
-                <a:buFont typeface="Arial"/>
-                <a:buNone/>
                 <a:tabLst/>
                 <a:defRPr/>
               </a:pPr>
-              <a:endParaRPr kumimoji="0" lang="en-US" sz="1400" b="0" i="0" u="none" strike="noStrike" kern="0" cap="none" spc="0" normalizeH="0" baseline="0" noProof="0" dirty="0">
+              <a:r>
+                <a:rPr kumimoji="0" lang="pt-BR" sz="1400" b="0" i="1" u="none" strike="noStrike" kern="0" cap="none" spc="0" normalizeH="0" baseline="0" noProof="0" dirty="0">
+                  <a:ln>
+                    <a:noFill/>
+                  </a:ln>
+                  <a:solidFill>
+                    <a:prstClr val="black"/>
+                  </a:solidFill>
+                  <a:effectLst/>
+                  <a:uLnTx/>
+                  <a:uFillTx/>
+                  <a:cs typeface="Arial"/>
+                  <a:sym typeface="Arial"/>
+                </a:rPr>
+                <a:t>Kami </a:t>
+              </a:r>
+              <a:r>
+                <a:rPr lang="pt-BR" sz="1400" i="1" kern="0" dirty="0">
+                  <a:solidFill>
+                    <a:prstClr val="black"/>
+                  </a:solidFill>
+                  <a:cs typeface="Arial"/>
+                  <a:sym typeface="Arial"/>
+                </a:rPr>
+                <a:t>menawarkan sebuah Platform untuk mendukung para gamer dalam bermain game.</a:t>
+              </a:r>
+              <a:endParaRPr kumimoji="0" lang="pt-BR" sz="1400" b="0" i="1" u="none" strike="noStrike" kern="0" cap="none" spc="0" normalizeH="0" baseline="0" noProof="0" dirty="0">
                 <a:ln>
                   <a:noFill/>
                 </a:ln>
                 <a:solidFill>
-                  <a:prstClr val="white">
-                    <a:lumMod val="50000"/>
-                  </a:prstClr>
+                  <a:prstClr val="black"/>
                 </a:solidFill>
                 <a:effectLst/>
                 <a:uLnTx/>
                 <a:uFillTx/>
                 <a:cs typeface="Arial"/>
-                <a:sym typeface="Wingdings" panose="05000000000000000000" pitchFamily="2" charset="2"/>
-              </a:endParaRPr>
-            </a:p>
-            <a:p>
-              <a:pPr marL="0" marR="0" lvl="0" indent="0" defTabSz="685783" eaLnBrk="1" fontAlgn="auto" latinLnBrk="0" hangingPunct="1">
-                <a:lnSpc>
-                  <a:spcPct val="100000"/>
-                </a:lnSpc>
-                <a:spcBef>
-                  <a:spcPts val="0"/>
-                </a:spcBef>
-                <a:spcAft>
-                  <a:spcPts val="0"/>
-                </a:spcAft>
-                <a:buClrTx/>
-                <a:buSzTx/>
-                <a:buFont typeface="Arial"/>
-                <a:buNone/>
-                <a:tabLst/>
-                <a:defRPr/>
-              </a:pPr>
-              <a:endParaRPr kumimoji="0" lang="en-US" sz="1400" b="0" i="0" u="none" strike="noStrike" kern="0" cap="none" spc="0" normalizeH="0" baseline="0" noProof="0" dirty="0">
-                <a:ln>
-                  <a:noFill/>
-                </a:ln>
-                <a:solidFill>
-                  <a:prstClr val="white">
-                    <a:lumMod val="50000"/>
-                  </a:prstClr>
-                </a:solidFill>
-                <a:effectLst/>
-                <a:uLnTx/>
-                <a:uFillTx/>
-                <a:cs typeface="Arial"/>
-                <a:sym typeface="Wingdings" panose="05000000000000000000" pitchFamily="2" charset="2"/>
-              </a:endParaRPr>
-            </a:p>
-            <a:p>
-              <a:pPr marL="0" marR="0" lvl="0" indent="0" defTabSz="685783" eaLnBrk="1" fontAlgn="auto" latinLnBrk="0" hangingPunct="1">
-                <a:lnSpc>
-                  <a:spcPct val="100000"/>
-                </a:lnSpc>
-                <a:spcBef>
-                  <a:spcPts val="0"/>
-                </a:spcBef>
-                <a:spcAft>
-                  <a:spcPts val="0"/>
-                </a:spcAft>
-                <a:buClrTx/>
-                <a:buSzTx/>
-                <a:buFont typeface="Arial"/>
-                <a:buNone/>
-                <a:tabLst/>
-                <a:defRPr/>
-              </a:pPr>
-              <a:endParaRPr kumimoji="0" lang="en-US" sz="1400" b="0" i="0" u="none" strike="noStrike" kern="0" cap="none" spc="0" normalizeH="0" baseline="0" noProof="0" dirty="0">
-                <a:ln>
-                  <a:noFill/>
-                </a:ln>
-                <a:solidFill>
-                  <a:prstClr val="white">
-                    <a:lumMod val="50000"/>
-                  </a:prstClr>
-                </a:solidFill>
-                <a:effectLst/>
-                <a:uLnTx/>
-                <a:uFillTx/>
-                <a:cs typeface="Arial"/>
-                <a:sym typeface="Wingdings" panose="05000000000000000000" pitchFamily="2" charset="2"/>
+                <a:sym typeface="Arial"/>
               </a:endParaRPr>
             </a:p>
           </p:txBody>
@@ -21443,7 +21620,7 @@
           <p:spPr>
             <a:xfrm>
               <a:off x="1010229" y="3648983"/>
-              <a:ext cx="1804149" cy="806614"/>
+              <a:ext cx="1804149" cy="932087"/>
             </a:xfrm>
             <a:prstGeom prst="rect">
               <a:avLst/>
@@ -21480,7 +21657,7 @@
                 <a:tabLst/>
                 <a:defRPr/>
               </a:pPr>
-              <a:endParaRPr kumimoji="0" lang="en-US" sz="1400" b="0" i="0" u="none" strike="noStrike" kern="0" cap="none" spc="0" normalizeH="0" baseline="0" noProof="0">
+              <a:endParaRPr kumimoji="0" lang="en-US" sz="1400" b="0" i="0" u="none" strike="noStrike" kern="0" cap="none" spc="0" normalizeH="0" baseline="0" noProof="0" dirty="0">
                 <a:ln>
                   <a:noFill/>
                 </a:ln>
@@ -21515,7 +21692,7 @@
                 <a:defRPr/>
               </a:pPr>
               <a:r>
-                <a:rPr kumimoji="0" lang="pt-BR" sz="1400" b="0" i="1" u="none" strike="noStrike" kern="0" cap="none" spc="0" normalizeH="0" baseline="0" noProof="0">
+                <a:rPr kumimoji="0" lang="pt-BR" sz="1400" b="0" i="1" u="none" strike="noStrike" kern="0" cap="none" spc="0" normalizeH="0" baseline="0" noProof="0" dirty="0">
                   <a:ln>
                     <a:noFill/>
                   </a:ln>
@@ -21530,22 +21707,9 @@
                 </a:rPr>
                 <a:t>Which features of your offering relieve the customer's pains?</a:t>
               </a:r>
-              <a:endParaRPr kumimoji="0" lang="en-US" sz="1400" b="0" i="0" u="none" strike="noStrike" kern="0" cap="none" spc="0" normalizeH="0" baseline="0" noProof="0">
-                <a:ln>
-                  <a:noFill/>
-                </a:ln>
-                <a:solidFill>
-                  <a:prstClr val="black"/>
-                </a:solidFill>
-                <a:effectLst/>
-                <a:uLnTx/>
-                <a:uFillTx/>
-                <a:cs typeface="Arial"/>
-                <a:sym typeface="Arial"/>
-              </a:endParaRPr>
             </a:p>
             <a:p>
-              <a:pPr marL="0" marR="0" lvl="0" indent="0" defTabSz="685783" eaLnBrk="1" fontAlgn="auto" latinLnBrk="0" hangingPunct="1">
+              <a:pPr marL="128585" marR="0" lvl="0" indent="-128585" defTabSz="685783" eaLnBrk="1" fontAlgn="auto" latinLnBrk="0" hangingPunct="1">
                 <a:lnSpc>
                   <a:spcPct val="100000"/>
                 </a:lnSpc>
@@ -21557,29 +21721,21 @@
                 </a:spcAft>
                 <a:buClrTx/>
                 <a:buSzTx/>
-                <a:buFont typeface="Arial"/>
-                <a:buNone/>
+                <a:buFont typeface="Wingdings" panose="05000000000000000000" pitchFamily="2" charset="2"/>
+                <a:buChar char="à"/>
                 <a:tabLst/>
                 <a:defRPr/>
               </a:pPr>
-              <a:endParaRPr kumimoji="0" lang="en-US" sz="1400" b="0" i="0" u="none" strike="noStrike" kern="0" cap="none" spc="0" normalizeH="0" baseline="0" noProof="0">
-                <a:ln>
-                  <a:noFill/>
-                </a:ln>
-                <a:solidFill>
-                  <a:prstClr val="white">
-                    <a:lumMod val="50000"/>
-                  </a:prstClr>
-                </a:solidFill>
-                <a:effectLst/>
-                <a:uLnTx/>
-                <a:uFillTx/>
+              <a:endParaRPr lang="pt-BR" sz="1400" i="1" kern="0" dirty="0">
+                <a:solidFill>
+                  <a:prstClr val="black"/>
+                </a:solidFill>
                 <a:cs typeface="Arial"/>
-                <a:sym typeface="Wingdings" panose="05000000000000000000" pitchFamily="2" charset="2"/>
+                <a:sym typeface="Arial"/>
               </a:endParaRPr>
             </a:p>
             <a:p>
-              <a:pPr marL="0" marR="0" lvl="0" indent="0" defTabSz="685783" eaLnBrk="1" fontAlgn="auto" latinLnBrk="0" hangingPunct="1">
+              <a:pPr marR="0" lvl="0" defTabSz="685783" eaLnBrk="1" fontAlgn="auto" latinLnBrk="0" hangingPunct="1">
                 <a:lnSpc>
                   <a:spcPct val="100000"/>
                 </a:lnSpc>
@@ -21591,29 +21747,22 @@
                 </a:spcAft>
                 <a:buClrTx/>
                 <a:buSzTx/>
-                <a:buFont typeface="Arial"/>
-                <a:buNone/>
                 <a:tabLst/>
                 <a:defRPr/>
               </a:pPr>
-              <a:endParaRPr kumimoji="0" lang="en-US" sz="1400" b="0" i="0" u="none" strike="noStrike" kern="0" cap="none" spc="0" normalizeH="0" baseline="0" noProof="0">
-                <a:ln>
-                  <a:noFill/>
-                </a:ln>
-                <a:solidFill>
-                  <a:prstClr val="white">
-                    <a:lumMod val="50000"/>
-                  </a:prstClr>
-                </a:solidFill>
-                <a:effectLst/>
-                <a:uLnTx/>
-                <a:uFillTx/>
-                <a:cs typeface="Arial"/>
-                <a:sym typeface="Wingdings" panose="05000000000000000000" pitchFamily="2" charset="2"/>
-              </a:endParaRPr>
+              <a:r>
+                <a:rPr lang="pt-BR" sz="1400" i="1" kern="0" dirty="0">
+                  <a:solidFill>
+                    <a:prstClr val="black"/>
+                  </a:solidFill>
+                  <a:cs typeface="Arial"/>
+                  <a:sym typeface="Arial"/>
+                </a:rPr>
+                <a:t>Kami menawarkan fitur Voucher diskon serta jasa joki atau topup yang sangat terjangkan</a:t>
+              </a:r>
             </a:p>
             <a:p>
-              <a:pPr marL="0" marR="0" lvl="0" indent="0" defTabSz="685783" eaLnBrk="1" fontAlgn="auto" latinLnBrk="0" hangingPunct="1">
+              <a:pPr marL="128585" marR="0" lvl="0" indent="-128585" defTabSz="685783" eaLnBrk="1" fontAlgn="auto" latinLnBrk="0" hangingPunct="1">
                 <a:lnSpc>
                   <a:spcPct val="100000"/>
                 </a:lnSpc>
@@ -21625,25 +21774,23 @@
                 </a:spcAft>
                 <a:buClrTx/>
                 <a:buSzTx/>
-                <a:buFont typeface="Arial"/>
-                <a:buNone/>
+                <a:buFont typeface="Wingdings" panose="05000000000000000000" pitchFamily="2" charset="2"/>
+                <a:buChar char="à"/>
                 <a:tabLst/>
                 <a:defRPr/>
               </a:pPr>
-              <a:endParaRPr kumimoji="0" lang="en-US" sz="1400" b="0" i="0" u="none" strike="noStrike" kern="0" cap="none" spc="0" normalizeH="0" baseline="0" noProof="0">
+              <a:endParaRPr kumimoji="0" lang="pt-BR" sz="1400" b="0" i="1" u="none" strike="noStrike" kern="0" cap="none" spc="0" normalizeH="0" baseline="0" noProof="0" dirty="0">
                 <a:ln>
                   <a:noFill/>
                 </a:ln>
                 <a:solidFill>
-                  <a:prstClr val="white">
-                    <a:lumMod val="50000"/>
-                  </a:prstClr>
+                  <a:prstClr val="black"/>
                 </a:solidFill>
                 <a:effectLst/>
                 <a:uLnTx/>
                 <a:uFillTx/>
                 <a:cs typeface="Arial"/>
-                <a:sym typeface="Wingdings" panose="05000000000000000000" pitchFamily="2" charset="2"/>
+                <a:sym typeface="Arial"/>
               </a:endParaRPr>
             </a:p>
           </p:txBody>
@@ -21758,8 +21905,8 @@
           </p:nvSpPr>
           <p:spPr>
             <a:xfrm>
-              <a:off x="5822840" y="1275171"/>
-              <a:ext cx="1936027" cy="918644"/>
+              <a:off x="5803717" y="1277739"/>
+              <a:ext cx="1936027" cy="1321497"/>
             </a:xfrm>
             <a:prstGeom prst="rect">
               <a:avLst/>
@@ -21937,6 +22084,50 @@
                 </a:rPr>
                 <a:t> What would make the customer happy? </a:t>
               </a:r>
+            </a:p>
+            <a:p>
+              <a:pPr marR="0" lvl="0" defTabSz="685783" eaLnBrk="1" fontAlgn="auto" latinLnBrk="0" hangingPunct="1">
+                <a:lnSpc>
+                  <a:spcPct val="100000"/>
+                </a:lnSpc>
+                <a:spcBef>
+                  <a:spcPts val="0"/>
+                </a:spcBef>
+                <a:spcAft>
+                  <a:spcPts val="0"/>
+                </a:spcAft>
+                <a:buClrTx/>
+                <a:buSzTx/>
+                <a:tabLst/>
+                <a:defRPr/>
+              </a:pPr>
+              <a:r>
+                <a:rPr lang="pt-BR" sz="1400" i="1" kern="0" dirty="0">
+                  <a:solidFill>
+                    <a:prstClr val="black"/>
+                  </a:solidFill>
+                  <a:cs typeface="Arial"/>
+                  <a:sym typeface="Arial"/>
+                </a:rPr>
+                <a:t>Dengan adanya beberapa voucher diskon yang dapat digunakan customer</a:t>
+              </a:r>
+            </a:p>
+            <a:p>
+              <a:pPr marR="0" lvl="0" defTabSz="685783" eaLnBrk="1" fontAlgn="auto" latinLnBrk="0" hangingPunct="1">
+                <a:lnSpc>
+                  <a:spcPct val="100000"/>
+                </a:lnSpc>
+                <a:spcBef>
+                  <a:spcPts val="0"/>
+                </a:spcBef>
+                <a:spcAft>
+                  <a:spcPts val="0"/>
+                </a:spcAft>
+                <a:buClrTx/>
+                <a:buSzTx/>
+                <a:tabLst/>
+                <a:defRPr/>
+              </a:pPr>
               <a:endParaRPr kumimoji="0" lang="pt-BR" sz="1400" b="0" i="1" u="none" strike="noStrike" kern="0" cap="none" spc="0" normalizeH="0" baseline="0" noProof="0" dirty="0">
                 <a:ln>
                   <a:noFill/>
@@ -21985,24 +22176,16 @@
                 </a:rPr>
                 <a:t>? What do the clients want when facing the problem?</a:t>
               </a:r>
-              <a:endParaRPr kumimoji="0" lang="pt-BR" sz="1400" b="0" i="1" u="none" strike="noStrike" kern="0" cap="none" spc="0" normalizeH="0" baseline="0" noProof="0" dirty="0">
-                <a:ln>
-                  <a:noFill/>
-                </a:ln>
-                <a:solidFill>
-                  <a:prstClr val="white">
-                    <a:lumMod val="50000"/>
-                  </a:prstClr>
-                </a:solidFill>
-                <a:effectLst/>
-                <a:uLnTx/>
-                <a:uFillTx/>
-                <a:cs typeface="Calibri" panose="020F0502020204030204"/>
+              <a:endParaRPr lang="pt-BR" sz="1400" i="1" kern="0" dirty="0">
+                <a:solidFill>
+                  <a:prstClr val="black"/>
+                </a:solidFill>
+                <a:cs typeface="Arial"/>
                 <a:sym typeface="Arial"/>
               </a:endParaRPr>
             </a:p>
             <a:p>
-              <a:pPr marL="128111" marR="0" lvl="0" indent="-128111" defTabSz="685783" eaLnBrk="1" fontAlgn="auto" latinLnBrk="0" hangingPunct="1">
+              <a:pPr marR="0" lvl="0" defTabSz="685783" eaLnBrk="1" fontAlgn="auto" latinLnBrk="0" hangingPunct="1">
                 <a:lnSpc>
                   <a:spcPct val="100000"/>
                 </a:lnSpc>
@@ -22014,8 +22197,42 @@
                 </a:spcAft>
                 <a:buClrTx/>
                 <a:buSzTx/>
-                <a:buFont typeface="Wingdings" panose="05000000000000000000" pitchFamily="2" charset="2"/>
-                <a:buChar char="à"/>
+                <a:tabLst/>
+                <a:defRPr/>
+              </a:pPr>
+              <a:r>
+                <a:rPr kumimoji="0" lang="pt-BR" sz="1400" b="0" i="1" u="none" strike="noStrike" kern="0" cap="none" spc="0" normalizeH="0" baseline="0" noProof="0" dirty="0">
+                  <a:ln>
+                    <a:noFill/>
+                  </a:ln>
+                  <a:solidFill>
+                    <a:srgbClr val="000000"/>
+                  </a:solidFill>
+                  <a:effectLst/>
+                  <a:highlight>
+                    <a:srgbClr val="FFFF00"/>
+                  </a:highlight>
+                  <a:uLnTx/>
+                  <a:uFillTx/>
+                  <a:cs typeface="Calibri"/>
+                  <a:sym typeface="Arial"/>
+                </a:rPr>
+                <a:t>Cient mendapatkan solusi bagaimana cara menyelesaikan masalah tersebut</a:t>
+              </a:r>
+            </a:p>
+            <a:p>
+              <a:pPr marR="0" lvl="0" defTabSz="685783" eaLnBrk="1" fontAlgn="auto" latinLnBrk="0" hangingPunct="1">
+                <a:lnSpc>
+                  <a:spcPct val="100000"/>
+                </a:lnSpc>
+                <a:spcBef>
+                  <a:spcPts val="0"/>
+                </a:spcBef>
+                <a:spcAft>
+                  <a:spcPts val="0"/>
+                </a:spcAft>
+                <a:buClrTx/>
+                <a:buSzTx/>
                 <a:tabLst/>
                 <a:defRPr/>
               </a:pPr>
@@ -22076,13 +22293,15 @@
         <p:cxnSp>
           <p:nvCxnSpPr>
             <p:cNvPr id="46" name="Straight Connector 45"/>
-            <p:cNvCxnSpPr/>
+            <p:cNvCxnSpPr>
+              <a:cxnSpLocks/>
+            </p:cNvCxnSpPr>
             <p:nvPr/>
           </p:nvCxnSpPr>
           <p:spPr>
             <a:xfrm>
-              <a:off x="5824125" y="2947312"/>
-              <a:ext cx="151861" cy="2850"/>
+              <a:off x="5816469" y="3166820"/>
+              <a:ext cx="303057" cy="0"/>
             </a:xfrm>
             <a:prstGeom prst="line">
               <a:avLst/>
@@ -22106,7 +22325,7 @@
           </p:nvCxnSpPr>
           <p:spPr>
             <a:xfrm flipH="1" flipV="1">
-              <a:off x="5963697" y="2419869"/>
+              <a:off x="6111418" y="2696017"/>
               <a:ext cx="8108" cy="1082870"/>
             </a:xfrm>
             <a:prstGeom prst="line">
@@ -22126,13 +22345,15 @@
         <p:cxnSp>
           <p:nvCxnSpPr>
             <p:cNvPr id="48" name="Straight Connector 47"/>
-            <p:cNvCxnSpPr/>
+            <p:cNvCxnSpPr>
+              <a:cxnSpLocks/>
+            </p:cNvCxnSpPr>
             <p:nvPr/>
           </p:nvCxnSpPr>
           <p:spPr>
-            <a:xfrm flipV="1">
-              <a:off x="5136822" y="3644573"/>
-              <a:ext cx="1" cy="385252"/>
+            <a:xfrm flipH="1" flipV="1">
+              <a:off x="5136823" y="3644573"/>
+              <a:ext cx="10263" cy="538257"/>
             </a:xfrm>
             <a:prstGeom prst="line">
               <a:avLst/>
@@ -22157,9 +22378,9 @@
             <p:nvPr/>
           </p:nvCxnSpPr>
           <p:spPr>
-            <a:xfrm flipH="1" flipV="1">
-              <a:off x="5136823" y="4029825"/>
-              <a:ext cx="536268" cy="32"/>
+            <a:xfrm flipH="1">
+              <a:off x="5141718" y="4182830"/>
+              <a:ext cx="830087" cy="0"/>
             </a:xfrm>
             <a:prstGeom prst="line">
               <a:avLst/>
@@ -22183,8 +22404,8 @@
           </p:nvSpPr>
           <p:spPr>
             <a:xfrm>
-              <a:off x="5673091" y="3648982"/>
-              <a:ext cx="2068716" cy="918644"/>
+              <a:off x="5971805" y="3846729"/>
+              <a:ext cx="2068716" cy="1106993"/>
             </a:xfrm>
             <a:prstGeom prst="rect">
               <a:avLst/>
@@ -22222,7 +22443,7 @@
                 <a:defRPr/>
               </a:pPr>
               <a:r>
-                <a:rPr kumimoji="0" lang="en-US" sz="1400" b="0" i="0" u="none" strike="noStrike" kern="0" cap="none" spc="0" normalizeH="0" baseline="0" noProof="0">
+                <a:rPr kumimoji="0" lang="en-US" sz="1400" b="0" i="0" u="none" strike="noStrike" kern="0" cap="none" spc="0" normalizeH="0" baseline="0" noProof="0" dirty="0">
                   <a:ln>
                     <a:noFill/>
                   </a:ln>
@@ -22240,7 +22461,7 @@
                 <a:t>I would </a:t>
               </a:r>
               <a:r>
-                <a:rPr kumimoji="0" lang="en-US" sz="1400" b="1" i="0" u="none" strike="noStrike" kern="0" cap="none" spc="0" normalizeH="0" baseline="0" noProof="0">
+                <a:rPr kumimoji="0" lang="en-US" sz="1400" b="1" i="0" u="none" strike="noStrike" kern="0" cap="none" spc="0" normalizeH="0" baseline="0" noProof="0" dirty="0">
                   <a:ln>
                     <a:noFill/>
                   </a:ln>
@@ -22258,7 +22479,7 @@
                 <a:t>HATE</a:t>
               </a:r>
               <a:r>
-                <a:rPr kumimoji="0" lang="en-US" sz="1400" b="0" i="0" u="none" strike="noStrike" kern="0" cap="none" spc="0" normalizeH="0" baseline="0" noProof="0">
+                <a:rPr kumimoji="0" lang="en-US" sz="1400" b="0" i="0" u="none" strike="noStrike" kern="0" cap="none" spc="0" normalizeH="0" baseline="0" noProof="0" dirty="0">
                   <a:ln>
                     <a:noFill/>
                   </a:ln>
@@ -22294,7 +22515,7 @@
                 <a:tabLst/>
                 <a:defRPr/>
               </a:pPr>
-              <a:endParaRPr kumimoji="0" lang="en-US" sz="1400" b="0" i="0" u="none" strike="noStrike" kern="0" cap="none" spc="0" normalizeH="0" baseline="0" noProof="0">
+              <a:endParaRPr kumimoji="0" lang="en-US" sz="1400" b="0" i="0" u="none" strike="noStrike" kern="0" cap="none" spc="0" normalizeH="0" baseline="0" noProof="0" dirty="0">
                 <a:ln>
                   <a:noFill/>
                 </a:ln>
@@ -22329,7 +22550,7 @@
                 <a:defRPr/>
               </a:pPr>
               <a:r>
-                <a:rPr kumimoji="0" lang="pt-BR" sz="1400" b="0" i="1" u="none" strike="noStrike" kern="0" cap="none" spc="0" normalizeH="0" baseline="0" noProof="0">
+                <a:rPr kumimoji="0" lang="pt-BR" sz="1400" b="0" i="1" u="none" strike="noStrike" kern="0" cap="none" spc="0" normalizeH="0" baseline="0" noProof="0" dirty="0">
                   <a:ln>
                     <a:noFill/>
                   </a:ln>
@@ -22344,7 +22565,64 @@
                 </a:rPr>
                 <a:t>What are the pains of the clients when facing the problem?</a:t>
               </a:r>
-              <a:endParaRPr kumimoji="0" lang="pt-BR" sz="1400" b="0" i="1" u="none" strike="noStrike" kern="0" cap="none" spc="0" normalizeH="0" baseline="0" noProof="0">
+            </a:p>
+            <a:p>
+              <a:pPr marR="0" lvl="0" defTabSz="685783" eaLnBrk="1" fontAlgn="auto" latinLnBrk="0" hangingPunct="1">
+                <a:lnSpc>
+                  <a:spcPct val="100000"/>
+                </a:lnSpc>
+                <a:spcBef>
+                  <a:spcPts val="0"/>
+                </a:spcBef>
+                <a:spcAft>
+                  <a:spcPts val="0"/>
+                </a:spcAft>
+                <a:buClrTx/>
+                <a:buSzTx/>
+                <a:tabLst/>
+                <a:defRPr/>
+              </a:pPr>
+              <a:endParaRPr lang="pt-BR" sz="1400" i="1" kern="0" dirty="0">
+                <a:solidFill>
+                  <a:prstClr val="black"/>
+                </a:solidFill>
+                <a:cs typeface="Arial"/>
+                <a:sym typeface="Arial"/>
+              </a:endParaRPr>
+            </a:p>
+            <a:p>
+              <a:pPr marR="0" lvl="0" defTabSz="685783" eaLnBrk="1" fontAlgn="auto" latinLnBrk="0" hangingPunct="1">
+                <a:lnSpc>
+                  <a:spcPct val="100000"/>
+                </a:lnSpc>
+                <a:spcBef>
+                  <a:spcPts val="0"/>
+                </a:spcBef>
+                <a:spcAft>
+                  <a:spcPts val="0"/>
+                </a:spcAft>
+                <a:buClrTx/>
+                <a:buSzTx/>
+                <a:tabLst/>
+                <a:defRPr/>
+              </a:pPr>
+              <a:r>
+                <a:rPr kumimoji="0" lang="pt-BR" sz="1400" b="0" i="1" u="none" strike="noStrike" kern="0" cap="none" spc="0" normalizeH="0" baseline="0" noProof="0" dirty="0">
+                  <a:ln>
+                    <a:noFill/>
+                  </a:ln>
+                  <a:solidFill>
+                    <a:prstClr val="black"/>
+                  </a:solidFill>
+                  <a:effectLst/>
+                  <a:uLnTx/>
+                  <a:uFillTx/>
+                  <a:cs typeface="Arial"/>
+                  <a:sym typeface="Arial"/>
+                </a:rPr>
+                <a:t>Masalah yang didapat oleh client tidak dapat diselesaikan dengan cepat dan tepat</a:t>
+              </a:r>
+              <a:endParaRPr kumimoji="0" lang="pt-BR" sz="1400" b="0" i="1" u="none" strike="noStrike" kern="0" cap="none" spc="0" normalizeH="0" baseline="0" noProof="0" dirty="0">
                 <a:ln>
                   <a:noFill/>
                 </a:ln>
@@ -22376,7 +22654,7 @@
                 <a:tabLst/>
                 <a:defRPr/>
               </a:pPr>
-              <a:endParaRPr kumimoji="0" lang="pt-BR" sz="1400" b="0" i="1" u="none" strike="noStrike" kern="0" cap="none" spc="0" normalizeH="0" baseline="0" noProof="0">
+              <a:endParaRPr kumimoji="0" lang="pt-BR" sz="1400" b="0" i="1" u="none" strike="noStrike" kern="0" cap="none" spc="0" normalizeH="0" baseline="0" noProof="0" dirty="0">
                 <a:ln>
                   <a:noFill/>
                 </a:ln>
@@ -22409,7 +22687,7 @@
                 <a:defRPr/>
               </a:pPr>
               <a:r>
-                <a:rPr kumimoji="0" lang="pt-BR" sz="1400" b="0" i="1" u="none" strike="noStrike" kern="0" cap="none" spc="0" normalizeH="0" baseline="0" noProof="0">
+                <a:rPr kumimoji="0" lang="pt-BR" sz="1400" b="0" i="1" u="none" strike="noStrike" kern="0" cap="none" spc="0" normalizeH="0" baseline="0" noProof="0" dirty="0">
                   <a:ln>
                     <a:noFill/>
                   </a:ln>
@@ -22435,8 +22713,8 @@
           </p:nvSpPr>
           <p:spPr>
             <a:xfrm>
-              <a:off x="6022507" y="2422024"/>
-              <a:ext cx="1719300" cy="918644"/>
+              <a:off x="6163013" y="2684144"/>
+              <a:ext cx="1719300" cy="1106993"/>
             </a:xfrm>
             <a:prstGeom prst="rect">
               <a:avLst/>
@@ -22474,7 +22752,7 @@
                 <a:defRPr/>
               </a:pPr>
               <a:r>
-                <a:rPr kumimoji="0" lang="en-US" sz="1400" b="0" i="0" u="none" strike="noStrike" kern="0" cap="none" spc="0" normalizeH="0" baseline="0" noProof="0">
+                <a:rPr kumimoji="0" lang="en-US" sz="1400" b="0" i="0" u="none" strike="noStrike" kern="0" cap="none" spc="0" normalizeH="0" baseline="0" noProof="0" dirty="0">
                   <a:ln>
                     <a:noFill/>
                   </a:ln>
@@ -22492,7 +22770,7 @@
                 <a:t>I would </a:t>
               </a:r>
               <a:r>
-                <a:rPr kumimoji="0" lang="en-US" sz="1400" b="1" i="0" u="none" strike="noStrike" kern="0" cap="none" spc="0" normalizeH="0" baseline="0" noProof="0">
+                <a:rPr kumimoji="0" lang="en-US" sz="1400" b="1" i="0" u="none" strike="noStrike" kern="0" cap="none" spc="0" normalizeH="0" baseline="0" noProof="0" dirty="0">
                   <a:ln>
                     <a:noFill/>
                   </a:ln>
@@ -22510,7 +22788,7 @@
                 <a:t>WANT</a:t>
               </a:r>
               <a:r>
-                <a:rPr kumimoji="0" lang="en-US" sz="1400" b="0" i="0" u="none" strike="noStrike" kern="0" cap="none" spc="0" normalizeH="0" baseline="0" noProof="0">
+                <a:rPr kumimoji="0" lang="en-US" sz="1400" b="0" i="0" u="none" strike="noStrike" kern="0" cap="none" spc="0" normalizeH="0" baseline="0" noProof="0" dirty="0">
                   <a:ln>
                     <a:noFill/>
                   </a:ln>
@@ -22546,7 +22824,7 @@
                 <a:tabLst/>
                 <a:defRPr/>
               </a:pPr>
-              <a:endParaRPr kumimoji="0" lang="en-US" sz="1400" b="0" i="0" u="none" strike="noStrike" kern="0" cap="none" spc="0" normalizeH="0" baseline="0" noProof="0">
+              <a:endParaRPr kumimoji="0" lang="en-US" sz="1400" b="0" i="0" u="none" strike="noStrike" kern="0" cap="none" spc="0" normalizeH="0" baseline="0" noProof="0" dirty="0">
                 <a:ln>
                   <a:noFill/>
                 </a:ln>
@@ -22581,7 +22859,7 @@
                 <a:defRPr/>
               </a:pPr>
               <a:r>
-                <a:rPr kumimoji="0" lang="pt-BR" sz="1400" b="0" i="1" u="none" strike="noStrike" kern="0" cap="none" spc="0" normalizeH="0" baseline="0" noProof="0">
+                <a:rPr kumimoji="0" lang="pt-BR" sz="1400" b="0" i="1" u="none" strike="noStrike" kern="0" cap="none" spc="0" normalizeH="0" baseline="0" noProof="0" dirty="0">
                   <a:ln>
                     <a:noFill/>
                   </a:ln>
@@ -22596,24 +22874,9 @@
                 </a:rPr>
                 <a:t>What do the clients do (actions) when facing the problem?</a:t>
               </a:r>
-              <a:endParaRPr kumimoji="0" lang="en-US" sz="1400" b="0" i="0" u="none" strike="noStrike" kern="0" cap="none" spc="0" normalizeH="0" baseline="0" noProof="0">
-                <a:ln>
-                  <a:noFill/>
-                </a:ln>
-                <a:solidFill>
-                  <a:prstClr val="white">
-                    <a:lumMod val="50000"/>
-                  </a:prstClr>
-                </a:solidFill>
-                <a:effectLst/>
-                <a:uLnTx/>
-                <a:uFillTx/>
-                <a:cs typeface="Calibri" panose="020F0502020204030204"/>
-                <a:sym typeface="Arial"/>
-              </a:endParaRPr>
             </a:p>
             <a:p>
-              <a:pPr marL="128111" marR="0" lvl="0" indent="-128111" defTabSz="685783" eaLnBrk="1" fontAlgn="auto" latinLnBrk="0" hangingPunct="1">
+              <a:pPr marR="0" lvl="0" defTabSz="685783" eaLnBrk="1" fontAlgn="auto" latinLnBrk="0" hangingPunct="1">
                 <a:lnSpc>
                   <a:spcPct val="100000"/>
                 </a:lnSpc>
@@ -22625,12 +22888,46 @@
                 </a:spcAft>
                 <a:buClrTx/>
                 <a:buSzTx/>
-                <a:buFont typeface="Wingdings" panose="05000000000000000000" pitchFamily="2" charset="2"/>
-                <a:buChar char="à"/>
                 <a:tabLst/>
                 <a:defRPr/>
               </a:pPr>
-              <a:endParaRPr kumimoji="0" lang="en-US" sz="1400" b="0" i="0" u="none" strike="noStrike" kern="0" cap="none" spc="0" normalizeH="0" baseline="0" noProof="0">
+              <a:r>
+                <a:rPr lang="pt-BR" sz="1400" i="1" kern="0" dirty="0">
+                  <a:solidFill>
+                    <a:prstClr val="black"/>
+                  </a:solidFill>
+                  <a:cs typeface="Arial"/>
+                  <a:sym typeface="Arial"/>
+                </a:rPr>
+                <a:t>Client dapat mencontact customer service ataupun membuka halaman bantuan penyelesaian masalah.</a:t>
+              </a:r>
+              <a:endParaRPr lang="en-US" sz="1400" kern="0" dirty="0">
+                <a:solidFill>
+                  <a:prstClr val="white">
+                    <a:lumMod val="50000"/>
+                  </a:prstClr>
+                </a:solidFill>
+                <a:cs typeface="Calibri" panose="020F0502020204030204"/>
+                <a:sym typeface="Arial"/>
+              </a:endParaRPr>
+            </a:p>
+            <a:p>
+              <a:pPr marR="0" lvl="0" defTabSz="685783" eaLnBrk="1" fontAlgn="auto" latinLnBrk="0" hangingPunct="1">
+                <a:lnSpc>
+                  <a:spcPct val="100000"/>
+                </a:lnSpc>
+                <a:spcBef>
+                  <a:spcPts val="0"/>
+                </a:spcBef>
+                <a:spcAft>
+                  <a:spcPts val="0"/>
+                </a:spcAft>
+                <a:buClrTx/>
+                <a:buSzTx/>
+                <a:tabLst/>
+                <a:defRPr/>
+              </a:pPr>
+              <a:endParaRPr kumimoji="0" lang="en-US" sz="1400" b="0" i="0" u="none" strike="noStrike" kern="0" cap="none" spc="0" normalizeH="0" baseline="0" noProof="0" dirty="0">
                 <a:ln>
                   <a:noFill/>
                 </a:ln>
@@ -22665,7 +22962,7 @@
                 <a:defRPr/>
               </a:pPr>
               <a:r>
-                <a:rPr kumimoji="0" lang="pt-BR" sz="1400" b="0" i="1" u="none" strike="noStrike" kern="0" cap="none" spc="0" normalizeH="0" baseline="0" noProof="0">
+                <a:rPr kumimoji="0" lang="pt-BR" sz="1400" b="0" i="1" u="none" strike="noStrike" kern="0" cap="none" spc="0" normalizeH="0" baseline="0" noProof="0" dirty="0">
                   <a:ln>
                     <a:noFill/>
                   </a:ln>
@@ -22692,7 +22989,7 @@
           <p:spPr>
             <a:xfrm>
               <a:off x="993510" y="2381024"/>
-              <a:ext cx="1819070" cy="932087"/>
+              <a:ext cx="1819070" cy="1183034"/>
             </a:xfrm>
             <a:prstGeom prst="rect">
               <a:avLst/>
@@ -22786,6 +23083,154 @@
                     <a:lumMod val="50000"/>
                   </a:prstClr>
                 </a:solidFill>
+                <a:effectLst/>
+                <a:uLnTx/>
+                <a:uFillTx/>
+                <a:cs typeface="Arial"/>
+                <a:sym typeface="Arial"/>
+              </a:endParaRPr>
+            </a:p>
+            <a:p>
+              <a:pPr marL="0" marR="0" lvl="0" indent="0" algn="just" defTabSz="685783" eaLnBrk="1" fontAlgn="auto" latinLnBrk="0" hangingPunct="1">
+                <a:lnSpc>
+                  <a:spcPct val="100000"/>
+                </a:lnSpc>
+                <a:spcBef>
+                  <a:spcPts val="0"/>
+                </a:spcBef>
+                <a:spcAft>
+                  <a:spcPts val="0"/>
+                </a:spcAft>
+                <a:buClrTx/>
+                <a:buSzTx/>
+                <a:buFont typeface="Arial"/>
+                <a:buNone/>
+                <a:tabLst/>
+                <a:defRPr/>
+              </a:pPr>
+              <a:r>
+                <a:rPr lang="en-IN" sz="1400" kern="0" dirty="0">
+                  <a:cs typeface="Arial"/>
+                  <a:sym typeface="Arial"/>
+                </a:rPr>
+                <a:t>Kami </a:t>
+              </a:r>
+              <a:r>
+                <a:rPr lang="en-IN" sz="1400" kern="0" dirty="0" err="1">
+                  <a:cs typeface="Arial"/>
+                  <a:sym typeface="Arial"/>
+                </a:rPr>
+                <a:t>menawarkan</a:t>
+              </a:r>
+              <a:r>
+                <a:rPr lang="en-IN" sz="1400" kern="0" dirty="0">
+                  <a:cs typeface="Arial"/>
+                  <a:sym typeface="Arial"/>
+                </a:rPr>
+                <a:t> </a:t>
+              </a:r>
+              <a:r>
+                <a:rPr lang="en-IN" sz="1400" kern="0" dirty="0" err="1">
+                  <a:cs typeface="Arial"/>
+                  <a:sym typeface="Arial"/>
+                </a:rPr>
+                <a:t>jasa</a:t>
+              </a:r>
+              <a:r>
+                <a:rPr lang="en-IN" sz="1400" kern="0" dirty="0">
+                  <a:cs typeface="Arial"/>
+                  <a:sym typeface="Arial"/>
+                </a:rPr>
+                <a:t> </a:t>
+              </a:r>
+              <a:r>
+                <a:rPr lang="en-IN" sz="1400" kern="0" dirty="0" err="1">
+                  <a:cs typeface="Arial"/>
+                  <a:sym typeface="Arial"/>
+                </a:rPr>
+                <a:t>topup</a:t>
+              </a:r>
+              <a:r>
+                <a:rPr lang="en-IN" sz="1400" kern="0" dirty="0">
+                  <a:cs typeface="Arial"/>
+                  <a:sym typeface="Arial"/>
+                </a:rPr>
+                <a:t>, </a:t>
+              </a:r>
+              <a:r>
+                <a:rPr lang="en-IN" sz="1400" kern="0" dirty="0" err="1">
+                  <a:cs typeface="Arial"/>
+                  <a:sym typeface="Arial"/>
+                </a:rPr>
+                <a:t>jasa</a:t>
+              </a:r>
+              <a:r>
+                <a:rPr lang="en-IN" sz="1400" kern="0" dirty="0">
+                  <a:cs typeface="Arial"/>
+                  <a:sym typeface="Arial"/>
+                </a:rPr>
+                <a:t> </a:t>
+              </a:r>
+              <a:r>
+                <a:rPr lang="en-IN" sz="1400" kern="0" dirty="0" err="1">
+                  <a:cs typeface="Arial"/>
+                  <a:sym typeface="Arial"/>
+                </a:rPr>
+                <a:t>joki</a:t>
+              </a:r>
+              <a:r>
+                <a:rPr lang="en-IN" sz="1400" kern="0" dirty="0">
+                  <a:cs typeface="Arial"/>
+                  <a:sym typeface="Arial"/>
+                </a:rPr>
+                <a:t>, </a:t>
+              </a:r>
+              <a:r>
+                <a:rPr lang="en-IN" sz="1400" kern="0" dirty="0" err="1">
+                  <a:cs typeface="Arial"/>
+                  <a:sym typeface="Arial"/>
+                </a:rPr>
+                <a:t>kemudian</a:t>
+              </a:r>
+              <a:r>
+                <a:rPr lang="en-IN" sz="1400" kern="0" dirty="0">
+                  <a:cs typeface="Arial"/>
+                  <a:sym typeface="Arial"/>
+                </a:rPr>
+                <a:t> voucher – voucher </a:t>
+              </a:r>
+              <a:r>
+                <a:rPr lang="en-IN" sz="1400" kern="0" dirty="0" err="1">
+                  <a:cs typeface="Arial"/>
+                  <a:sym typeface="Arial"/>
+                </a:rPr>
+                <a:t>menarik</a:t>
+              </a:r>
+              <a:r>
+                <a:rPr lang="en-IN" sz="1400" kern="0" dirty="0">
+                  <a:cs typeface="Arial"/>
+                  <a:sym typeface="Arial"/>
+                </a:rPr>
+                <a:t>, dan </a:t>
+              </a:r>
+              <a:r>
+                <a:rPr lang="en-IN" sz="1400" kern="0" dirty="0" err="1">
+                  <a:cs typeface="Arial"/>
+                  <a:sym typeface="Arial"/>
+                </a:rPr>
+                <a:t>lainnya</a:t>
+              </a:r>
+              <a:r>
+                <a:rPr lang="en-IN" sz="1400" kern="0" dirty="0">
+                  <a:cs typeface="Arial"/>
+                  <a:sym typeface="Arial"/>
+                </a:rPr>
+                <a:t>.</a:t>
+              </a:r>
+              <a:endParaRPr kumimoji="0" lang="en-IN" sz="1400" b="0" i="0" u="none" strike="noStrike" kern="0" cap="none" spc="0" normalizeH="0" baseline="0" noProof="0" dirty="0">
+                <a:ln>
+                  <a:noFill/>
+                </a:ln>
                 <a:effectLst/>
                 <a:uLnTx/>
                 <a:uFillTx/>
@@ -23030,7 +23475,7 @@
         </p:nvSpPr>
         <p:spPr>
           <a:xfrm>
-            <a:off x="12203990" y="7922621"/>
+            <a:off x="5772030" y="8214778"/>
             <a:ext cx="5629701" cy="1938992"/>
           </a:xfrm>
           <a:prstGeom prst="rect">
@@ -23113,7 +23558,7 @@
         </p:blipFill>
         <p:spPr>
           <a:xfrm>
-            <a:off x="12442830" y="7922621"/>
+            <a:off x="6012416" y="8214778"/>
             <a:ext cx="655576" cy="858078"/>
           </a:xfrm>
           <a:prstGeom prst="rect">
@@ -23123,10 +23568,10 @@
       </p:pic>
       <p:pic>
         <p:nvPicPr>
-          <p:cNvPr id="4" name="Picture 3">
+          <p:cNvPr id="3" name="Picture 2">
             <a:extLst>
               <a:ext uri="{FF2B5EF4-FFF2-40B4-BE49-F238E27FC236}">
-                <a16:creationId xmlns:a16="http://schemas.microsoft.com/office/drawing/2014/main" id="{23E02648-B8DA-3497-EC96-6FAA82FFD429}"/>
+                <a16:creationId xmlns:a16="http://schemas.microsoft.com/office/drawing/2014/main" id="{7A368379-2FA7-0806-5D9B-B067303080C4}"/>
               </a:ext>
             </a:extLst>
           </p:cNvPr>
@@ -23136,15 +23581,21 @@
           <p:nvPr/>
         </p:nvPicPr>
         <p:blipFill>
-          <a:blip r:embed="rId4"/>
+          <a:blip r:embed="rId4" cstate="print">
+            <a:extLst>
+              <a:ext uri="{28A0092B-C50C-407E-A947-70E740481C1C}">
+                <a14:useLocalDpi xmlns:a14="http://schemas.microsoft.com/office/drawing/2010/main" val="0"/>
+              </a:ext>
+            </a:extLst>
+          </a:blip>
           <a:stretch>
             <a:fillRect/>
           </a:stretch>
         </p:blipFill>
         <p:spPr>
           <a:xfrm>
-            <a:off x="16339787" y="323042"/>
-            <a:ext cx="1255705" cy="1255705"/>
+            <a:off x="16230600" y="227913"/>
+            <a:ext cx="1656227" cy="1656227"/>
           </a:xfrm>
           <a:prstGeom prst="rect">
             <a:avLst/>
@@ -23626,102 +24077,6 @@
       </p:sp>
       <p:sp>
         <p:nvSpPr>
-          <p:cNvPr id="13" name="TextBox 12">
-            <a:extLst>
-              <a:ext uri="{FF2B5EF4-FFF2-40B4-BE49-F238E27FC236}">
-                <a16:creationId xmlns:a16="http://schemas.microsoft.com/office/drawing/2014/main" id="{437D10F2-D825-4F14-8721-CF5105D60893}"/>
-              </a:ext>
-            </a:extLst>
-          </p:cNvPr>
-          <p:cNvSpPr txBox="1"/>
-          <p:nvPr/>
-        </p:nvSpPr>
-        <p:spPr>
-          <a:xfrm>
-            <a:off x="16121867" y="905672"/>
-            <a:ext cx="1422954" cy="623248"/>
-          </a:xfrm>
-          <a:prstGeom prst="rect">
-            <a:avLst/>
-          </a:prstGeom>
-          <a:noFill/>
-        </p:spPr>
-        <p:txBody>
-          <a:bodyPr wrap="square" lIns="68580" tIns="34290" rIns="68580" bIns="34290" rtlCol="0" anchor="t">
-            <a:spAutoFit/>
-          </a:bodyPr>
-          <a:lstStyle/>
-          <a:p>
-            <a:pPr algn="ctr"/>
-            <a:r>
-              <a:rPr lang="en-US" b="1" dirty="0"/>
-              <a:t>Place your logo here</a:t>
-            </a:r>
-            <a:endParaRPr lang="en-ZA" b="1" dirty="0"/>
-          </a:p>
-        </p:txBody>
-      </p:sp>
-      <p:sp>
-        <p:nvSpPr>
-          <p:cNvPr id="14" name="Rectangle 13">
-            <a:extLst>
-              <a:ext uri="{FF2B5EF4-FFF2-40B4-BE49-F238E27FC236}">
-                <a16:creationId xmlns:a16="http://schemas.microsoft.com/office/drawing/2014/main" id="{5DE34494-019C-4AF1-907B-33245967C575}"/>
-              </a:ext>
-            </a:extLst>
-          </p:cNvPr>
-          <p:cNvSpPr/>
-          <p:nvPr/>
-        </p:nvSpPr>
-        <p:spPr>
-          <a:xfrm>
-            <a:off x="15849600" y="572954"/>
-            <a:ext cx="1695221" cy="1288685"/>
-          </a:xfrm>
-          <a:prstGeom prst="rect">
-            <a:avLst/>
-          </a:prstGeom>
-          <a:noFill/>
-          <a:ln>
-            <a:solidFill>
-              <a:schemeClr val="accent6"/>
-            </a:solidFill>
-          </a:ln>
-          <a:effectLst>
-            <a:outerShdw blurRad="50800" dist="38100" algn="l" rotWithShape="0">
-              <a:prstClr val="black">
-                <a:alpha val="40000"/>
-              </a:prstClr>
-            </a:outerShdw>
-          </a:effectLst>
-        </p:spPr>
-        <p:style>
-          <a:lnRef idx="2">
-            <a:schemeClr val="accent1">
-              <a:shade val="50000"/>
-            </a:schemeClr>
-          </a:lnRef>
-          <a:fillRef idx="1">
-            <a:schemeClr val="accent1"/>
-          </a:fillRef>
-          <a:effectRef idx="0">
-            <a:schemeClr val="accent1"/>
-          </a:effectRef>
-          <a:fontRef idx="minor">
-            <a:schemeClr val="lt1"/>
-          </a:fontRef>
-        </p:style>
-        <p:txBody>
-          <a:bodyPr rtlCol="0" anchor="ctr"/>
-          <a:lstStyle/>
-          <a:p>
-            <a:pPr algn="ctr"/>
-            <a:endParaRPr lang="en-ZA" sz="1100"/>
-          </a:p>
-        </p:txBody>
-      </p:sp>
-      <p:sp>
-        <p:nvSpPr>
           <p:cNvPr id="2" name="Rectangle 1"/>
           <p:cNvSpPr/>
           <p:nvPr/>
@@ -23847,10 +24202,10 @@
       </p:sp>
       <p:pic>
         <p:nvPicPr>
-          <p:cNvPr id="3" name="Picture 2">
+          <p:cNvPr id="4" name="Picture 3">
             <a:extLst>
               <a:ext uri="{FF2B5EF4-FFF2-40B4-BE49-F238E27FC236}">
-                <a16:creationId xmlns:a16="http://schemas.microsoft.com/office/drawing/2014/main" id="{AAF6BF58-FA2E-6C81-F37A-8AC361C470BC}"/>
+                <a16:creationId xmlns:a16="http://schemas.microsoft.com/office/drawing/2014/main" id="{1F70663A-A47B-5267-61C8-0640F7980872}"/>
               </a:ext>
             </a:extLst>
           </p:cNvPr>
@@ -23860,15 +24215,21 @@
           <p:nvPr/>
         </p:nvPicPr>
         <p:blipFill>
-          <a:blip r:embed="rId3"/>
+          <a:blip r:embed="rId3" cstate="print">
+            <a:extLst>
+              <a:ext uri="{28A0092B-C50C-407E-A947-70E740481C1C}">
+                <a14:useLocalDpi xmlns:a14="http://schemas.microsoft.com/office/drawing/2010/main" val="0"/>
+              </a:ext>
+            </a:extLst>
+          </a:blip>
           <a:stretch>
             <a:fillRect/>
           </a:stretch>
         </p:blipFill>
         <p:spPr>
           <a:xfrm>
-            <a:off x="16121867" y="589443"/>
-            <a:ext cx="1255705" cy="1255705"/>
+            <a:off x="16078200" y="387677"/>
+            <a:ext cx="1656227" cy="1656227"/>
           </a:xfrm>
           <a:prstGeom prst="rect">
             <a:avLst/>
@@ -23935,102 +24296,6 @@
               <a:rPr lang="en-US" sz="5400" b="1" dirty="0"/>
               <a:t>Competition Analysis</a:t>
             </a:r>
-          </a:p>
-        </p:txBody>
-      </p:sp>
-      <p:sp>
-        <p:nvSpPr>
-          <p:cNvPr id="36" name="TextBox 35">
-            <a:extLst>
-              <a:ext uri="{FF2B5EF4-FFF2-40B4-BE49-F238E27FC236}">
-                <a16:creationId xmlns:a16="http://schemas.microsoft.com/office/drawing/2014/main" id="{437D10F2-D825-4F14-8721-CF5105D60893}"/>
-              </a:ext>
-            </a:extLst>
-          </p:cNvPr>
-          <p:cNvSpPr txBox="1"/>
-          <p:nvPr/>
-        </p:nvSpPr>
-        <p:spPr>
-          <a:xfrm>
-            <a:off x="16121566" y="794080"/>
-            <a:ext cx="1422954" cy="623248"/>
-          </a:xfrm>
-          <a:prstGeom prst="rect">
-            <a:avLst/>
-          </a:prstGeom>
-          <a:noFill/>
-        </p:spPr>
-        <p:txBody>
-          <a:bodyPr wrap="square" lIns="68580" tIns="34290" rIns="68580" bIns="34290" rtlCol="0" anchor="t">
-            <a:spAutoFit/>
-          </a:bodyPr>
-          <a:lstStyle/>
-          <a:p>
-            <a:pPr algn="ctr"/>
-            <a:r>
-              <a:rPr lang="en-US" b="1" dirty="0"/>
-              <a:t>Place your logo here</a:t>
-            </a:r>
-            <a:endParaRPr lang="en-ZA" b="1" dirty="0"/>
-          </a:p>
-        </p:txBody>
-      </p:sp>
-      <p:sp>
-        <p:nvSpPr>
-          <p:cNvPr id="37" name="Rectangle 36">
-            <a:extLst>
-              <a:ext uri="{FF2B5EF4-FFF2-40B4-BE49-F238E27FC236}">
-                <a16:creationId xmlns:a16="http://schemas.microsoft.com/office/drawing/2014/main" id="{5DE34494-019C-4AF1-907B-33245967C575}"/>
-              </a:ext>
-            </a:extLst>
-          </p:cNvPr>
-          <p:cNvSpPr/>
-          <p:nvPr/>
-        </p:nvSpPr>
-        <p:spPr>
-          <a:xfrm>
-            <a:off x="15925800" y="315439"/>
-            <a:ext cx="1695221" cy="1288685"/>
-          </a:xfrm>
-          <a:prstGeom prst="rect">
-            <a:avLst/>
-          </a:prstGeom>
-          <a:noFill/>
-          <a:ln>
-            <a:solidFill>
-              <a:schemeClr val="accent6"/>
-            </a:solidFill>
-          </a:ln>
-          <a:effectLst>
-            <a:outerShdw blurRad="50800" dist="38100" algn="l" rotWithShape="0">
-              <a:prstClr val="black">
-                <a:alpha val="40000"/>
-              </a:prstClr>
-            </a:outerShdw>
-          </a:effectLst>
-        </p:spPr>
-        <p:style>
-          <a:lnRef idx="2">
-            <a:schemeClr val="accent1">
-              <a:shade val="50000"/>
-            </a:schemeClr>
-          </a:lnRef>
-          <a:fillRef idx="1">
-            <a:schemeClr val="accent1"/>
-          </a:fillRef>
-          <a:effectRef idx="0">
-            <a:schemeClr val="accent1"/>
-          </a:effectRef>
-          <a:fontRef idx="minor">
-            <a:schemeClr val="lt1"/>
-          </a:fontRef>
-        </p:style>
-        <p:txBody>
-          <a:bodyPr rtlCol="0" anchor="ctr"/>
-          <a:lstStyle/>
-          <a:p>
-            <a:pPr algn="ctr"/>
-            <a:endParaRPr lang="en-ZA" sz="1100"/>
           </a:p>
         </p:txBody>
       </p:sp>
@@ -25499,10 +25764,10 @@
       </p:graphicFrame>
       <p:pic>
         <p:nvPicPr>
-          <p:cNvPr id="2" name="Picture 1">
+          <p:cNvPr id="3" name="Picture 2">
             <a:extLst>
               <a:ext uri="{FF2B5EF4-FFF2-40B4-BE49-F238E27FC236}">
-                <a16:creationId xmlns:a16="http://schemas.microsoft.com/office/drawing/2014/main" id="{E4CB42B7-067E-F323-791E-B451FC888B74}"/>
+                <a16:creationId xmlns:a16="http://schemas.microsoft.com/office/drawing/2014/main" id="{68378254-D18E-FAC0-7B41-CC50F7184E85}"/>
               </a:ext>
             </a:extLst>
           </p:cNvPr>
@@ -25512,15 +25777,21 @@
           <p:nvPr/>
         </p:nvPicPr>
         <p:blipFill>
-          <a:blip r:embed="rId2"/>
+          <a:blip r:embed="rId2" cstate="print">
+            <a:extLst>
+              <a:ext uri="{28A0092B-C50C-407E-A947-70E740481C1C}">
+                <a14:useLocalDpi xmlns:a14="http://schemas.microsoft.com/office/drawing/2010/main" val="0"/>
+              </a:ext>
+            </a:extLst>
+          </a:blip>
           <a:stretch>
             <a:fillRect/>
           </a:stretch>
         </p:blipFill>
         <p:spPr>
           <a:xfrm>
-            <a:off x="16145557" y="348419"/>
-            <a:ext cx="1255705" cy="1255705"/>
+            <a:off x="16232528" y="419100"/>
+            <a:ext cx="1656227" cy="1656227"/>
           </a:xfrm>
           <a:prstGeom prst="rect">
             <a:avLst/>
